--- a/categorias en machine learning.pptx
+++ b/categorias en machine learning.pptx
@@ -6,11 +6,14 @@
   </p:sldMasterIdLst>
   <p:sldIdLst>
     <p:sldId id="256" r:id="rId2"/>
+    <p:sldId id="257" r:id="rId3"/>
+    <p:sldId id="258" r:id="rId4"/>
+    <p:sldId id="259" r:id="rId5"/>
   </p:sldIdLst>
   <p:sldSz cx="12192000" cy="6858000"/>
   <p:notesSz cx="6858000" cy="9144000"/>
   <p:custDataLst>
-    <p:tags r:id="rId3"/>
+    <p:tags r:id="rId6"/>
   </p:custDataLst>
   <p:defaultTextStyle>
     <a:defPPr>
@@ -107,6 +110,11 @@
       </a:defRPr>
     </a:lvl9pPr>
   </p:defaultTextStyle>
+  <p:extLst>
+    <p:ext uri="{EFAFB233-063F-42B5-8137-9DF3F51BA10A}">
+      <p15:sldGuideLst xmlns:p15="http://schemas.microsoft.com/office/powerpoint/2012/main"/>
+    </p:ext>
+  </p:extLst>
 </p:presentation>
 </file>
 
@@ -257,7 +265,7 @@
           <a:p>
             <a:fld id="{9BB5413F-7912-4330-AD11-32B182D60A79}" type="datetimeFigureOut">
               <a:rPr lang="en-US" smtClean="0"/>
-              <a:t>7/29/2024</a:t>
+              <a:t>8/7/2024</a:t>
             </a:fld>
             <a:endParaRPr lang="en-US"/>
           </a:p>
@@ -455,7 +463,7 @@
           <a:p>
             <a:fld id="{9BB5413F-7912-4330-AD11-32B182D60A79}" type="datetimeFigureOut">
               <a:rPr lang="en-US" smtClean="0"/>
-              <a:t>7/29/2024</a:t>
+              <a:t>8/7/2024</a:t>
             </a:fld>
             <a:endParaRPr lang="en-US"/>
           </a:p>
@@ -663,7 +671,7 @@
           <a:p>
             <a:fld id="{9BB5413F-7912-4330-AD11-32B182D60A79}" type="datetimeFigureOut">
               <a:rPr lang="en-US" smtClean="0"/>
-              <a:t>7/29/2024</a:t>
+              <a:t>8/7/2024</a:t>
             </a:fld>
             <a:endParaRPr lang="en-US"/>
           </a:p>
@@ -861,7 +869,7 @@
           <a:p>
             <a:fld id="{9BB5413F-7912-4330-AD11-32B182D60A79}" type="datetimeFigureOut">
               <a:rPr lang="en-US" smtClean="0"/>
-              <a:t>7/29/2024</a:t>
+              <a:t>8/7/2024</a:t>
             </a:fld>
             <a:endParaRPr lang="en-US"/>
           </a:p>
@@ -1136,7 +1144,7 @@
           <a:p>
             <a:fld id="{9BB5413F-7912-4330-AD11-32B182D60A79}" type="datetimeFigureOut">
               <a:rPr lang="en-US" smtClean="0"/>
-              <a:t>7/29/2024</a:t>
+              <a:t>8/7/2024</a:t>
             </a:fld>
             <a:endParaRPr lang="en-US"/>
           </a:p>
@@ -1401,7 +1409,7 @@
           <a:p>
             <a:fld id="{9BB5413F-7912-4330-AD11-32B182D60A79}" type="datetimeFigureOut">
               <a:rPr lang="en-US" smtClean="0"/>
-              <a:t>7/29/2024</a:t>
+              <a:t>8/7/2024</a:t>
             </a:fld>
             <a:endParaRPr lang="en-US"/>
           </a:p>
@@ -1813,7 +1821,7 @@
           <a:p>
             <a:fld id="{9BB5413F-7912-4330-AD11-32B182D60A79}" type="datetimeFigureOut">
               <a:rPr lang="en-US" smtClean="0"/>
-              <a:t>7/29/2024</a:t>
+              <a:t>8/7/2024</a:t>
             </a:fld>
             <a:endParaRPr lang="en-US"/>
           </a:p>
@@ -1954,7 +1962,7 @@
           <a:p>
             <a:fld id="{9BB5413F-7912-4330-AD11-32B182D60A79}" type="datetimeFigureOut">
               <a:rPr lang="en-US" smtClean="0"/>
-              <a:t>7/29/2024</a:t>
+              <a:t>8/7/2024</a:t>
             </a:fld>
             <a:endParaRPr lang="en-US"/>
           </a:p>
@@ -2067,7 +2075,7 @@
           <a:p>
             <a:fld id="{9BB5413F-7912-4330-AD11-32B182D60A79}" type="datetimeFigureOut">
               <a:rPr lang="en-US" smtClean="0"/>
-              <a:t>7/29/2024</a:t>
+              <a:t>8/7/2024</a:t>
             </a:fld>
             <a:endParaRPr lang="en-US"/>
           </a:p>
@@ -2378,7 +2386,7 @@
           <a:p>
             <a:fld id="{9BB5413F-7912-4330-AD11-32B182D60A79}" type="datetimeFigureOut">
               <a:rPr lang="en-US" smtClean="0"/>
-              <a:t>7/29/2024</a:t>
+              <a:t>8/7/2024</a:t>
             </a:fld>
             <a:endParaRPr lang="en-US"/>
           </a:p>
@@ -2666,7 +2674,7 @@
           <a:p>
             <a:fld id="{9BB5413F-7912-4330-AD11-32B182D60A79}" type="datetimeFigureOut">
               <a:rPr lang="en-US" smtClean="0"/>
-              <a:t>7/29/2024</a:t>
+              <a:t>8/7/2024</a:t>
             </a:fld>
             <a:endParaRPr lang="en-US"/>
           </a:p>
@@ -2973,7 +2981,7 @@
           <a:p>
             <a:fld id="{9BB5413F-7912-4330-AD11-32B182D60A79}" type="datetimeFigureOut">
               <a:rPr lang="en-US" smtClean="0"/>
-              <a:t>7/29/2024</a:t>
+              <a:t>8/7/2024</a:t>
             </a:fld>
             <a:endParaRPr lang="en-US"/>
           </a:p>
@@ -4501,6 +4509,2235 @@
 </p:sld>
 </file>
 
+<file path=ppt/slides/slide2.xml><?xml version="1.0" encoding="utf-8"?>
+<p:sld xmlns:a="http://schemas.openxmlformats.org/drawingml/2006/main" xmlns:r="http://schemas.openxmlformats.org/officeDocument/2006/relationships" xmlns:p="http://schemas.openxmlformats.org/presentationml/2006/main">
+  <p:cSld>
+    <p:spTree>
+      <p:nvGrpSpPr>
+        <p:cNvPr id="1" name=""/>
+        <p:cNvGrpSpPr/>
+        <p:nvPr/>
+      </p:nvGrpSpPr>
+      <p:grpSpPr>
+        <a:xfrm>
+          <a:off x="0" y="0"/>
+          <a:ext cx="0" cy="0"/>
+          <a:chOff x="0" y="0"/>
+          <a:chExt cx="0" cy="0"/>
+        </a:xfrm>
+      </p:grpSpPr>
+      <p:graphicFrame>
+        <p:nvGraphicFramePr>
+          <p:cNvPr id="4" name="think-cell data - do not delete" hidden="1">
+            <a:extLst>
+              <a:ext uri="{FF2B5EF4-FFF2-40B4-BE49-F238E27FC236}">
+                <a16:creationId xmlns:a16="http://schemas.microsoft.com/office/drawing/2014/main" id="{4DB0EEDA-8078-4F90-C7AE-8CCE7E035D44}"/>
+              </a:ext>
+            </a:extLst>
+          </p:cNvPr>
+          <p:cNvGraphicFramePr>
+            <a:graphicFrameLocks noChangeAspect="1"/>
+          </p:cNvGraphicFramePr>
+          <p:nvPr>
+            <p:custDataLst>
+              <p:tags r:id="rId1"/>
+            </p:custDataLst>
+            <p:extLst>
+              <p:ext uri="{D42A27DB-BD31-4B8C-83A1-F6EECF244321}">
+                <p14:modId xmlns:p14="http://schemas.microsoft.com/office/powerpoint/2010/main" val="402710461"/>
+              </p:ext>
+            </p:extLst>
+          </p:nvPr>
+        </p:nvGraphicFramePr>
+        <p:xfrm>
+          <a:off x="1588" y="1588"/>
+          <a:ext cx="1588" cy="1588"/>
+        </p:xfrm>
+        <a:graphic>
+          <a:graphicData uri="http://schemas.openxmlformats.org/presentationml/2006/ole">
+            <mc:AlternateContent xmlns:mc="http://schemas.openxmlformats.org/markup-compatibility/2006">
+              <mc:Choice xmlns:v="urn:schemas-microsoft-com:vml" Requires="v">
+                <p:oleObj name="think-cell Slide" r:id="rId3" imgW="395" imgH="394" progId="TCLayout.ActiveDocument.1">
+                  <p:embed/>
+                </p:oleObj>
+              </mc:Choice>
+              <mc:Fallback>
+                <p:oleObj name="think-cell Slide" r:id="rId3" imgW="395" imgH="394" progId="TCLayout.ActiveDocument.1">
+                  <p:embed/>
+                  <p:pic>
+                    <p:nvPicPr>
+                      <p:cNvPr id="0" name=""/>
+                      <p:cNvPicPr/>
+                      <p:nvPr/>
+                    </p:nvPicPr>
+                    <p:blipFill>
+                      <a:blip r:embed="rId4"/>
+                      <a:stretch>
+                        <a:fillRect/>
+                      </a:stretch>
+                    </p:blipFill>
+                    <p:spPr>
+                      <a:xfrm>
+                        <a:off x="1588" y="1588"/>
+                        <a:ext cx="1588" cy="1588"/>
+                      </a:xfrm>
+                      <a:prstGeom prst="rect">
+                        <a:avLst/>
+                      </a:prstGeom>
+                    </p:spPr>
+                  </p:pic>
+                </p:oleObj>
+              </mc:Fallback>
+            </mc:AlternateContent>
+          </a:graphicData>
+        </a:graphic>
+      </p:graphicFrame>
+      <p:graphicFrame>
+        <p:nvGraphicFramePr>
+          <p:cNvPr id="5" name="Table 4">
+            <a:extLst>
+              <a:ext uri="{FF2B5EF4-FFF2-40B4-BE49-F238E27FC236}">
+                <a16:creationId xmlns:a16="http://schemas.microsoft.com/office/drawing/2014/main" id="{5DC26E23-7C55-9922-CE8B-B4A05D2D6F87}"/>
+              </a:ext>
+            </a:extLst>
+          </p:cNvPr>
+          <p:cNvGraphicFramePr>
+            <a:graphicFrameLocks noGrp="1"/>
+          </p:cNvGraphicFramePr>
+          <p:nvPr>
+            <p:extLst>
+              <p:ext uri="{D42A27DB-BD31-4B8C-83A1-F6EECF244321}">
+                <p14:modId xmlns:p14="http://schemas.microsoft.com/office/powerpoint/2010/main" val="578979343"/>
+              </p:ext>
+            </p:extLst>
+          </p:nvPr>
+        </p:nvGraphicFramePr>
+        <p:xfrm>
+          <a:off x="1925672" y="698400"/>
+          <a:ext cx="5230040" cy="1959740"/>
+        </p:xfrm>
+        <a:graphic>
+          <a:graphicData uri="http://schemas.openxmlformats.org/drawingml/2006/table">
+            <a:tbl>
+              <a:tblPr firstRow="1" bandRow="1">
+                <a:tableStyleId>{5C22544A-7EE6-4342-B048-85BDC9FD1C3A}</a:tableStyleId>
+              </a:tblPr>
+              <a:tblGrid>
+                <a:gridCol w="1307510">
+                  <a:extLst>
+                    <a:ext uri="{9D8B030D-6E8A-4147-A177-3AD203B41FA5}">
+                      <a16:colId xmlns:a16="http://schemas.microsoft.com/office/drawing/2014/main" val="2276809539"/>
+                    </a:ext>
+                  </a:extLst>
+                </a:gridCol>
+                <a:gridCol w="1307510">
+                  <a:extLst>
+                    <a:ext uri="{9D8B030D-6E8A-4147-A177-3AD203B41FA5}">
+                      <a16:colId xmlns:a16="http://schemas.microsoft.com/office/drawing/2014/main" val="4059673955"/>
+                    </a:ext>
+                  </a:extLst>
+                </a:gridCol>
+                <a:gridCol w="1307510">
+                  <a:extLst>
+                    <a:ext uri="{9D8B030D-6E8A-4147-A177-3AD203B41FA5}">
+                      <a16:colId xmlns:a16="http://schemas.microsoft.com/office/drawing/2014/main" val="448240427"/>
+                    </a:ext>
+                  </a:extLst>
+                </a:gridCol>
+                <a:gridCol w="1307510">
+                  <a:extLst>
+                    <a:ext uri="{9D8B030D-6E8A-4147-A177-3AD203B41FA5}">
+                      <a16:colId xmlns:a16="http://schemas.microsoft.com/office/drawing/2014/main" val="3012884322"/>
+                    </a:ext>
+                  </a:extLst>
+                </a:gridCol>
+              </a:tblGrid>
+              <a:tr h="979870">
+                <a:tc>
+                  <a:txBody>
+                    <a:bodyPr/>
+                    <a:lstStyle/>
+                    <a:p>
+                      <a:r>
+                        <a:rPr lang="en-US" dirty="0" err="1"/>
+                        <a:t>MedInc</a:t>
+                      </a:r>
+                      <a:endParaRPr lang="en-US" dirty="0"/>
+                    </a:p>
+                  </a:txBody>
+                  <a:tcPr/>
+                </a:tc>
+                <a:tc>
+                  <a:txBody>
+                    <a:bodyPr/>
+                    <a:lstStyle/>
+                    <a:p>
+                      <a:r>
+                        <a:rPr lang="en-US" dirty="0" err="1"/>
+                        <a:t>AveBedrms</a:t>
+                      </a:r>
+                      <a:endParaRPr lang="en-US" dirty="0"/>
+                    </a:p>
+                  </a:txBody>
+                  <a:tcPr/>
+                </a:tc>
+                <a:tc>
+                  <a:txBody>
+                    <a:bodyPr/>
+                    <a:lstStyle/>
+                    <a:p>
+                      <a:r>
+                        <a:rPr lang="en-US" dirty="0" err="1"/>
+                        <a:t>AveRooms</a:t>
+                      </a:r>
+                      <a:endParaRPr lang="en-US" dirty="0"/>
+                    </a:p>
+                  </a:txBody>
+                  <a:tcPr/>
+                </a:tc>
+                <a:tc>
+                  <a:txBody>
+                    <a:bodyPr/>
+                    <a:lstStyle/>
+                    <a:p>
+                      <a:r>
+                        <a:rPr lang="en-US" dirty="0" err="1"/>
+                        <a:t>Edad</a:t>
+                      </a:r>
+                      <a:endParaRPr lang="en-US" dirty="0"/>
+                    </a:p>
+                  </a:txBody>
+                  <a:tcPr/>
+                </a:tc>
+                <a:extLst>
+                  <a:ext uri="{0D108BD9-81ED-4DB2-BD59-A6C34878D82A}">
+                    <a16:rowId xmlns:a16="http://schemas.microsoft.com/office/drawing/2014/main" val="3537255414"/>
+                  </a:ext>
+                </a:extLst>
+              </a:tr>
+              <a:tr h="979870">
+                <a:tc>
+                  <a:txBody>
+                    <a:bodyPr/>
+                    <a:lstStyle/>
+                    <a:p>
+                      <a:endParaRPr lang="en-US"/>
+                    </a:p>
+                  </a:txBody>
+                  <a:tcPr/>
+                </a:tc>
+                <a:tc>
+                  <a:txBody>
+                    <a:bodyPr/>
+                    <a:lstStyle/>
+                    <a:p>
+                      <a:endParaRPr lang="en-US"/>
+                    </a:p>
+                  </a:txBody>
+                  <a:tcPr/>
+                </a:tc>
+                <a:tc>
+                  <a:txBody>
+                    <a:bodyPr/>
+                    <a:lstStyle/>
+                    <a:p>
+                      <a:endParaRPr lang="en-US"/>
+                    </a:p>
+                  </a:txBody>
+                  <a:tcPr/>
+                </a:tc>
+                <a:tc>
+                  <a:txBody>
+                    <a:bodyPr/>
+                    <a:lstStyle/>
+                    <a:p>
+                      <a:endParaRPr lang="en-US" dirty="0"/>
+                    </a:p>
+                  </a:txBody>
+                  <a:tcPr/>
+                </a:tc>
+                <a:extLst>
+                  <a:ext uri="{0D108BD9-81ED-4DB2-BD59-A6C34878D82A}">
+                    <a16:rowId xmlns:a16="http://schemas.microsoft.com/office/drawing/2014/main" val="2315632277"/>
+                  </a:ext>
+                </a:extLst>
+              </a:tr>
+            </a:tbl>
+          </a:graphicData>
+        </a:graphic>
+      </p:graphicFrame>
+      <p:sp>
+        <p:nvSpPr>
+          <p:cNvPr id="6" name="Arrow: Chevron 5">
+            <a:extLst>
+              <a:ext uri="{FF2B5EF4-FFF2-40B4-BE49-F238E27FC236}">
+                <a16:creationId xmlns:a16="http://schemas.microsoft.com/office/drawing/2014/main" id="{168E259B-36A5-5E6A-CD34-1328B95EF4AC}"/>
+              </a:ext>
+            </a:extLst>
+          </p:cNvPr>
+          <p:cNvSpPr/>
+          <p:nvPr/>
+        </p:nvSpPr>
+        <p:spPr>
+          <a:xfrm rot="5400000">
+            <a:off x="3976578" y="1924494"/>
+            <a:ext cx="723014" cy="2764465"/>
+          </a:xfrm>
+          <a:prstGeom prst="chevron">
+            <a:avLst/>
+          </a:prstGeom>
+        </p:spPr>
+        <p:style>
+          <a:lnRef idx="2">
+            <a:schemeClr val="accent1">
+              <a:shade val="15000"/>
+            </a:schemeClr>
+          </a:lnRef>
+          <a:fillRef idx="1">
+            <a:schemeClr val="accent1"/>
+          </a:fillRef>
+          <a:effectRef idx="0">
+            <a:schemeClr val="accent1"/>
+          </a:effectRef>
+          <a:fontRef idx="minor">
+            <a:schemeClr val="lt1"/>
+          </a:fontRef>
+        </p:style>
+        <p:txBody>
+          <a:bodyPr rtlCol="0" anchor="ctr"/>
+          <a:lstStyle/>
+          <a:p>
+            <a:pPr algn="ctr"/>
+            <a:endParaRPr lang="en-US">
+              <a:solidFill>
+                <a:schemeClr val="tx1"/>
+              </a:solidFill>
+            </a:endParaRPr>
+          </a:p>
+        </p:txBody>
+      </p:sp>
+      <p:graphicFrame>
+        <p:nvGraphicFramePr>
+          <p:cNvPr id="7" name="Table 6">
+            <a:extLst>
+              <a:ext uri="{FF2B5EF4-FFF2-40B4-BE49-F238E27FC236}">
+                <a16:creationId xmlns:a16="http://schemas.microsoft.com/office/drawing/2014/main" id="{9EE1A3E0-4CF1-DA71-21B0-4E168734E0B0}"/>
+              </a:ext>
+            </a:extLst>
+          </p:cNvPr>
+          <p:cNvGraphicFramePr>
+            <a:graphicFrameLocks noGrp="1"/>
+          </p:cNvGraphicFramePr>
+          <p:nvPr>
+            <p:extLst>
+              <p:ext uri="{D42A27DB-BD31-4B8C-83A1-F6EECF244321}">
+                <p14:modId xmlns:p14="http://schemas.microsoft.com/office/powerpoint/2010/main" val="2696931677"/>
+              </p:ext>
+            </p:extLst>
+          </p:nvPr>
+        </p:nvGraphicFramePr>
+        <p:xfrm>
+          <a:off x="476692" y="4451694"/>
+          <a:ext cx="8128000" cy="1188720"/>
+        </p:xfrm>
+        <a:graphic>
+          <a:graphicData uri="http://schemas.openxmlformats.org/drawingml/2006/table">
+            <a:tbl>
+              <a:tblPr firstRow="1" bandRow="1">
+                <a:tableStyleId>{5C22544A-7EE6-4342-B048-85BDC9FD1C3A}</a:tableStyleId>
+              </a:tblPr>
+              <a:tblGrid>
+                <a:gridCol w="812800">
+                  <a:extLst>
+                    <a:ext uri="{9D8B030D-6E8A-4147-A177-3AD203B41FA5}">
+                      <a16:colId xmlns:a16="http://schemas.microsoft.com/office/drawing/2014/main" val="3806387102"/>
+                    </a:ext>
+                  </a:extLst>
+                </a:gridCol>
+                <a:gridCol w="812800">
+                  <a:extLst>
+                    <a:ext uri="{9D8B030D-6E8A-4147-A177-3AD203B41FA5}">
+                      <a16:colId xmlns:a16="http://schemas.microsoft.com/office/drawing/2014/main" val="2053446540"/>
+                    </a:ext>
+                  </a:extLst>
+                </a:gridCol>
+                <a:gridCol w="812800">
+                  <a:extLst>
+                    <a:ext uri="{9D8B030D-6E8A-4147-A177-3AD203B41FA5}">
+                      <a16:colId xmlns:a16="http://schemas.microsoft.com/office/drawing/2014/main" val="4174626602"/>
+                    </a:ext>
+                  </a:extLst>
+                </a:gridCol>
+                <a:gridCol w="812800">
+                  <a:extLst>
+                    <a:ext uri="{9D8B030D-6E8A-4147-A177-3AD203B41FA5}">
+                      <a16:colId xmlns:a16="http://schemas.microsoft.com/office/drawing/2014/main" val="3947262526"/>
+                    </a:ext>
+                  </a:extLst>
+                </a:gridCol>
+                <a:gridCol w="812800">
+                  <a:extLst>
+                    <a:ext uri="{9D8B030D-6E8A-4147-A177-3AD203B41FA5}">
+                      <a16:colId xmlns:a16="http://schemas.microsoft.com/office/drawing/2014/main" val="724011310"/>
+                    </a:ext>
+                  </a:extLst>
+                </a:gridCol>
+                <a:gridCol w="812800">
+                  <a:extLst>
+                    <a:ext uri="{9D8B030D-6E8A-4147-A177-3AD203B41FA5}">
+                      <a16:colId xmlns:a16="http://schemas.microsoft.com/office/drawing/2014/main" val="1171069980"/>
+                    </a:ext>
+                  </a:extLst>
+                </a:gridCol>
+                <a:gridCol w="812800">
+                  <a:extLst>
+                    <a:ext uri="{9D8B030D-6E8A-4147-A177-3AD203B41FA5}">
+                      <a16:colId xmlns:a16="http://schemas.microsoft.com/office/drawing/2014/main" val="1071937702"/>
+                    </a:ext>
+                  </a:extLst>
+                </a:gridCol>
+                <a:gridCol w="812800">
+                  <a:extLst>
+                    <a:ext uri="{9D8B030D-6E8A-4147-A177-3AD203B41FA5}">
+                      <a16:colId xmlns:a16="http://schemas.microsoft.com/office/drawing/2014/main" val="774206156"/>
+                    </a:ext>
+                  </a:extLst>
+                </a:gridCol>
+                <a:gridCol w="812800">
+                  <a:extLst>
+                    <a:ext uri="{9D8B030D-6E8A-4147-A177-3AD203B41FA5}">
+                      <a16:colId xmlns:a16="http://schemas.microsoft.com/office/drawing/2014/main" val="430081801"/>
+                    </a:ext>
+                  </a:extLst>
+                </a:gridCol>
+                <a:gridCol w="812800">
+                  <a:extLst>
+                    <a:ext uri="{9D8B030D-6E8A-4147-A177-3AD203B41FA5}">
+                      <a16:colId xmlns:a16="http://schemas.microsoft.com/office/drawing/2014/main" val="646770622"/>
+                    </a:ext>
+                  </a:extLst>
+                </a:gridCol>
+              </a:tblGrid>
+              <a:tr h="370840">
+                <a:tc>
+                  <a:txBody>
+                    <a:bodyPr/>
+                    <a:lstStyle/>
+                    <a:p>
+                      <a:r>
+                        <a:rPr lang="en-US" dirty="0" err="1"/>
+                        <a:t>MedInc</a:t>
+                      </a:r>
+                      <a:endParaRPr lang="en-US" dirty="0"/>
+                    </a:p>
+                  </a:txBody>
+                  <a:tcPr/>
+                </a:tc>
+                <a:tc>
+                  <a:txBody>
+                    <a:bodyPr/>
+                    <a:lstStyle/>
+                    <a:p>
+                      <a:r>
+                        <a:rPr lang="en-US" dirty="0" err="1"/>
+                        <a:t>MediNc</a:t>
+                      </a:r>
+                      <a:r>
+                        <a:rPr lang="en-US" dirty="0"/>
+                        <a:t> ^2</a:t>
+                      </a:r>
+                    </a:p>
+                  </a:txBody>
+                  <a:tcPr/>
+                </a:tc>
+                <a:tc>
+                  <a:txBody>
+                    <a:bodyPr/>
+                    <a:lstStyle/>
+                    <a:p>
+                      <a:r>
+                        <a:rPr lang="en-US" dirty="0" err="1"/>
+                        <a:t>AveBdrms</a:t>
+                      </a:r>
+                      <a:r>
+                        <a:rPr lang="en-US" dirty="0"/>
+                        <a:t> </a:t>
+                      </a:r>
+                    </a:p>
+                  </a:txBody>
+                  <a:tcPr/>
+                </a:tc>
+                <a:tc>
+                  <a:txBody>
+                    <a:bodyPr/>
+                    <a:lstStyle/>
+                    <a:p>
+                      <a:r>
+                        <a:rPr lang="en-US" dirty="0" err="1"/>
+                        <a:t>AveBdrms</a:t>
+                      </a:r>
+                      <a:r>
+                        <a:rPr lang="en-US" dirty="0"/>
+                        <a:t> ^2</a:t>
+                      </a:r>
+                    </a:p>
+                  </a:txBody>
+                  <a:tcPr/>
+                </a:tc>
+                <a:tc>
+                  <a:txBody>
+                    <a:bodyPr/>
+                    <a:lstStyle/>
+                    <a:p>
+                      <a:r>
+                        <a:rPr lang="en-US" dirty="0" err="1"/>
+                        <a:t>AveRooms</a:t>
+                      </a:r>
+                      <a:endParaRPr lang="en-US" dirty="0"/>
+                    </a:p>
+                  </a:txBody>
+                  <a:tcPr/>
+                </a:tc>
+                <a:tc>
+                  <a:txBody>
+                    <a:bodyPr/>
+                    <a:lstStyle/>
+                    <a:p>
+                      <a:r>
+                        <a:rPr lang="en-US" dirty="0" err="1"/>
+                        <a:t>AveRooms</a:t>
+                      </a:r>
+                      <a:r>
+                        <a:rPr lang="en-US" dirty="0"/>
+                        <a:t> ^2</a:t>
+                      </a:r>
+                    </a:p>
+                  </a:txBody>
+                  <a:tcPr/>
+                </a:tc>
+                <a:tc>
+                  <a:txBody>
+                    <a:bodyPr/>
+                    <a:lstStyle/>
+                    <a:p>
+                      <a:r>
+                        <a:rPr lang="en-US" dirty="0" err="1"/>
+                        <a:t>Edad</a:t>
+                      </a:r>
+                      <a:endParaRPr lang="en-US" dirty="0"/>
+                    </a:p>
+                  </a:txBody>
+                  <a:tcPr/>
+                </a:tc>
+                <a:tc>
+                  <a:txBody>
+                    <a:bodyPr/>
+                    <a:lstStyle/>
+                    <a:p>
+                      <a:r>
+                        <a:rPr lang="en-US" dirty="0" err="1"/>
+                        <a:t>Edad</a:t>
+                      </a:r>
+                      <a:r>
+                        <a:rPr lang="en-US" dirty="0"/>
+                        <a:t> ^2</a:t>
+                      </a:r>
+                    </a:p>
+                  </a:txBody>
+                  <a:tcPr/>
+                </a:tc>
+                <a:tc>
+                  <a:txBody>
+                    <a:bodyPr/>
+                    <a:lstStyle/>
+                    <a:p>
+                      <a:r>
+                        <a:rPr lang="en-US" dirty="0" err="1"/>
+                        <a:t>MedInc</a:t>
+                      </a:r>
+                      <a:r>
+                        <a:rPr lang="en-US" dirty="0"/>
+                        <a:t> *</a:t>
+                      </a:r>
+                      <a:r>
+                        <a:rPr lang="en-US" dirty="0" err="1"/>
+                        <a:t>AveBdrms</a:t>
+                      </a:r>
+                      <a:endParaRPr lang="en-US" dirty="0"/>
+                    </a:p>
+                  </a:txBody>
+                  <a:tcPr/>
+                </a:tc>
+                <a:tc>
+                  <a:txBody>
+                    <a:bodyPr/>
+                    <a:lstStyle/>
+                    <a:p>
+                      <a:r>
+                        <a:rPr lang="en-US" dirty="0"/>
+                        <a:t>…</a:t>
+                      </a:r>
+                    </a:p>
+                  </a:txBody>
+                  <a:tcPr/>
+                </a:tc>
+                <a:extLst>
+                  <a:ext uri="{0D108BD9-81ED-4DB2-BD59-A6C34878D82A}">
+                    <a16:rowId xmlns:a16="http://schemas.microsoft.com/office/drawing/2014/main" val="910721714"/>
+                  </a:ext>
+                </a:extLst>
+              </a:tr>
+            </a:tbl>
+          </a:graphicData>
+        </a:graphic>
+      </p:graphicFrame>
+    </p:spTree>
+    <p:extLst>
+      <p:ext uri="{BB962C8B-B14F-4D97-AF65-F5344CB8AC3E}">
+        <p14:creationId xmlns:p14="http://schemas.microsoft.com/office/powerpoint/2010/main" val="1413953779"/>
+      </p:ext>
+    </p:extLst>
+  </p:cSld>
+  <p:clrMapOvr>
+    <a:masterClrMapping/>
+  </p:clrMapOvr>
+</p:sld>
+</file>
+
+<file path=ppt/slides/slide3.xml><?xml version="1.0" encoding="utf-8"?>
+<p:sld xmlns:a="http://schemas.openxmlformats.org/drawingml/2006/main" xmlns:r="http://schemas.openxmlformats.org/officeDocument/2006/relationships" xmlns:p="http://schemas.openxmlformats.org/presentationml/2006/main">
+  <p:cSld>
+    <p:spTree>
+      <p:nvGrpSpPr>
+        <p:cNvPr id="1" name=""/>
+        <p:cNvGrpSpPr/>
+        <p:nvPr/>
+      </p:nvGrpSpPr>
+      <p:grpSpPr>
+        <a:xfrm>
+          <a:off x="0" y="0"/>
+          <a:ext cx="0" cy="0"/>
+          <a:chOff x="0" y="0"/>
+          <a:chExt cx="0" cy="0"/>
+        </a:xfrm>
+      </p:grpSpPr>
+      <p:graphicFrame>
+        <p:nvGraphicFramePr>
+          <p:cNvPr id="4" name="think-cell data - do not delete" hidden="1">
+            <a:extLst>
+              <a:ext uri="{FF2B5EF4-FFF2-40B4-BE49-F238E27FC236}">
+                <a16:creationId xmlns:a16="http://schemas.microsoft.com/office/drawing/2014/main" id="{273DE9AA-7175-7C78-1443-F2D615C9BB64}"/>
+              </a:ext>
+            </a:extLst>
+          </p:cNvPr>
+          <p:cNvGraphicFramePr>
+            <a:graphicFrameLocks noChangeAspect="1"/>
+          </p:cNvGraphicFramePr>
+          <p:nvPr>
+            <p:custDataLst>
+              <p:tags r:id="rId1"/>
+            </p:custDataLst>
+            <p:extLst>
+              <p:ext uri="{D42A27DB-BD31-4B8C-83A1-F6EECF244321}">
+                <p14:modId xmlns:p14="http://schemas.microsoft.com/office/powerpoint/2010/main" val="762604384"/>
+              </p:ext>
+            </p:extLst>
+          </p:nvPr>
+        </p:nvGraphicFramePr>
+        <p:xfrm>
+          <a:off x="1588" y="1588"/>
+          <a:ext cx="1588" cy="1588"/>
+        </p:xfrm>
+        <a:graphic>
+          <a:graphicData uri="http://schemas.openxmlformats.org/presentationml/2006/ole">
+            <mc:AlternateContent xmlns:mc="http://schemas.openxmlformats.org/markup-compatibility/2006">
+              <mc:Choice xmlns:v="urn:schemas-microsoft-com:vml" Requires="v">
+                <p:oleObj name="think-cell Slide" r:id="rId3" imgW="395" imgH="394" progId="TCLayout.ActiveDocument.1">
+                  <p:embed/>
+                </p:oleObj>
+              </mc:Choice>
+              <mc:Fallback>
+                <p:oleObj name="think-cell Slide" r:id="rId3" imgW="395" imgH="394" progId="TCLayout.ActiveDocument.1">
+                  <p:embed/>
+                  <p:pic>
+                    <p:nvPicPr>
+                      <p:cNvPr id="0" name=""/>
+                      <p:cNvPicPr/>
+                      <p:nvPr/>
+                    </p:nvPicPr>
+                    <p:blipFill>
+                      <a:blip r:embed="rId4"/>
+                      <a:stretch>
+                        <a:fillRect/>
+                      </a:stretch>
+                    </p:blipFill>
+                    <p:spPr>
+                      <a:xfrm>
+                        <a:off x="1588" y="1588"/>
+                        <a:ext cx="1588" cy="1588"/>
+                      </a:xfrm>
+                      <a:prstGeom prst="rect">
+                        <a:avLst/>
+                      </a:prstGeom>
+                    </p:spPr>
+                  </p:pic>
+                </p:oleObj>
+              </mc:Fallback>
+            </mc:AlternateContent>
+          </a:graphicData>
+        </a:graphic>
+      </p:graphicFrame>
+      <p:graphicFrame>
+        <p:nvGraphicFramePr>
+          <p:cNvPr id="5" name="Table 4">
+            <a:extLst>
+              <a:ext uri="{FF2B5EF4-FFF2-40B4-BE49-F238E27FC236}">
+                <a16:creationId xmlns:a16="http://schemas.microsoft.com/office/drawing/2014/main" id="{187906A2-B90F-DCCE-3836-78618C72E3BD}"/>
+              </a:ext>
+            </a:extLst>
+          </p:cNvPr>
+          <p:cNvGraphicFramePr>
+            <a:graphicFrameLocks noGrp="1"/>
+          </p:cNvGraphicFramePr>
+          <p:nvPr>
+            <p:extLst>
+              <p:ext uri="{D42A27DB-BD31-4B8C-83A1-F6EECF244321}">
+                <p14:modId xmlns:p14="http://schemas.microsoft.com/office/powerpoint/2010/main" val="1029892549"/>
+              </p:ext>
+            </p:extLst>
+          </p:nvPr>
+        </p:nvGraphicFramePr>
+        <p:xfrm>
+          <a:off x="0" y="1945640"/>
+          <a:ext cx="4189228" cy="2966720"/>
+        </p:xfrm>
+        <a:graphic>
+          <a:graphicData uri="http://schemas.openxmlformats.org/drawingml/2006/table">
+            <a:tbl>
+              <a:tblPr firstRow="1" bandRow="1">
+                <a:tableStyleId>{5C22544A-7EE6-4342-B048-85BDC9FD1C3A}</a:tableStyleId>
+              </a:tblPr>
+              <a:tblGrid>
+                <a:gridCol w="2094614">
+                  <a:extLst>
+                    <a:ext uri="{9D8B030D-6E8A-4147-A177-3AD203B41FA5}">
+                      <a16:colId xmlns:a16="http://schemas.microsoft.com/office/drawing/2014/main" val="1586846079"/>
+                    </a:ext>
+                  </a:extLst>
+                </a:gridCol>
+                <a:gridCol w="2094614">
+                  <a:extLst>
+                    <a:ext uri="{9D8B030D-6E8A-4147-A177-3AD203B41FA5}">
+                      <a16:colId xmlns:a16="http://schemas.microsoft.com/office/drawing/2014/main" val="4167725684"/>
+                    </a:ext>
+                  </a:extLst>
+                </a:gridCol>
+              </a:tblGrid>
+              <a:tr h="370840">
+                <a:tc>
+                  <a:txBody>
+                    <a:bodyPr/>
+                    <a:lstStyle/>
+                    <a:p>
+                      <a:r>
+                        <a:rPr lang="en-US" dirty="0" err="1"/>
+                        <a:t>Fecha</a:t>
+                      </a:r>
+                      <a:endParaRPr lang="en-US" dirty="0"/>
+                    </a:p>
+                  </a:txBody>
+                  <a:tcPr/>
+                </a:tc>
+                <a:tc>
+                  <a:txBody>
+                    <a:bodyPr/>
+                    <a:lstStyle/>
+                    <a:p>
+                      <a:r>
+                        <a:rPr lang="en-US" dirty="0" err="1"/>
+                        <a:t>Venta</a:t>
+                      </a:r>
+                      <a:r>
+                        <a:rPr lang="en-US" dirty="0"/>
+                        <a:t> </a:t>
+                      </a:r>
+                      <a:r>
+                        <a:rPr lang="en-US" dirty="0" err="1"/>
+                        <a:t>mensual</a:t>
+                      </a:r>
+                      <a:endParaRPr lang="en-US" dirty="0"/>
+                    </a:p>
+                  </a:txBody>
+                  <a:tcPr/>
+                </a:tc>
+                <a:extLst>
+                  <a:ext uri="{0D108BD9-81ED-4DB2-BD59-A6C34878D82A}">
+                    <a16:rowId xmlns:a16="http://schemas.microsoft.com/office/drawing/2014/main" val="3895363233"/>
+                  </a:ext>
+                </a:extLst>
+              </a:tr>
+              <a:tr h="370840">
+                <a:tc>
+                  <a:txBody>
+                    <a:bodyPr/>
+                    <a:lstStyle/>
+                    <a:p>
+                      <a:r>
+                        <a:rPr lang="en-US" dirty="0" err="1"/>
+                        <a:t>Enero</a:t>
+                      </a:r>
+                      <a:r>
+                        <a:rPr lang="en-US" dirty="0"/>
+                        <a:t> 2024</a:t>
+                      </a:r>
+                    </a:p>
+                  </a:txBody>
+                  <a:tcPr/>
+                </a:tc>
+                <a:tc>
+                  <a:txBody>
+                    <a:bodyPr/>
+                    <a:lstStyle/>
+                    <a:p>
+                      <a:r>
+                        <a:rPr lang="en-US" dirty="0"/>
+                        <a:t>10000</a:t>
+                      </a:r>
+                    </a:p>
+                  </a:txBody>
+                  <a:tcPr/>
+                </a:tc>
+                <a:extLst>
+                  <a:ext uri="{0D108BD9-81ED-4DB2-BD59-A6C34878D82A}">
+                    <a16:rowId xmlns:a16="http://schemas.microsoft.com/office/drawing/2014/main" val="2639989317"/>
+                  </a:ext>
+                </a:extLst>
+              </a:tr>
+              <a:tr h="370840">
+                <a:tc>
+                  <a:txBody>
+                    <a:bodyPr/>
+                    <a:lstStyle/>
+                    <a:p>
+                      <a:r>
+                        <a:rPr lang="en-US" dirty="0" err="1"/>
+                        <a:t>Febrero</a:t>
+                      </a:r>
+                      <a:r>
+                        <a:rPr lang="en-US" dirty="0"/>
+                        <a:t> 2024</a:t>
+                      </a:r>
+                    </a:p>
+                  </a:txBody>
+                  <a:tcPr/>
+                </a:tc>
+                <a:tc>
+                  <a:txBody>
+                    <a:bodyPr/>
+                    <a:lstStyle/>
+                    <a:p>
+                      <a:r>
+                        <a:rPr lang="en-US" dirty="0"/>
+                        <a:t>14000</a:t>
+                      </a:r>
+                    </a:p>
+                  </a:txBody>
+                  <a:tcPr/>
+                </a:tc>
+                <a:extLst>
+                  <a:ext uri="{0D108BD9-81ED-4DB2-BD59-A6C34878D82A}">
+                    <a16:rowId xmlns:a16="http://schemas.microsoft.com/office/drawing/2014/main" val="3376207554"/>
+                  </a:ext>
+                </a:extLst>
+              </a:tr>
+              <a:tr h="370840">
+                <a:tc>
+                  <a:txBody>
+                    <a:bodyPr/>
+                    <a:lstStyle/>
+                    <a:p>
+                      <a:r>
+                        <a:rPr lang="en-US" dirty="0"/>
+                        <a:t>Marzo 2024</a:t>
+                      </a:r>
+                    </a:p>
+                  </a:txBody>
+                  <a:tcPr/>
+                </a:tc>
+                <a:tc>
+                  <a:txBody>
+                    <a:bodyPr/>
+                    <a:lstStyle/>
+                    <a:p>
+                      <a:r>
+                        <a:rPr lang="en-US" dirty="0"/>
+                        <a:t>90000</a:t>
+                      </a:r>
+                    </a:p>
+                  </a:txBody>
+                  <a:tcPr/>
+                </a:tc>
+                <a:extLst>
+                  <a:ext uri="{0D108BD9-81ED-4DB2-BD59-A6C34878D82A}">
+                    <a16:rowId xmlns:a16="http://schemas.microsoft.com/office/drawing/2014/main" val="964782430"/>
+                  </a:ext>
+                </a:extLst>
+              </a:tr>
+              <a:tr h="370840">
+                <a:tc>
+                  <a:txBody>
+                    <a:bodyPr/>
+                    <a:lstStyle/>
+                    <a:p>
+                      <a:r>
+                        <a:rPr lang="en-US" dirty="0"/>
+                        <a:t>Abril 2024</a:t>
+                      </a:r>
+                    </a:p>
+                  </a:txBody>
+                  <a:tcPr/>
+                </a:tc>
+                <a:tc>
+                  <a:txBody>
+                    <a:bodyPr/>
+                    <a:lstStyle/>
+                    <a:p>
+                      <a:r>
+                        <a:rPr lang="en-US" dirty="0"/>
+                        <a:t>8000</a:t>
+                      </a:r>
+                    </a:p>
+                  </a:txBody>
+                  <a:tcPr/>
+                </a:tc>
+                <a:extLst>
+                  <a:ext uri="{0D108BD9-81ED-4DB2-BD59-A6C34878D82A}">
+                    <a16:rowId xmlns:a16="http://schemas.microsoft.com/office/drawing/2014/main" val="1274619882"/>
+                  </a:ext>
+                </a:extLst>
+              </a:tr>
+              <a:tr h="370840">
+                <a:tc>
+                  <a:txBody>
+                    <a:bodyPr/>
+                    <a:lstStyle/>
+                    <a:p>
+                      <a:r>
+                        <a:rPr lang="en-US" dirty="0"/>
+                        <a:t>Mayo 2024</a:t>
+                      </a:r>
+                    </a:p>
+                  </a:txBody>
+                  <a:tcPr/>
+                </a:tc>
+                <a:tc>
+                  <a:txBody>
+                    <a:bodyPr/>
+                    <a:lstStyle/>
+                    <a:p>
+                      <a:r>
+                        <a:rPr lang="en-US" dirty="0"/>
+                        <a:t>11000</a:t>
+                      </a:r>
+                    </a:p>
+                  </a:txBody>
+                  <a:tcPr/>
+                </a:tc>
+                <a:extLst>
+                  <a:ext uri="{0D108BD9-81ED-4DB2-BD59-A6C34878D82A}">
+                    <a16:rowId xmlns:a16="http://schemas.microsoft.com/office/drawing/2014/main" val="3957705505"/>
+                  </a:ext>
+                </a:extLst>
+              </a:tr>
+              <a:tr h="370840">
+                <a:tc>
+                  <a:txBody>
+                    <a:bodyPr/>
+                    <a:lstStyle/>
+                    <a:p>
+                      <a:r>
+                        <a:rPr lang="en-US" dirty="0"/>
+                        <a:t>Junio 2024</a:t>
+                      </a:r>
+                    </a:p>
+                  </a:txBody>
+                  <a:tcPr/>
+                </a:tc>
+                <a:tc>
+                  <a:txBody>
+                    <a:bodyPr/>
+                    <a:lstStyle/>
+                    <a:p>
+                      <a:r>
+                        <a:rPr lang="en-US" dirty="0"/>
+                        <a:t>12000</a:t>
+                      </a:r>
+                    </a:p>
+                  </a:txBody>
+                  <a:tcPr/>
+                </a:tc>
+                <a:extLst>
+                  <a:ext uri="{0D108BD9-81ED-4DB2-BD59-A6C34878D82A}">
+                    <a16:rowId xmlns:a16="http://schemas.microsoft.com/office/drawing/2014/main" val="2861851266"/>
+                  </a:ext>
+                </a:extLst>
+              </a:tr>
+              <a:tr h="370840">
+                <a:tc>
+                  <a:txBody>
+                    <a:bodyPr/>
+                    <a:lstStyle/>
+                    <a:p>
+                      <a:r>
+                        <a:rPr lang="en-US" dirty="0"/>
+                        <a:t>Julio 2024</a:t>
+                      </a:r>
+                    </a:p>
+                  </a:txBody>
+                  <a:tcPr/>
+                </a:tc>
+                <a:tc>
+                  <a:txBody>
+                    <a:bodyPr/>
+                    <a:lstStyle/>
+                    <a:p>
+                      <a:r>
+                        <a:rPr lang="en-US" dirty="0"/>
+                        <a:t>10000</a:t>
+                      </a:r>
+                    </a:p>
+                  </a:txBody>
+                  <a:tcPr/>
+                </a:tc>
+                <a:extLst>
+                  <a:ext uri="{0D108BD9-81ED-4DB2-BD59-A6C34878D82A}">
+                    <a16:rowId xmlns:a16="http://schemas.microsoft.com/office/drawing/2014/main" val="3307860311"/>
+                  </a:ext>
+                </a:extLst>
+              </a:tr>
+            </a:tbl>
+          </a:graphicData>
+        </a:graphic>
+      </p:graphicFrame>
+      <p:sp>
+        <p:nvSpPr>
+          <p:cNvPr id="6" name="Arrow: Chevron 5">
+            <a:extLst>
+              <a:ext uri="{FF2B5EF4-FFF2-40B4-BE49-F238E27FC236}">
+                <a16:creationId xmlns:a16="http://schemas.microsoft.com/office/drawing/2014/main" id="{F2F308B2-A7CE-7257-F8E2-AE747B2B0F75}"/>
+              </a:ext>
+            </a:extLst>
+          </p:cNvPr>
+          <p:cNvSpPr/>
+          <p:nvPr/>
+        </p:nvSpPr>
+        <p:spPr>
+          <a:xfrm>
+            <a:off x="4625163" y="1945640"/>
+            <a:ext cx="489097" cy="2860276"/>
+          </a:xfrm>
+          <a:prstGeom prst="chevron">
+            <a:avLst/>
+          </a:prstGeom>
+        </p:spPr>
+        <p:style>
+          <a:lnRef idx="2">
+            <a:schemeClr val="accent1">
+              <a:shade val="15000"/>
+            </a:schemeClr>
+          </a:lnRef>
+          <a:fillRef idx="1">
+            <a:schemeClr val="accent1"/>
+          </a:fillRef>
+          <a:effectRef idx="0">
+            <a:schemeClr val="accent1"/>
+          </a:effectRef>
+          <a:fontRef idx="minor">
+            <a:schemeClr val="lt1"/>
+          </a:fontRef>
+        </p:style>
+        <p:txBody>
+          <a:bodyPr rtlCol="0" anchor="ctr"/>
+          <a:lstStyle/>
+          <a:p>
+            <a:pPr algn="ctr"/>
+            <a:endParaRPr lang="en-US">
+              <a:solidFill>
+                <a:schemeClr val="tx1"/>
+              </a:solidFill>
+            </a:endParaRPr>
+          </a:p>
+        </p:txBody>
+      </p:sp>
+      <p:graphicFrame>
+        <p:nvGraphicFramePr>
+          <p:cNvPr id="9" name="Table 8">
+            <a:extLst>
+              <a:ext uri="{FF2B5EF4-FFF2-40B4-BE49-F238E27FC236}">
+                <a16:creationId xmlns:a16="http://schemas.microsoft.com/office/drawing/2014/main" id="{5ADA37DC-779C-A79C-395A-A8C4B2731C8B}"/>
+              </a:ext>
+            </a:extLst>
+          </p:cNvPr>
+          <p:cNvGraphicFramePr>
+            <a:graphicFrameLocks noGrp="1"/>
+          </p:cNvGraphicFramePr>
+          <p:nvPr>
+            <p:extLst>
+              <p:ext uri="{D42A27DB-BD31-4B8C-83A1-F6EECF244321}">
+                <p14:modId xmlns:p14="http://schemas.microsoft.com/office/powerpoint/2010/main" val="3512791440"/>
+              </p:ext>
+            </p:extLst>
+          </p:nvPr>
+        </p:nvGraphicFramePr>
+        <p:xfrm>
+          <a:off x="5805375" y="2367280"/>
+          <a:ext cx="5906975" cy="2123440"/>
+        </p:xfrm>
+        <a:graphic>
+          <a:graphicData uri="http://schemas.openxmlformats.org/drawingml/2006/table">
+            <a:tbl>
+              <a:tblPr firstRow="1" bandRow="1">
+                <a:tableStyleId>{5C22544A-7EE6-4342-B048-85BDC9FD1C3A}</a:tableStyleId>
+              </a:tblPr>
+              <a:tblGrid>
+                <a:gridCol w="1181395">
+                  <a:extLst>
+                    <a:ext uri="{9D8B030D-6E8A-4147-A177-3AD203B41FA5}">
+                      <a16:colId xmlns:a16="http://schemas.microsoft.com/office/drawing/2014/main" val="923333969"/>
+                    </a:ext>
+                  </a:extLst>
+                </a:gridCol>
+                <a:gridCol w="1181395">
+                  <a:extLst>
+                    <a:ext uri="{9D8B030D-6E8A-4147-A177-3AD203B41FA5}">
+                      <a16:colId xmlns:a16="http://schemas.microsoft.com/office/drawing/2014/main" val="1650770211"/>
+                    </a:ext>
+                  </a:extLst>
+                </a:gridCol>
+                <a:gridCol w="1181395">
+                  <a:extLst>
+                    <a:ext uri="{9D8B030D-6E8A-4147-A177-3AD203B41FA5}">
+                      <a16:colId xmlns:a16="http://schemas.microsoft.com/office/drawing/2014/main" val="2286084618"/>
+                    </a:ext>
+                  </a:extLst>
+                </a:gridCol>
+                <a:gridCol w="1181395">
+                  <a:extLst>
+                    <a:ext uri="{9D8B030D-6E8A-4147-A177-3AD203B41FA5}">
+                      <a16:colId xmlns:a16="http://schemas.microsoft.com/office/drawing/2014/main" val="547838122"/>
+                    </a:ext>
+                  </a:extLst>
+                </a:gridCol>
+                <a:gridCol w="1181395">
+                  <a:extLst>
+                    <a:ext uri="{9D8B030D-6E8A-4147-A177-3AD203B41FA5}">
+                      <a16:colId xmlns:a16="http://schemas.microsoft.com/office/drawing/2014/main" val="597781338"/>
+                    </a:ext>
+                  </a:extLst>
+                </a:gridCol>
+              </a:tblGrid>
+              <a:tr h="370840">
+                <a:tc>
+                  <a:txBody>
+                    <a:bodyPr/>
+                    <a:lstStyle/>
+                    <a:p>
+                      <a:r>
+                        <a:rPr lang="en-US" dirty="0"/>
+                        <a:t>Semana </a:t>
+                      </a:r>
+                      <a:r>
+                        <a:rPr lang="en-US" dirty="0" err="1"/>
+                        <a:t>santa</a:t>
+                      </a:r>
+                      <a:endParaRPr lang="en-US" dirty="0"/>
+                    </a:p>
+                  </a:txBody>
+                  <a:tcPr/>
+                </a:tc>
+                <a:tc>
+                  <a:txBody>
+                    <a:bodyPr/>
+                    <a:lstStyle/>
+                    <a:p>
+                      <a:r>
+                        <a:rPr lang="en-US" dirty="0"/>
+                        <a:t>T-3</a:t>
+                      </a:r>
+                    </a:p>
+                  </a:txBody>
+                  <a:tcPr/>
+                </a:tc>
+                <a:tc>
+                  <a:txBody>
+                    <a:bodyPr/>
+                    <a:lstStyle/>
+                    <a:p>
+                      <a:r>
+                        <a:rPr lang="en-US" dirty="0"/>
+                        <a:t>T-2</a:t>
+                      </a:r>
+                    </a:p>
+                  </a:txBody>
+                  <a:tcPr/>
+                </a:tc>
+                <a:tc>
+                  <a:txBody>
+                    <a:bodyPr/>
+                    <a:lstStyle/>
+                    <a:p>
+                      <a:r>
+                        <a:rPr lang="en-US" dirty="0"/>
+                        <a:t>T-1</a:t>
+                      </a:r>
+                    </a:p>
+                  </a:txBody>
+                  <a:tcPr/>
+                </a:tc>
+                <a:tc>
+                  <a:txBody>
+                    <a:bodyPr/>
+                    <a:lstStyle/>
+                    <a:p>
+                      <a:r>
+                        <a:rPr lang="en-US" dirty="0"/>
+                        <a:t>y</a:t>
+                      </a:r>
+                    </a:p>
+                  </a:txBody>
+                  <a:tcPr/>
+                </a:tc>
+                <a:extLst>
+                  <a:ext uri="{0D108BD9-81ED-4DB2-BD59-A6C34878D82A}">
+                    <a16:rowId xmlns:a16="http://schemas.microsoft.com/office/drawing/2014/main" val="2530234515"/>
+                  </a:ext>
+                </a:extLst>
+              </a:tr>
+              <a:tr h="370840">
+                <a:tc>
+                  <a:txBody>
+                    <a:bodyPr/>
+                    <a:lstStyle/>
+                    <a:p>
+                      <a:r>
+                        <a:rPr lang="en-US" dirty="0"/>
+                        <a:t>1</a:t>
+                      </a:r>
+                    </a:p>
+                  </a:txBody>
+                  <a:tcPr/>
+                </a:tc>
+                <a:tc>
+                  <a:txBody>
+                    <a:bodyPr/>
+                    <a:lstStyle/>
+                    <a:p>
+                      <a:r>
+                        <a:rPr lang="en-US" dirty="0"/>
+                        <a:t>10000</a:t>
+                      </a:r>
+                    </a:p>
+                  </a:txBody>
+                  <a:tcPr/>
+                </a:tc>
+                <a:tc>
+                  <a:txBody>
+                    <a:bodyPr/>
+                    <a:lstStyle/>
+                    <a:p>
+                      <a:r>
+                        <a:rPr lang="en-US" dirty="0"/>
+                        <a:t>14000</a:t>
+                      </a:r>
+                    </a:p>
+                  </a:txBody>
+                  <a:tcPr/>
+                </a:tc>
+                <a:tc>
+                  <a:txBody>
+                    <a:bodyPr/>
+                    <a:lstStyle/>
+                    <a:p>
+                      <a:r>
+                        <a:rPr lang="en-US" dirty="0"/>
+                        <a:t>90000</a:t>
+                      </a:r>
+                    </a:p>
+                  </a:txBody>
+                  <a:tcPr/>
+                </a:tc>
+                <a:tc>
+                  <a:txBody>
+                    <a:bodyPr/>
+                    <a:lstStyle/>
+                    <a:p>
+                      <a:r>
+                        <a:rPr lang="en-US" dirty="0"/>
+                        <a:t>8000</a:t>
+                      </a:r>
+                    </a:p>
+                  </a:txBody>
+                  <a:tcPr/>
+                </a:tc>
+                <a:extLst>
+                  <a:ext uri="{0D108BD9-81ED-4DB2-BD59-A6C34878D82A}">
+                    <a16:rowId xmlns:a16="http://schemas.microsoft.com/office/drawing/2014/main" val="3766633297"/>
+                  </a:ext>
+                </a:extLst>
+              </a:tr>
+              <a:tr h="370840">
+                <a:tc>
+                  <a:txBody>
+                    <a:bodyPr/>
+                    <a:lstStyle/>
+                    <a:p>
+                      <a:r>
+                        <a:rPr lang="en-US" dirty="0"/>
+                        <a:t>0</a:t>
+                      </a:r>
+                    </a:p>
+                  </a:txBody>
+                  <a:tcPr/>
+                </a:tc>
+                <a:tc>
+                  <a:txBody>
+                    <a:bodyPr/>
+                    <a:lstStyle/>
+                    <a:p>
+                      <a:r>
+                        <a:rPr lang="en-US" dirty="0"/>
+                        <a:t>14000</a:t>
+                      </a:r>
+                    </a:p>
+                  </a:txBody>
+                  <a:tcPr/>
+                </a:tc>
+                <a:tc>
+                  <a:txBody>
+                    <a:bodyPr/>
+                    <a:lstStyle/>
+                    <a:p>
+                      <a:r>
+                        <a:rPr lang="en-US" dirty="0"/>
+                        <a:t>90000</a:t>
+                      </a:r>
+                    </a:p>
+                  </a:txBody>
+                  <a:tcPr/>
+                </a:tc>
+                <a:tc>
+                  <a:txBody>
+                    <a:bodyPr/>
+                    <a:lstStyle/>
+                    <a:p>
+                      <a:r>
+                        <a:rPr lang="en-US" dirty="0"/>
+                        <a:t>8000</a:t>
+                      </a:r>
+                    </a:p>
+                  </a:txBody>
+                  <a:tcPr/>
+                </a:tc>
+                <a:tc>
+                  <a:txBody>
+                    <a:bodyPr/>
+                    <a:lstStyle/>
+                    <a:p>
+                      <a:r>
+                        <a:rPr lang="en-US" dirty="0"/>
+                        <a:t>11000</a:t>
+                      </a:r>
+                    </a:p>
+                  </a:txBody>
+                  <a:tcPr/>
+                </a:tc>
+                <a:extLst>
+                  <a:ext uri="{0D108BD9-81ED-4DB2-BD59-A6C34878D82A}">
+                    <a16:rowId xmlns:a16="http://schemas.microsoft.com/office/drawing/2014/main" val="3728309525"/>
+                  </a:ext>
+                </a:extLst>
+              </a:tr>
+              <a:tr h="370840">
+                <a:tc>
+                  <a:txBody>
+                    <a:bodyPr/>
+                    <a:lstStyle/>
+                    <a:p>
+                      <a:r>
+                        <a:rPr lang="en-US" dirty="0"/>
+                        <a:t>0</a:t>
+                      </a:r>
+                    </a:p>
+                  </a:txBody>
+                  <a:tcPr/>
+                </a:tc>
+                <a:tc>
+                  <a:txBody>
+                    <a:bodyPr/>
+                    <a:lstStyle/>
+                    <a:p>
+                      <a:r>
+                        <a:rPr lang="en-US" dirty="0"/>
+                        <a:t>90000</a:t>
+                      </a:r>
+                    </a:p>
+                  </a:txBody>
+                  <a:tcPr/>
+                </a:tc>
+                <a:tc>
+                  <a:txBody>
+                    <a:bodyPr/>
+                    <a:lstStyle/>
+                    <a:p>
+                      <a:r>
+                        <a:rPr lang="en-US" dirty="0"/>
+                        <a:t>8000</a:t>
+                      </a:r>
+                    </a:p>
+                  </a:txBody>
+                  <a:tcPr/>
+                </a:tc>
+                <a:tc>
+                  <a:txBody>
+                    <a:bodyPr/>
+                    <a:lstStyle/>
+                    <a:p>
+                      <a:r>
+                        <a:rPr lang="en-US" dirty="0"/>
+                        <a:t>11000</a:t>
+                      </a:r>
+                    </a:p>
+                  </a:txBody>
+                  <a:tcPr/>
+                </a:tc>
+                <a:tc>
+                  <a:txBody>
+                    <a:bodyPr/>
+                    <a:lstStyle/>
+                    <a:p>
+                      <a:r>
+                        <a:rPr lang="en-US" dirty="0"/>
+                        <a:t>12000</a:t>
+                      </a:r>
+                    </a:p>
+                  </a:txBody>
+                  <a:tcPr/>
+                </a:tc>
+                <a:extLst>
+                  <a:ext uri="{0D108BD9-81ED-4DB2-BD59-A6C34878D82A}">
+                    <a16:rowId xmlns:a16="http://schemas.microsoft.com/office/drawing/2014/main" val="1850951997"/>
+                  </a:ext>
+                </a:extLst>
+              </a:tr>
+              <a:tr h="370840">
+                <a:tc>
+                  <a:txBody>
+                    <a:bodyPr/>
+                    <a:lstStyle/>
+                    <a:p>
+                      <a:r>
+                        <a:rPr lang="en-US" dirty="0"/>
+                        <a:t>0</a:t>
+                      </a:r>
+                    </a:p>
+                  </a:txBody>
+                  <a:tcPr/>
+                </a:tc>
+                <a:tc>
+                  <a:txBody>
+                    <a:bodyPr/>
+                    <a:lstStyle/>
+                    <a:p>
+                      <a:r>
+                        <a:rPr lang="en-US" dirty="0"/>
+                        <a:t>8000</a:t>
+                      </a:r>
+                    </a:p>
+                  </a:txBody>
+                  <a:tcPr/>
+                </a:tc>
+                <a:tc>
+                  <a:txBody>
+                    <a:bodyPr/>
+                    <a:lstStyle/>
+                    <a:p>
+                      <a:r>
+                        <a:rPr lang="en-US" dirty="0"/>
+                        <a:t>11000</a:t>
+                      </a:r>
+                    </a:p>
+                  </a:txBody>
+                  <a:tcPr/>
+                </a:tc>
+                <a:tc>
+                  <a:txBody>
+                    <a:bodyPr/>
+                    <a:lstStyle/>
+                    <a:p>
+                      <a:r>
+                        <a:rPr lang="en-US" dirty="0"/>
+                        <a:t>12000</a:t>
+                      </a:r>
+                    </a:p>
+                  </a:txBody>
+                  <a:tcPr/>
+                </a:tc>
+                <a:tc>
+                  <a:txBody>
+                    <a:bodyPr/>
+                    <a:lstStyle/>
+                    <a:p>
+                      <a:r>
+                        <a:rPr lang="en-US" dirty="0"/>
+                        <a:t>10000</a:t>
+                      </a:r>
+                    </a:p>
+                  </a:txBody>
+                  <a:tcPr/>
+                </a:tc>
+                <a:extLst>
+                  <a:ext uri="{0D108BD9-81ED-4DB2-BD59-A6C34878D82A}">
+                    <a16:rowId xmlns:a16="http://schemas.microsoft.com/office/drawing/2014/main" val="2290446435"/>
+                  </a:ext>
+                </a:extLst>
+              </a:tr>
+            </a:tbl>
+          </a:graphicData>
+        </a:graphic>
+      </p:graphicFrame>
+    </p:spTree>
+    <p:extLst>
+      <p:ext uri="{BB962C8B-B14F-4D97-AF65-F5344CB8AC3E}">
+        <p14:creationId xmlns:p14="http://schemas.microsoft.com/office/powerpoint/2010/main" val="418068451"/>
+      </p:ext>
+    </p:extLst>
+  </p:cSld>
+  <p:clrMapOvr>
+    <a:masterClrMapping/>
+  </p:clrMapOvr>
+</p:sld>
+</file>
+
+<file path=ppt/slides/slide4.xml><?xml version="1.0" encoding="utf-8"?>
+<p:sld xmlns:a="http://schemas.openxmlformats.org/drawingml/2006/main" xmlns:r="http://schemas.openxmlformats.org/officeDocument/2006/relationships" xmlns:p="http://schemas.openxmlformats.org/presentationml/2006/main">
+  <p:cSld>
+    <p:spTree>
+      <p:nvGrpSpPr>
+        <p:cNvPr id="1" name=""/>
+        <p:cNvGrpSpPr/>
+        <p:nvPr/>
+      </p:nvGrpSpPr>
+      <p:grpSpPr>
+        <a:xfrm>
+          <a:off x="0" y="0"/>
+          <a:ext cx="0" cy="0"/>
+          <a:chOff x="0" y="0"/>
+          <a:chExt cx="0" cy="0"/>
+        </a:xfrm>
+      </p:grpSpPr>
+      <p:graphicFrame>
+        <p:nvGraphicFramePr>
+          <p:cNvPr id="4" name="think-cell data - do not delete" hidden="1">
+            <a:extLst>
+              <a:ext uri="{FF2B5EF4-FFF2-40B4-BE49-F238E27FC236}">
+                <a16:creationId xmlns:a16="http://schemas.microsoft.com/office/drawing/2014/main" id="{519F62F9-8F71-EB7D-845E-D1ADC5DD2DC6}"/>
+              </a:ext>
+            </a:extLst>
+          </p:cNvPr>
+          <p:cNvGraphicFramePr>
+            <a:graphicFrameLocks noChangeAspect="1"/>
+          </p:cNvGraphicFramePr>
+          <p:nvPr>
+            <p:custDataLst>
+              <p:tags r:id="rId1"/>
+            </p:custDataLst>
+            <p:extLst>
+              <p:ext uri="{D42A27DB-BD31-4B8C-83A1-F6EECF244321}">
+                <p14:modId xmlns:p14="http://schemas.microsoft.com/office/powerpoint/2010/main" val="4071324674"/>
+              </p:ext>
+            </p:extLst>
+          </p:nvPr>
+        </p:nvGraphicFramePr>
+        <p:xfrm>
+          <a:off x="1588" y="1588"/>
+          <a:ext cx="1588" cy="1588"/>
+        </p:xfrm>
+        <a:graphic>
+          <a:graphicData uri="http://schemas.openxmlformats.org/presentationml/2006/ole">
+            <mc:AlternateContent xmlns:mc="http://schemas.openxmlformats.org/markup-compatibility/2006">
+              <mc:Choice xmlns:v="urn:schemas-microsoft-com:vml" Requires="v">
+                <p:oleObj name="think-cell Slide" r:id="rId3" imgW="395" imgH="394" progId="TCLayout.ActiveDocument.1">
+                  <p:embed/>
+                </p:oleObj>
+              </mc:Choice>
+              <mc:Fallback>
+                <p:oleObj name="think-cell Slide" r:id="rId3" imgW="395" imgH="394" progId="TCLayout.ActiveDocument.1">
+                  <p:embed/>
+                  <p:pic>
+                    <p:nvPicPr>
+                      <p:cNvPr id="0" name=""/>
+                      <p:cNvPicPr/>
+                      <p:nvPr/>
+                    </p:nvPicPr>
+                    <p:blipFill>
+                      <a:blip r:embed="rId4"/>
+                      <a:stretch>
+                        <a:fillRect/>
+                      </a:stretch>
+                    </p:blipFill>
+                    <p:spPr>
+                      <a:xfrm>
+                        <a:off x="1588" y="1588"/>
+                        <a:ext cx="1588" cy="1588"/>
+                      </a:xfrm>
+                      <a:prstGeom prst="rect">
+                        <a:avLst/>
+                      </a:prstGeom>
+                    </p:spPr>
+                  </p:pic>
+                </p:oleObj>
+              </mc:Fallback>
+            </mc:AlternateContent>
+          </a:graphicData>
+        </a:graphic>
+      </p:graphicFrame>
+      <p:sp>
+        <p:nvSpPr>
+          <p:cNvPr id="5" name="Rectangle 4">
+            <a:extLst>
+              <a:ext uri="{FF2B5EF4-FFF2-40B4-BE49-F238E27FC236}">
+                <a16:creationId xmlns:a16="http://schemas.microsoft.com/office/drawing/2014/main" id="{32E6F620-C96C-E1FB-81C8-6BC517FBC8E9}"/>
+              </a:ext>
+            </a:extLst>
+          </p:cNvPr>
+          <p:cNvSpPr/>
+          <p:nvPr/>
+        </p:nvSpPr>
+        <p:spPr>
+          <a:xfrm>
+            <a:off x="3987210" y="0"/>
+            <a:ext cx="3902148" cy="1456660"/>
+          </a:xfrm>
+          <a:prstGeom prst="rect">
+            <a:avLst/>
+          </a:prstGeom>
+        </p:spPr>
+        <p:style>
+          <a:lnRef idx="2">
+            <a:schemeClr val="accent1">
+              <a:shade val="15000"/>
+            </a:schemeClr>
+          </a:lnRef>
+          <a:fillRef idx="1">
+            <a:schemeClr val="accent1"/>
+          </a:fillRef>
+          <a:effectRef idx="0">
+            <a:schemeClr val="accent1"/>
+          </a:effectRef>
+          <a:fontRef idx="minor">
+            <a:schemeClr val="lt1"/>
+          </a:fontRef>
+        </p:style>
+        <p:txBody>
+          <a:bodyPr rtlCol="0" anchor="ctr"/>
+          <a:lstStyle/>
+          <a:p>
+            <a:pPr algn="ctr"/>
+            <a:r>
+              <a:rPr lang="en-US" dirty="0" err="1"/>
+              <a:t>Algoritmos</a:t>
+            </a:r>
+            <a:r>
+              <a:rPr lang="en-US" dirty="0"/>
+              <a:t> de Machine Learning</a:t>
+            </a:r>
+          </a:p>
+        </p:txBody>
+      </p:sp>
+      <p:sp>
+        <p:nvSpPr>
+          <p:cNvPr id="6" name="Rectangle 5">
+            <a:extLst>
+              <a:ext uri="{FF2B5EF4-FFF2-40B4-BE49-F238E27FC236}">
+                <a16:creationId xmlns:a16="http://schemas.microsoft.com/office/drawing/2014/main" id="{7E41DCF3-7469-C734-58C8-A37085902189}"/>
+              </a:ext>
+            </a:extLst>
+          </p:cNvPr>
+          <p:cNvSpPr/>
+          <p:nvPr/>
+        </p:nvSpPr>
+        <p:spPr>
+          <a:xfrm>
+            <a:off x="935666" y="1656021"/>
+            <a:ext cx="3125972" cy="818707"/>
+          </a:xfrm>
+          <a:prstGeom prst="rect">
+            <a:avLst/>
+          </a:prstGeom>
+        </p:spPr>
+        <p:style>
+          <a:lnRef idx="2">
+            <a:schemeClr val="accent1">
+              <a:shade val="15000"/>
+            </a:schemeClr>
+          </a:lnRef>
+          <a:fillRef idx="1">
+            <a:schemeClr val="accent1"/>
+          </a:fillRef>
+          <a:effectRef idx="0">
+            <a:schemeClr val="accent1"/>
+          </a:effectRef>
+          <a:fontRef idx="minor">
+            <a:schemeClr val="lt1"/>
+          </a:fontRef>
+        </p:style>
+        <p:txBody>
+          <a:bodyPr rtlCol="0" anchor="ctr"/>
+          <a:lstStyle/>
+          <a:p>
+            <a:pPr algn="ctr"/>
+            <a:r>
+              <a:rPr lang="en-US" dirty="0" err="1"/>
+              <a:t>Algoritmos</a:t>
+            </a:r>
+            <a:r>
+              <a:rPr lang="en-US" dirty="0"/>
+              <a:t> </a:t>
+            </a:r>
+            <a:r>
+              <a:rPr lang="en-US" dirty="0" err="1"/>
+              <a:t>supervisados</a:t>
+            </a:r>
+            <a:endParaRPr lang="en-US" dirty="0"/>
+          </a:p>
+        </p:txBody>
+      </p:sp>
+      <p:sp>
+        <p:nvSpPr>
+          <p:cNvPr id="7" name="Rectangle 6">
+            <a:extLst>
+              <a:ext uri="{FF2B5EF4-FFF2-40B4-BE49-F238E27FC236}">
+                <a16:creationId xmlns:a16="http://schemas.microsoft.com/office/drawing/2014/main" id="{652662E4-7E4C-763C-5C5E-E58A514C645E}"/>
+              </a:ext>
+            </a:extLst>
+          </p:cNvPr>
+          <p:cNvSpPr/>
+          <p:nvPr/>
+        </p:nvSpPr>
+        <p:spPr>
+          <a:xfrm>
+            <a:off x="8360735" y="1637413"/>
+            <a:ext cx="3125972" cy="818707"/>
+          </a:xfrm>
+          <a:prstGeom prst="rect">
+            <a:avLst/>
+          </a:prstGeom>
+        </p:spPr>
+        <p:style>
+          <a:lnRef idx="2">
+            <a:schemeClr val="accent1">
+              <a:shade val="15000"/>
+            </a:schemeClr>
+          </a:lnRef>
+          <a:fillRef idx="1">
+            <a:schemeClr val="accent1"/>
+          </a:fillRef>
+          <a:effectRef idx="0">
+            <a:schemeClr val="accent1"/>
+          </a:effectRef>
+          <a:fontRef idx="minor">
+            <a:schemeClr val="lt1"/>
+          </a:fontRef>
+        </p:style>
+        <p:txBody>
+          <a:bodyPr rtlCol="0" anchor="ctr"/>
+          <a:lstStyle/>
+          <a:p>
+            <a:pPr algn="ctr"/>
+            <a:r>
+              <a:rPr lang="en-US" dirty="0" err="1"/>
+              <a:t>Algoritmos</a:t>
+            </a:r>
+            <a:r>
+              <a:rPr lang="en-US" dirty="0"/>
+              <a:t> no </a:t>
+            </a:r>
+            <a:r>
+              <a:rPr lang="en-US" dirty="0" err="1"/>
+              <a:t>supervisados</a:t>
+            </a:r>
+            <a:endParaRPr lang="en-US" dirty="0"/>
+          </a:p>
+        </p:txBody>
+      </p:sp>
+      <p:sp>
+        <p:nvSpPr>
+          <p:cNvPr id="8" name="Rectangle 7">
+            <a:extLst>
+              <a:ext uri="{FF2B5EF4-FFF2-40B4-BE49-F238E27FC236}">
+                <a16:creationId xmlns:a16="http://schemas.microsoft.com/office/drawing/2014/main" id="{1E3FCDB6-780A-2CD1-BA8F-E7CBDF967EEA}"/>
+              </a:ext>
+            </a:extLst>
+          </p:cNvPr>
+          <p:cNvSpPr/>
+          <p:nvPr/>
+        </p:nvSpPr>
+        <p:spPr>
+          <a:xfrm>
+            <a:off x="7208874" y="2674090"/>
+            <a:ext cx="1967024" cy="627320"/>
+          </a:xfrm>
+          <a:prstGeom prst="rect">
+            <a:avLst/>
+          </a:prstGeom>
+        </p:spPr>
+        <p:style>
+          <a:lnRef idx="2">
+            <a:schemeClr val="accent1">
+              <a:shade val="15000"/>
+            </a:schemeClr>
+          </a:lnRef>
+          <a:fillRef idx="1">
+            <a:schemeClr val="accent1"/>
+          </a:fillRef>
+          <a:effectRef idx="0">
+            <a:schemeClr val="accent1"/>
+          </a:effectRef>
+          <a:fontRef idx="minor">
+            <a:schemeClr val="lt1"/>
+          </a:fontRef>
+        </p:style>
+        <p:txBody>
+          <a:bodyPr rtlCol="0" anchor="ctr"/>
+          <a:lstStyle/>
+          <a:p>
+            <a:pPr algn="ctr"/>
+            <a:r>
+              <a:rPr lang="en-US" dirty="0" err="1"/>
+              <a:t>Clusterización</a:t>
+            </a:r>
+            <a:endParaRPr lang="en-US" dirty="0"/>
+          </a:p>
+        </p:txBody>
+      </p:sp>
+      <p:sp>
+        <p:nvSpPr>
+          <p:cNvPr id="9" name="Rectangle 8">
+            <a:extLst>
+              <a:ext uri="{FF2B5EF4-FFF2-40B4-BE49-F238E27FC236}">
+                <a16:creationId xmlns:a16="http://schemas.microsoft.com/office/drawing/2014/main" id="{4F61FAC8-D8EA-BDF9-30E3-58D8D806C3ED}"/>
+              </a:ext>
+            </a:extLst>
+          </p:cNvPr>
+          <p:cNvSpPr/>
+          <p:nvPr/>
+        </p:nvSpPr>
+        <p:spPr>
+          <a:xfrm>
+            <a:off x="10224976" y="2674090"/>
+            <a:ext cx="1967024" cy="627320"/>
+          </a:xfrm>
+          <a:prstGeom prst="rect">
+            <a:avLst/>
+          </a:prstGeom>
+        </p:spPr>
+        <p:style>
+          <a:lnRef idx="2">
+            <a:schemeClr val="accent1">
+              <a:shade val="15000"/>
+            </a:schemeClr>
+          </a:lnRef>
+          <a:fillRef idx="1">
+            <a:schemeClr val="accent1"/>
+          </a:fillRef>
+          <a:effectRef idx="0">
+            <a:schemeClr val="accent1"/>
+          </a:effectRef>
+          <a:fontRef idx="minor">
+            <a:schemeClr val="lt1"/>
+          </a:fontRef>
+        </p:style>
+        <p:txBody>
+          <a:bodyPr rtlCol="0" anchor="ctr"/>
+          <a:lstStyle/>
+          <a:p>
+            <a:pPr algn="ctr"/>
+            <a:r>
+              <a:rPr lang="en-US" dirty="0" err="1"/>
+              <a:t>Reducción</a:t>
+            </a:r>
+            <a:r>
+              <a:rPr lang="en-US" dirty="0"/>
+              <a:t> de </a:t>
+            </a:r>
+            <a:r>
+              <a:rPr lang="en-US" dirty="0" err="1"/>
+              <a:t>dimensionalidad</a:t>
+            </a:r>
+            <a:endParaRPr lang="en-US" dirty="0"/>
+          </a:p>
+        </p:txBody>
+      </p:sp>
+      <p:sp>
+        <p:nvSpPr>
+          <p:cNvPr id="10" name="Rectangle 9">
+            <a:extLst>
+              <a:ext uri="{FF2B5EF4-FFF2-40B4-BE49-F238E27FC236}">
+                <a16:creationId xmlns:a16="http://schemas.microsoft.com/office/drawing/2014/main" id="{0B33AD24-0FD2-BD79-1084-B44603AB8AE9}"/>
+              </a:ext>
+            </a:extLst>
+          </p:cNvPr>
+          <p:cNvSpPr/>
+          <p:nvPr/>
+        </p:nvSpPr>
+        <p:spPr>
+          <a:xfrm>
+            <a:off x="329610" y="2881424"/>
+            <a:ext cx="1701209" cy="627320"/>
+          </a:xfrm>
+          <a:prstGeom prst="rect">
+            <a:avLst/>
+          </a:prstGeom>
+        </p:spPr>
+        <p:style>
+          <a:lnRef idx="2">
+            <a:schemeClr val="accent1">
+              <a:shade val="15000"/>
+            </a:schemeClr>
+          </a:lnRef>
+          <a:fillRef idx="1">
+            <a:schemeClr val="accent1"/>
+          </a:fillRef>
+          <a:effectRef idx="0">
+            <a:schemeClr val="accent1"/>
+          </a:effectRef>
+          <a:fontRef idx="minor">
+            <a:schemeClr val="lt1"/>
+          </a:fontRef>
+        </p:style>
+        <p:txBody>
+          <a:bodyPr rtlCol="0" anchor="ctr"/>
+          <a:lstStyle/>
+          <a:p>
+            <a:pPr algn="ctr"/>
+            <a:r>
+              <a:rPr lang="en-US" dirty="0" err="1"/>
+              <a:t>Regresión</a:t>
+            </a:r>
+            <a:endParaRPr lang="en-US" dirty="0"/>
+          </a:p>
+        </p:txBody>
+      </p:sp>
+      <p:sp>
+        <p:nvSpPr>
+          <p:cNvPr id="11" name="Rectangle 10">
+            <a:extLst>
+              <a:ext uri="{FF2B5EF4-FFF2-40B4-BE49-F238E27FC236}">
+                <a16:creationId xmlns:a16="http://schemas.microsoft.com/office/drawing/2014/main" id="{81F92D94-F695-CEA3-0465-C1AFF1722548}"/>
+              </a:ext>
+            </a:extLst>
+          </p:cNvPr>
+          <p:cNvSpPr/>
+          <p:nvPr/>
+        </p:nvSpPr>
+        <p:spPr>
+          <a:xfrm>
+            <a:off x="2776871" y="2881424"/>
+            <a:ext cx="1701209" cy="627320"/>
+          </a:xfrm>
+          <a:prstGeom prst="rect">
+            <a:avLst/>
+          </a:prstGeom>
+        </p:spPr>
+        <p:style>
+          <a:lnRef idx="2">
+            <a:schemeClr val="accent1">
+              <a:shade val="15000"/>
+            </a:schemeClr>
+          </a:lnRef>
+          <a:fillRef idx="1">
+            <a:schemeClr val="accent1"/>
+          </a:fillRef>
+          <a:effectRef idx="0">
+            <a:schemeClr val="accent1"/>
+          </a:effectRef>
+          <a:fontRef idx="minor">
+            <a:schemeClr val="lt1"/>
+          </a:fontRef>
+        </p:style>
+        <p:txBody>
+          <a:bodyPr rtlCol="0" anchor="ctr"/>
+          <a:lstStyle/>
+          <a:p>
+            <a:pPr algn="ctr"/>
+            <a:r>
+              <a:rPr lang="en-US" dirty="0" err="1"/>
+              <a:t>Clasificación</a:t>
+            </a:r>
+            <a:endParaRPr lang="en-US" dirty="0"/>
+          </a:p>
+        </p:txBody>
+      </p:sp>
+      <p:sp>
+        <p:nvSpPr>
+          <p:cNvPr id="12" name="TextBox 11">
+            <a:extLst>
+              <a:ext uri="{FF2B5EF4-FFF2-40B4-BE49-F238E27FC236}">
+                <a16:creationId xmlns:a16="http://schemas.microsoft.com/office/drawing/2014/main" id="{10A6B839-6F18-B101-DAE8-A9ABA68E6918}"/>
+              </a:ext>
+            </a:extLst>
+          </p:cNvPr>
+          <p:cNvSpPr txBox="1"/>
+          <p:nvPr/>
+        </p:nvSpPr>
+        <p:spPr>
+          <a:xfrm>
+            <a:off x="10590028" y="3508744"/>
+            <a:ext cx="1446028" cy="369332"/>
+          </a:xfrm>
+          <a:prstGeom prst="rect">
+            <a:avLst/>
+          </a:prstGeom>
+          <a:noFill/>
+        </p:spPr>
+        <p:txBody>
+          <a:bodyPr wrap="square" rtlCol="0">
+            <a:spAutoFit/>
+          </a:bodyPr>
+          <a:lstStyle/>
+          <a:p>
+            <a:pPr marL="285750" indent="-285750">
+              <a:buFont typeface="Arial" panose="020B0604020202020204" pitchFamily="34" charset="0"/>
+              <a:buChar char="•"/>
+            </a:pPr>
+            <a:r>
+              <a:rPr lang="en-US" dirty="0"/>
+              <a:t>PCA</a:t>
+            </a:r>
+          </a:p>
+        </p:txBody>
+      </p:sp>
+      <p:sp>
+        <p:nvSpPr>
+          <p:cNvPr id="13" name="TextBox 12">
+            <a:extLst>
+              <a:ext uri="{FF2B5EF4-FFF2-40B4-BE49-F238E27FC236}">
+                <a16:creationId xmlns:a16="http://schemas.microsoft.com/office/drawing/2014/main" id="{A41B4EDD-AF92-E326-DAE7-5D2803E639F1}"/>
+              </a:ext>
+            </a:extLst>
+          </p:cNvPr>
+          <p:cNvSpPr txBox="1"/>
+          <p:nvPr/>
+        </p:nvSpPr>
+        <p:spPr>
+          <a:xfrm>
+            <a:off x="7028121" y="3429000"/>
+            <a:ext cx="2716617" cy="646331"/>
+          </a:xfrm>
+          <a:prstGeom prst="rect">
+            <a:avLst/>
+          </a:prstGeom>
+          <a:noFill/>
+        </p:spPr>
+        <p:txBody>
+          <a:bodyPr wrap="square" rtlCol="0">
+            <a:spAutoFit/>
+          </a:bodyPr>
+          <a:lstStyle/>
+          <a:p>
+            <a:pPr marL="285750" indent="-285750">
+              <a:buFont typeface="Arial" panose="020B0604020202020204" pitchFamily="34" charset="0"/>
+              <a:buChar char="•"/>
+            </a:pPr>
+            <a:r>
+              <a:rPr lang="en-US" dirty="0"/>
+              <a:t>K- nearest neighbors</a:t>
+            </a:r>
+          </a:p>
+          <a:p>
+            <a:pPr marL="285750" indent="-285750">
+              <a:buFont typeface="Arial" panose="020B0604020202020204" pitchFamily="34" charset="0"/>
+              <a:buChar char="•"/>
+            </a:pPr>
+            <a:r>
+              <a:rPr lang="en-US" dirty="0"/>
+              <a:t>K-means</a:t>
+            </a:r>
+          </a:p>
+        </p:txBody>
+      </p:sp>
+      <p:sp>
+        <p:nvSpPr>
+          <p:cNvPr id="14" name="TextBox 13">
+            <a:extLst>
+              <a:ext uri="{FF2B5EF4-FFF2-40B4-BE49-F238E27FC236}">
+                <a16:creationId xmlns:a16="http://schemas.microsoft.com/office/drawing/2014/main" id="{A0FBEF28-8E8D-DB44-32C1-C4D8B8C7F730}"/>
+              </a:ext>
+            </a:extLst>
+          </p:cNvPr>
+          <p:cNvSpPr txBox="1"/>
+          <p:nvPr/>
+        </p:nvSpPr>
+        <p:spPr>
+          <a:xfrm>
+            <a:off x="53163" y="3684181"/>
+            <a:ext cx="2445489" cy="1754326"/>
+          </a:xfrm>
+          <a:prstGeom prst="rect">
+            <a:avLst/>
+          </a:prstGeom>
+          <a:noFill/>
+        </p:spPr>
+        <p:txBody>
+          <a:bodyPr wrap="square" rtlCol="0">
+            <a:spAutoFit/>
+          </a:bodyPr>
+          <a:lstStyle/>
+          <a:p>
+            <a:pPr marL="285750" indent="-285750">
+              <a:buFont typeface="Arial" panose="020B0604020202020204" pitchFamily="34" charset="0"/>
+              <a:buChar char="•"/>
+            </a:pPr>
+            <a:r>
+              <a:rPr lang="en-US" dirty="0" err="1"/>
+              <a:t>Regresión</a:t>
+            </a:r>
+            <a:r>
+              <a:rPr lang="en-US" dirty="0"/>
+              <a:t> lineal</a:t>
+            </a:r>
+          </a:p>
+          <a:p>
+            <a:pPr marL="285750" indent="-285750">
+              <a:buFont typeface="Arial" panose="020B0604020202020204" pitchFamily="34" charset="0"/>
+              <a:buChar char="•"/>
+            </a:pPr>
+            <a:r>
+              <a:rPr lang="en-US" dirty="0" err="1"/>
+              <a:t>Regresión</a:t>
+            </a:r>
+            <a:r>
+              <a:rPr lang="en-US" dirty="0"/>
+              <a:t> </a:t>
+            </a:r>
+            <a:r>
+              <a:rPr lang="en-US" dirty="0" err="1"/>
+              <a:t>polinómica</a:t>
+            </a:r>
+            <a:endParaRPr lang="en-US" dirty="0"/>
+          </a:p>
+          <a:p>
+            <a:pPr marL="285750" indent="-285750">
+              <a:buFont typeface="Arial" panose="020B0604020202020204" pitchFamily="34" charset="0"/>
+              <a:buChar char="•"/>
+            </a:pPr>
+            <a:r>
+              <a:rPr lang="en-US" dirty="0"/>
+              <a:t>(</a:t>
+            </a:r>
+            <a:r>
+              <a:rPr lang="en-US" dirty="0" err="1"/>
+              <a:t>PassiveAgressive</a:t>
+            </a:r>
+            <a:r>
+              <a:rPr lang="en-US" dirty="0"/>
+              <a:t>)</a:t>
+            </a:r>
+          </a:p>
+          <a:p>
+            <a:pPr marL="285750" indent="-285750">
+              <a:buFont typeface="Arial" panose="020B0604020202020204" pitchFamily="34" charset="0"/>
+              <a:buChar char="•"/>
+            </a:pPr>
+            <a:r>
+              <a:rPr lang="en-US" dirty="0"/>
+              <a:t>Árbol de decision</a:t>
+            </a:r>
+          </a:p>
+          <a:p>
+            <a:pPr marL="285750" indent="-285750">
+              <a:buFont typeface="Arial" panose="020B0604020202020204" pitchFamily="34" charset="0"/>
+              <a:buChar char="•"/>
+            </a:pPr>
+            <a:r>
+              <a:rPr lang="en-US" dirty="0"/>
+              <a:t>Bosque </a:t>
+            </a:r>
+            <a:r>
+              <a:rPr lang="en-US" dirty="0" err="1"/>
+              <a:t>aleatorio</a:t>
+            </a:r>
+            <a:endParaRPr lang="en-US" dirty="0"/>
+          </a:p>
+        </p:txBody>
+      </p:sp>
+      <p:sp>
+        <p:nvSpPr>
+          <p:cNvPr id="15" name="TextBox 14">
+            <a:extLst>
+              <a:ext uri="{FF2B5EF4-FFF2-40B4-BE49-F238E27FC236}">
+                <a16:creationId xmlns:a16="http://schemas.microsoft.com/office/drawing/2014/main" id="{557B3A65-4401-2B6D-639C-82CBA3F38919}"/>
+              </a:ext>
+            </a:extLst>
+          </p:cNvPr>
+          <p:cNvSpPr txBox="1"/>
+          <p:nvPr/>
+        </p:nvSpPr>
+        <p:spPr>
+          <a:xfrm>
+            <a:off x="2658140" y="3638014"/>
+            <a:ext cx="2243470" cy="646331"/>
+          </a:xfrm>
+          <a:prstGeom prst="rect">
+            <a:avLst/>
+          </a:prstGeom>
+          <a:noFill/>
+        </p:spPr>
+        <p:txBody>
+          <a:bodyPr wrap="square" rtlCol="0">
+            <a:spAutoFit/>
+          </a:bodyPr>
+          <a:lstStyle/>
+          <a:p>
+            <a:pPr marL="285750" indent="-285750">
+              <a:buFont typeface="Arial" panose="020B0604020202020204" pitchFamily="34" charset="0"/>
+              <a:buChar char="•"/>
+            </a:pPr>
+            <a:r>
+              <a:rPr lang="en-US" dirty="0"/>
+              <a:t>Árbol de decision</a:t>
+            </a:r>
+          </a:p>
+          <a:p>
+            <a:pPr marL="285750" indent="-285750">
+              <a:buFont typeface="Arial" panose="020B0604020202020204" pitchFamily="34" charset="0"/>
+              <a:buChar char="•"/>
+            </a:pPr>
+            <a:r>
+              <a:rPr lang="en-US" dirty="0"/>
+              <a:t>Bosque </a:t>
+            </a:r>
+            <a:r>
+              <a:rPr lang="en-US" dirty="0" err="1"/>
+              <a:t>aleatorio</a:t>
+            </a:r>
+            <a:endParaRPr lang="en-US" dirty="0"/>
+          </a:p>
+        </p:txBody>
+      </p:sp>
+    </p:spTree>
+    <p:extLst>
+      <p:ext uri="{BB962C8B-B14F-4D97-AF65-F5344CB8AC3E}">
+        <p14:creationId xmlns:p14="http://schemas.microsoft.com/office/powerpoint/2010/main" val="1621816243"/>
+      </p:ext>
+    </p:extLst>
+  </p:cSld>
+  <p:clrMapOvr>
+    <a:masterClrMapping/>
+  </p:clrMapOvr>
+</p:sld>
+</file>
+
 <file path=ppt/tags/tag1.xml><?xml version="1.0" encoding="utf-8"?>
 <p:tagLst xmlns:a="http://schemas.openxmlformats.org/drawingml/2006/main" xmlns:r="http://schemas.openxmlformats.org/officeDocument/2006/relationships" xmlns:p="http://schemas.openxmlformats.org/presentationml/2006/main">
   <p:tag name="THINKCELLUNDODONOTDELETE" val="0"/>
@@ -4514,6 +6751,24 @@
 </file>
 
 <file path=ppt/tags/tag3.xml><?xml version="1.0" encoding="utf-8"?>
+<p:tagLst xmlns:a="http://schemas.openxmlformats.org/drawingml/2006/main" xmlns:r="http://schemas.openxmlformats.org/officeDocument/2006/relationships" xmlns:p="http://schemas.openxmlformats.org/presentationml/2006/main">
+  <p:tag name="THINKCELLSHAPEDONOTDELETE" val="thinkcellActiveDocDoNotDelete"/>
+</p:tagLst>
+</file>
+
+<file path=ppt/tags/tag4.xml><?xml version="1.0" encoding="utf-8"?>
+<p:tagLst xmlns:a="http://schemas.openxmlformats.org/drawingml/2006/main" xmlns:r="http://schemas.openxmlformats.org/officeDocument/2006/relationships" xmlns:p="http://schemas.openxmlformats.org/presentationml/2006/main">
+  <p:tag name="THINKCELLSHAPEDONOTDELETE" val="thinkcellActiveDocDoNotDelete"/>
+</p:tagLst>
+</file>
+
+<file path=ppt/tags/tag5.xml><?xml version="1.0" encoding="utf-8"?>
+<p:tagLst xmlns:a="http://schemas.openxmlformats.org/drawingml/2006/main" xmlns:r="http://schemas.openxmlformats.org/officeDocument/2006/relationships" xmlns:p="http://schemas.openxmlformats.org/presentationml/2006/main">
+  <p:tag name="THINKCELLSHAPEDONOTDELETE" val="thinkcellActiveDocDoNotDelete"/>
+</p:tagLst>
+</file>
+
+<file path=ppt/tags/tag6.xml><?xml version="1.0" encoding="utf-8"?>
 <p:tagLst xmlns:a="http://schemas.openxmlformats.org/drawingml/2006/main" xmlns:r="http://schemas.openxmlformats.org/officeDocument/2006/relationships" xmlns:p="http://schemas.openxmlformats.org/presentationml/2006/main">
   <p:tag name="THINKCELLSHAPEDONOTDELETE" val="thinkcellActiveDocDoNotDelete"/>
 </p:tagLst>

--- a/categorias en machine learning.pptx
+++ b/categorias en machine learning.pptx
@@ -9,11 +9,12 @@
     <p:sldId id="257" r:id="rId3"/>
     <p:sldId id="258" r:id="rId4"/>
     <p:sldId id="259" r:id="rId5"/>
+    <p:sldId id="260" r:id="rId6"/>
   </p:sldIdLst>
   <p:sldSz cx="12192000" cy="6858000"/>
   <p:notesSz cx="6858000" cy="9144000"/>
   <p:custDataLst>
-    <p:tags r:id="rId6"/>
+    <p:tags r:id="rId7"/>
   </p:custDataLst>
   <p:defaultTextStyle>
     <a:defPPr>
@@ -265,7 +266,7 @@
           <a:p>
             <a:fld id="{9BB5413F-7912-4330-AD11-32B182D60A79}" type="datetimeFigureOut">
               <a:rPr lang="en-US" smtClean="0"/>
-              <a:t>8/7/2024</a:t>
+              <a:t>8/12/2024</a:t>
             </a:fld>
             <a:endParaRPr lang="en-US"/>
           </a:p>
@@ -463,7 +464,7 @@
           <a:p>
             <a:fld id="{9BB5413F-7912-4330-AD11-32B182D60A79}" type="datetimeFigureOut">
               <a:rPr lang="en-US" smtClean="0"/>
-              <a:t>8/7/2024</a:t>
+              <a:t>8/12/2024</a:t>
             </a:fld>
             <a:endParaRPr lang="en-US"/>
           </a:p>
@@ -671,7 +672,7 @@
           <a:p>
             <a:fld id="{9BB5413F-7912-4330-AD11-32B182D60A79}" type="datetimeFigureOut">
               <a:rPr lang="en-US" smtClean="0"/>
-              <a:t>8/7/2024</a:t>
+              <a:t>8/12/2024</a:t>
             </a:fld>
             <a:endParaRPr lang="en-US"/>
           </a:p>
@@ -869,7 +870,7 @@
           <a:p>
             <a:fld id="{9BB5413F-7912-4330-AD11-32B182D60A79}" type="datetimeFigureOut">
               <a:rPr lang="en-US" smtClean="0"/>
-              <a:t>8/7/2024</a:t>
+              <a:t>8/12/2024</a:t>
             </a:fld>
             <a:endParaRPr lang="en-US"/>
           </a:p>
@@ -1144,7 +1145,7 @@
           <a:p>
             <a:fld id="{9BB5413F-7912-4330-AD11-32B182D60A79}" type="datetimeFigureOut">
               <a:rPr lang="en-US" smtClean="0"/>
-              <a:t>8/7/2024</a:t>
+              <a:t>8/12/2024</a:t>
             </a:fld>
             <a:endParaRPr lang="en-US"/>
           </a:p>
@@ -1409,7 +1410,7 @@
           <a:p>
             <a:fld id="{9BB5413F-7912-4330-AD11-32B182D60A79}" type="datetimeFigureOut">
               <a:rPr lang="en-US" smtClean="0"/>
-              <a:t>8/7/2024</a:t>
+              <a:t>8/12/2024</a:t>
             </a:fld>
             <a:endParaRPr lang="en-US"/>
           </a:p>
@@ -1821,7 +1822,7 @@
           <a:p>
             <a:fld id="{9BB5413F-7912-4330-AD11-32B182D60A79}" type="datetimeFigureOut">
               <a:rPr lang="en-US" smtClean="0"/>
-              <a:t>8/7/2024</a:t>
+              <a:t>8/12/2024</a:t>
             </a:fld>
             <a:endParaRPr lang="en-US"/>
           </a:p>
@@ -1962,7 +1963,7 @@
           <a:p>
             <a:fld id="{9BB5413F-7912-4330-AD11-32B182D60A79}" type="datetimeFigureOut">
               <a:rPr lang="en-US" smtClean="0"/>
-              <a:t>8/7/2024</a:t>
+              <a:t>8/12/2024</a:t>
             </a:fld>
             <a:endParaRPr lang="en-US"/>
           </a:p>
@@ -2075,7 +2076,7 @@
           <a:p>
             <a:fld id="{9BB5413F-7912-4330-AD11-32B182D60A79}" type="datetimeFigureOut">
               <a:rPr lang="en-US" smtClean="0"/>
-              <a:t>8/7/2024</a:t>
+              <a:t>8/12/2024</a:t>
             </a:fld>
             <a:endParaRPr lang="en-US"/>
           </a:p>
@@ -2386,7 +2387,7 @@
           <a:p>
             <a:fld id="{9BB5413F-7912-4330-AD11-32B182D60A79}" type="datetimeFigureOut">
               <a:rPr lang="en-US" smtClean="0"/>
-              <a:t>8/7/2024</a:t>
+              <a:t>8/12/2024</a:t>
             </a:fld>
             <a:endParaRPr lang="en-US"/>
           </a:p>
@@ -2674,7 +2675,7 @@
           <a:p>
             <a:fld id="{9BB5413F-7912-4330-AD11-32B182D60A79}" type="datetimeFigureOut">
               <a:rPr lang="en-US" smtClean="0"/>
-              <a:t>8/7/2024</a:t>
+              <a:t>8/12/2024</a:t>
             </a:fld>
             <a:endParaRPr lang="en-US"/>
           </a:p>
@@ -2981,7 +2982,7 @@
           <a:p>
             <a:fld id="{9BB5413F-7912-4330-AD11-32B182D60A79}" type="datetimeFigureOut">
               <a:rPr lang="en-US" smtClean="0"/>
-              <a:t>8/7/2024</a:t>
+              <a:t>8/12/2024</a:t>
             </a:fld>
             <a:endParaRPr lang="en-US"/>
           </a:p>
@@ -5091,6 +5092,64 @@
           </a:graphicData>
         </a:graphic>
       </p:graphicFrame>
+      <p:sp>
+        <p:nvSpPr>
+          <p:cNvPr id="2" name="Rectangle 1">
+            <a:extLst>
+              <a:ext uri="{FF2B5EF4-FFF2-40B4-BE49-F238E27FC236}">
+                <a16:creationId xmlns:a16="http://schemas.microsoft.com/office/drawing/2014/main" id="{DA13D77C-0A47-B622-F581-D1E6530B1054}"/>
+              </a:ext>
+            </a:extLst>
+          </p:cNvPr>
+          <p:cNvSpPr/>
+          <p:nvPr/>
+        </p:nvSpPr>
+        <p:spPr>
+          <a:xfrm>
+            <a:off x="8799968" y="407406"/>
+            <a:ext cx="2806575" cy="2537813"/>
+          </a:xfrm>
+          <a:prstGeom prst="rect">
+            <a:avLst/>
+          </a:prstGeom>
+        </p:spPr>
+        <p:style>
+          <a:lnRef idx="2">
+            <a:schemeClr val="accent1">
+              <a:shade val="15000"/>
+            </a:schemeClr>
+          </a:lnRef>
+          <a:fillRef idx="1">
+            <a:schemeClr val="accent1"/>
+          </a:fillRef>
+          <a:effectRef idx="0">
+            <a:schemeClr val="accent1"/>
+          </a:effectRef>
+          <a:fontRef idx="minor">
+            <a:schemeClr val="lt1"/>
+          </a:fontRef>
+        </p:style>
+        <p:txBody>
+          <a:bodyPr rtlCol="0" anchor="ctr"/>
+          <a:lstStyle/>
+          <a:p>
+            <a:pPr algn="ctr"/>
+            <a:r>
+              <a:rPr lang="en-US" dirty="0" err="1"/>
+              <a:t>Creación</a:t>
+            </a:r>
+            <a:r>
+              <a:rPr lang="en-US" dirty="0"/>
+              <a:t> de variables para regression </a:t>
+            </a:r>
+            <a:r>
+              <a:rPr lang="en-US" dirty="0" err="1"/>
+              <a:t>polínómica</a:t>
+            </a:r>
+            <a:endParaRPr lang="en-US" dirty="0"/>
+          </a:p>
+        </p:txBody>
+      </p:sp>
     </p:spTree>
     <p:extLst>
       <p:ext uri="{BB962C8B-B14F-4D97-AF65-F5344CB8AC3E}">
@@ -6005,6 +6064,76 @@
           </a:graphicData>
         </a:graphic>
       </p:graphicFrame>
+      <p:sp>
+        <p:nvSpPr>
+          <p:cNvPr id="2" name="Rectangle 1">
+            <a:extLst>
+              <a:ext uri="{FF2B5EF4-FFF2-40B4-BE49-F238E27FC236}">
+                <a16:creationId xmlns:a16="http://schemas.microsoft.com/office/drawing/2014/main" id="{EA52B2B3-40FC-C6BE-F9A0-304B275A915F}"/>
+              </a:ext>
+            </a:extLst>
+          </p:cNvPr>
+          <p:cNvSpPr/>
+          <p:nvPr/>
+        </p:nvSpPr>
+        <p:spPr>
+          <a:xfrm>
+            <a:off x="2548140" y="172016"/>
+            <a:ext cx="6255944" cy="1511929"/>
+          </a:xfrm>
+          <a:prstGeom prst="rect">
+            <a:avLst/>
+          </a:prstGeom>
+        </p:spPr>
+        <p:style>
+          <a:lnRef idx="2">
+            <a:schemeClr val="accent1">
+              <a:shade val="15000"/>
+            </a:schemeClr>
+          </a:lnRef>
+          <a:fillRef idx="1">
+            <a:schemeClr val="accent1"/>
+          </a:fillRef>
+          <a:effectRef idx="0">
+            <a:schemeClr val="accent1"/>
+          </a:effectRef>
+          <a:fontRef idx="minor">
+            <a:schemeClr val="lt1"/>
+          </a:fontRef>
+        </p:style>
+        <p:txBody>
+          <a:bodyPr rtlCol="0" anchor="ctr"/>
+          <a:lstStyle/>
+          <a:p>
+            <a:pPr algn="ctr"/>
+            <a:r>
+              <a:rPr lang="en-US" dirty="0"/>
+              <a:t>Time series </a:t>
+            </a:r>
+            <a:r>
+              <a:rPr lang="en-US" dirty="0" err="1"/>
+              <a:t>como</a:t>
+            </a:r>
+            <a:r>
+              <a:rPr lang="en-US" dirty="0"/>
+              <a:t> </a:t>
+            </a:r>
+            <a:r>
+              <a:rPr lang="en-US" dirty="0" err="1"/>
+              <a:t>algoritmo</a:t>
+            </a:r>
+            <a:r>
+              <a:rPr lang="en-US" dirty="0"/>
+              <a:t> </a:t>
+            </a:r>
+            <a:r>
+              <a:rPr lang="en-US" dirty="0" err="1"/>
+              <a:t>supervisado</a:t>
+            </a:r>
+            <a:endParaRPr lang="en-US" dirty="0"/>
+          </a:p>
+        </p:txBody>
+      </p:sp>
     </p:spTree>
     <p:extLst>
       <p:ext uri="{BB962C8B-B14F-4D97-AF65-F5344CB8AC3E}">
@@ -6442,7 +6571,7 @@
         </p:nvSpPr>
         <p:spPr>
           <a:xfrm>
-            <a:off x="2776871" y="2881424"/>
+            <a:off x="3576084" y="2881424"/>
             <a:ext cx="1701209" cy="627320"/>
           </a:xfrm>
           <a:prstGeom prst="rect">
@@ -6580,8 +6709,8 @@
         </p:nvSpPr>
         <p:spPr>
           <a:xfrm>
-            <a:off x="53163" y="3684181"/>
-            <a:ext cx="2445489" cy="1754326"/>
+            <a:off x="53162" y="3684181"/>
+            <a:ext cx="3016987" cy="2585323"/>
           </a:xfrm>
           <a:prstGeom prst="rect">
             <a:avLst/>
@@ -6650,8 +6779,12 @@
               <a:buChar char="•"/>
             </a:pPr>
             <a:r>
+              <a:rPr lang="en-US" dirty="0" err="1"/>
+              <a:t>DecisionTreeRegressor</a:t>
+            </a:r>
+            <a:r>
               <a:rPr lang="en-US" dirty="0"/>
-              <a:t>Árbol de decision</a:t>
+              <a:t> (árbol de decision)</a:t>
             </a:r>
           </a:p>
           <a:p>
@@ -6660,14 +6793,43 @@
               <a:buChar char="•"/>
             </a:pPr>
             <a:r>
+              <a:rPr lang="en-US" dirty="0" err="1"/>
+              <a:t>RandomForestRegressor</a:t>
+            </a:r>
+            <a:r>
               <a:rPr lang="en-US" dirty="0"/>
-              <a:t>Bosque </a:t>
+              <a:t> (bosque </a:t>
             </a:r>
             <a:r>
               <a:rPr lang="en-US" dirty="0" err="1"/>
-              <a:t>aleatorio</a:t>
-            </a:r>
-            <a:endParaRPr lang="en-US" dirty="0"/>
+              <a:t>aleatorios</a:t>
+            </a:r>
+            <a:r>
+              <a:rPr lang="en-US" dirty="0"/>
+              <a:t>)</a:t>
+            </a:r>
+          </a:p>
+          <a:p>
+            <a:pPr marL="285750" indent="-285750">
+              <a:buFont typeface="Arial" panose="020B0604020202020204" pitchFamily="34" charset="0"/>
+              <a:buChar char="•"/>
+            </a:pPr>
+            <a:r>
+              <a:rPr lang="en-US" dirty="0" err="1"/>
+              <a:t>MLPRegressor</a:t>
+            </a:r>
+            <a:r>
+              <a:rPr lang="en-US" dirty="0"/>
+              <a:t> (redes </a:t>
+            </a:r>
+            <a:r>
+              <a:rPr lang="en-US" dirty="0" err="1"/>
+              <a:t>neuronales</a:t>
+            </a:r>
+            <a:r>
+              <a:rPr lang="en-US" dirty="0"/>
+              <a:t>)</a:t>
+            </a:r>
           </a:p>
         </p:txBody>
       </p:sp>
@@ -6685,8 +6847,8 @@
         </p:nvSpPr>
         <p:spPr>
           <a:xfrm>
-            <a:off x="2658140" y="3638014"/>
-            <a:ext cx="2243470" cy="646331"/>
+            <a:off x="3070149" y="3684181"/>
+            <a:ext cx="3125972" cy="2308324"/>
           </a:xfrm>
           <a:prstGeom prst="rect">
             <a:avLst/>
@@ -6704,8 +6866,12 @@
               <a:buChar char="•"/>
             </a:pPr>
             <a:r>
+              <a:rPr lang="en-US" dirty="0" err="1"/>
+              <a:t>DecisionTreeClassifier</a:t>
+            </a:r>
+            <a:r>
               <a:rPr lang="en-US" dirty="0"/>
-              <a:t>Árbol de decision</a:t>
+              <a:t> (Árbol de decision)</a:t>
             </a:r>
           </a:p>
           <a:p>
@@ -6714,14 +6880,73 @@
               <a:buChar char="•"/>
             </a:pPr>
             <a:r>
+              <a:rPr lang="en-US" dirty="0" err="1"/>
+              <a:t>RandomForestClassifier</a:t>
+            </a:r>
+            <a:r>
               <a:rPr lang="en-US" dirty="0"/>
-              <a:t>Bosque </a:t>
+              <a:t> (Bosque </a:t>
             </a:r>
             <a:r>
               <a:rPr lang="en-US" dirty="0" err="1"/>
               <a:t>aleatorio</a:t>
             </a:r>
-            <a:endParaRPr lang="en-US" dirty="0"/>
+            <a:r>
+              <a:rPr lang="en-US" dirty="0"/>
+              <a:t>)</a:t>
+            </a:r>
+          </a:p>
+          <a:p>
+            <a:pPr marL="285750" indent="-285750">
+              <a:buFont typeface="Arial" panose="020B0604020202020204" pitchFamily="34" charset="0"/>
+              <a:buChar char="•"/>
+            </a:pPr>
+            <a:r>
+              <a:rPr lang="en-US" dirty="0" err="1"/>
+              <a:t>Regresión</a:t>
+            </a:r>
+            <a:r>
+              <a:rPr lang="en-US" dirty="0"/>
+              <a:t> </a:t>
+            </a:r>
+            <a:r>
+              <a:rPr lang="en-US" dirty="0" err="1"/>
+              <a:t>logística</a:t>
+            </a:r>
+            <a:r>
+              <a:rPr lang="en-US" dirty="0"/>
+              <a:t> (</a:t>
+            </a:r>
+            <a:r>
+              <a:rPr lang="en-US" dirty="0" err="1"/>
+              <a:t>binaria</a:t>
+            </a:r>
+            <a:r>
+              <a:rPr lang="en-US" dirty="0"/>
+              <a:t>)</a:t>
+            </a:r>
+          </a:p>
+          <a:p>
+            <a:pPr marL="285750" indent="-285750">
+              <a:buFont typeface="Arial" panose="020B0604020202020204" pitchFamily="34" charset="0"/>
+              <a:buChar char="•"/>
+            </a:pPr>
+            <a:r>
+              <a:rPr lang="en-US" dirty="0" err="1"/>
+              <a:t>MLPClassifier</a:t>
+            </a:r>
+            <a:r>
+              <a:rPr lang="en-US" dirty="0"/>
+              <a:t> (redes </a:t>
+            </a:r>
+            <a:r>
+              <a:rPr lang="en-US" dirty="0" err="1"/>
+              <a:t>neuronales</a:t>
+            </a:r>
+            <a:r>
+              <a:rPr lang="en-US" dirty="0"/>
+              <a:t>)</a:t>
+            </a:r>
           </a:p>
         </p:txBody>
       </p:sp>
@@ -6729,6 +6954,3454 @@
     <p:extLst>
       <p:ext uri="{BB962C8B-B14F-4D97-AF65-F5344CB8AC3E}">
         <p14:creationId xmlns:p14="http://schemas.microsoft.com/office/powerpoint/2010/main" val="1621816243"/>
+      </p:ext>
+    </p:extLst>
+  </p:cSld>
+  <p:clrMapOvr>
+    <a:masterClrMapping/>
+  </p:clrMapOvr>
+</p:sld>
+</file>
+
+<file path=ppt/slides/slide5.xml><?xml version="1.0" encoding="utf-8"?>
+<p:sld xmlns:a="http://schemas.openxmlformats.org/drawingml/2006/main" xmlns:r="http://schemas.openxmlformats.org/officeDocument/2006/relationships" xmlns:p="http://schemas.openxmlformats.org/presentationml/2006/main">
+  <p:cSld>
+    <p:spTree>
+      <p:nvGrpSpPr>
+        <p:cNvPr id="1" name=""/>
+        <p:cNvGrpSpPr/>
+        <p:nvPr/>
+      </p:nvGrpSpPr>
+      <p:grpSpPr>
+        <a:xfrm>
+          <a:off x="0" y="0"/>
+          <a:ext cx="0" cy="0"/>
+          <a:chOff x="0" y="0"/>
+          <a:chExt cx="0" cy="0"/>
+        </a:xfrm>
+      </p:grpSpPr>
+      <p:graphicFrame>
+        <p:nvGraphicFramePr>
+          <p:cNvPr id="4" name="think-cell data - do not delete" hidden="1">
+            <a:extLst>
+              <a:ext uri="{FF2B5EF4-FFF2-40B4-BE49-F238E27FC236}">
+                <a16:creationId xmlns:a16="http://schemas.microsoft.com/office/drawing/2014/main" id="{00FC26E6-9167-2539-1279-71166ADBEFE4}"/>
+              </a:ext>
+            </a:extLst>
+          </p:cNvPr>
+          <p:cNvGraphicFramePr>
+            <a:graphicFrameLocks noChangeAspect="1"/>
+          </p:cNvGraphicFramePr>
+          <p:nvPr>
+            <p:custDataLst>
+              <p:tags r:id="rId1"/>
+            </p:custDataLst>
+            <p:extLst>
+              <p:ext uri="{D42A27DB-BD31-4B8C-83A1-F6EECF244321}">
+                <p14:modId xmlns:p14="http://schemas.microsoft.com/office/powerpoint/2010/main" val="2571349122"/>
+              </p:ext>
+            </p:extLst>
+          </p:nvPr>
+        </p:nvGraphicFramePr>
+        <p:xfrm>
+          <a:off x="1588" y="1588"/>
+          <a:ext cx="1588" cy="1588"/>
+        </p:xfrm>
+        <a:graphic>
+          <a:graphicData uri="http://schemas.openxmlformats.org/presentationml/2006/ole">
+            <mc:AlternateContent xmlns:mc="http://schemas.openxmlformats.org/markup-compatibility/2006">
+              <mc:Choice xmlns:v="urn:schemas-microsoft-com:vml" Requires="v">
+                <p:oleObj name="think-cell Slide" r:id="rId3" imgW="395" imgH="394" progId="TCLayout.ActiveDocument.1">
+                  <p:embed/>
+                </p:oleObj>
+              </mc:Choice>
+              <mc:Fallback>
+                <p:oleObj name="think-cell Slide" r:id="rId3" imgW="395" imgH="394" progId="TCLayout.ActiveDocument.1">
+                  <p:embed/>
+                  <p:pic>
+                    <p:nvPicPr>
+                      <p:cNvPr id="0" name=""/>
+                      <p:cNvPicPr/>
+                      <p:nvPr/>
+                    </p:nvPicPr>
+                    <p:blipFill>
+                      <a:blip r:embed="rId4"/>
+                      <a:stretch>
+                        <a:fillRect/>
+                      </a:stretch>
+                    </p:blipFill>
+                    <p:spPr>
+                      <a:xfrm>
+                        <a:off x="1588" y="1588"/>
+                        <a:ext cx="1588" cy="1588"/>
+                      </a:xfrm>
+                      <a:prstGeom prst="rect">
+                        <a:avLst/>
+                      </a:prstGeom>
+                    </p:spPr>
+                  </p:pic>
+                </p:oleObj>
+              </mc:Fallback>
+            </mc:AlternateContent>
+          </a:graphicData>
+        </a:graphic>
+      </p:graphicFrame>
+      <p:sp>
+        <p:nvSpPr>
+          <p:cNvPr id="5" name="Oval 4">
+            <a:extLst>
+              <a:ext uri="{FF2B5EF4-FFF2-40B4-BE49-F238E27FC236}">
+                <a16:creationId xmlns:a16="http://schemas.microsoft.com/office/drawing/2014/main" id="{135DB442-2592-DC21-0F25-2A61CDB59AE7}"/>
+              </a:ext>
+            </a:extLst>
+          </p:cNvPr>
+          <p:cNvSpPr/>
+          <p:nvPr/>
+        </p:nvSpPr>
+        <p:spPr>
+          <a:xfrm>
+            <a:off x="871870" y="545805"/>
+            <a:ext cx="520996" cy="478466"/>
+          </a:xfrm>
+          <a:prstGeom prst="ellipse">
+            <a:avLst/>
+          </a:prstGeom>
+        </p:spPr>
+        <p:style>
+          <a:lnRef idx="2">
+            <a:schemeClr val="accent1">
+              <a:shade val="15000"/>
+            </a:schemeClr>
+          </a:lnRef>
+          <a:fillRef idx="1">
+            <a:schemeClr val="accent1"/>
+          </a:fillRef>
+          <a:effectRef idx="0">
+            <a:schemeClr val="accent1"/>
+          </a:effectRef>
+          <a:fontRef idx="minor">
+            <a:schemeClr val="lt1"/>
+          </a:fontRef>
+        </p:style>
+        <p:txBody>
+          <a:bodyPr rtlCol="0" anchor="ctr"/>
+          <a:lstStyle/>
+          <a:p>
+            <a:pPr algn="ctr"/>
+            <a:r>
+              <a:rPr lang="en-US" dirty="0"/>
+              <a:t>1</a:t>
+            </a:r>
+          </a:p>
+        </p:txBody>
+      </p:sp>
+      <p:sp>
+        <p:nvSpPr>
+          <p:cNvPr id="6" name="Oval 5">
+            <a:extLst>
+              <a:ext uri="{FF2B5EF4-FFF2-40B4-BE49-F238E27FC236}">
+                <a16:creationId xmlns:a16="http://schemas.microsoft.com/office/drawing/2014/main" id="{D8E62C29-D8B5-388C-1CCC-273E7C13A8BA}"/>
+              </a:ext>
+            </a:extLst>
+          </p:cNvPr>
+          <p:cNvSpPr/>
+          <p:nvPr/>
+        </p:nvSpPr>
+        <p:spPr>
+          <a:xfrm>
+            <a:off x="871870" y="1439977"/>
+            <a:ext cx="520996" cy="478466"/>
+          </a:xfrm>
+          <a:prstGeom prst="ellipse">
+            <a:avLst/>
+          </a:prstGeom>
+        </p:spPr>
+        <p:style>
+          <a:lnRef idx="2">
+            <a:schemeClr val="accent1">
+              <a:shade val="15000"/>
+            </a:schemeClr>
+          </a:lnRef>
+          <a:fillRef idx="1">
+            <a:schemeClr val="accent1"/>
+          </a:fillRef>
+          <a:effectRef idx="0">
+            <a:schemeClr val="accent1"/>
+          </a:effectRef>
+          <a:fontRef idx="minor">
+            <a:schemeClr val="lt1"/>
+          </a:fontRef>
+        </p:style>
+        <p:txBody>
+          <a:bodyPr rtlCol="0" anchor="ctr"/>
+          <a:lstStyle/>
+          <a:p>
+            <a:pPr algn="ctr"/>
+            <a:r>
+              <a:rPr lang="en-US" dirty="0"/>
+              <a:t>2</a:t>
+            </a:r>
+          </a:p>
+        </p:txBody>
+      </p:sp>
+      <p:sp>
+        <p:nvSpPr>
+          <p:cNvPr id="7" name="Oval 6">
+            <a:extLst>
+              <a:ext uri="{FF2B5EF4-FFF2-40B4-BE49-F238E27FC236}">
+                <a16:creationId xmlns:a16="http://schemas.microsoft.com/office/drawing/2014/main" id="{6D87E0E9-AEF9-F9EA-6504-B54CFA9E19E5}"/>
+              </a:ext>
+            </a:extLst>
+          </p:cNvPr>
+          <p:cNvSpPr/>
+          <p:nvPr/>
+        </p:nvSpPr>
+        <p:spPr>
+          <a:xfrm>
+            <a:off x="861237" y="2539560"/>
+            <a:ext cx="520996" cy="478466"/>
+          </a:xfrm>
+          <a:prstGeom prst="ellipse">
+            <a:avLst/>
+          </a:prstGeom>
+        </p:spPr>
+        <p:style>
+          <a:lnRef idx="2">
+            <a:schemeClr val="accent1">
+              <a:shade val="15000"/>
+            </a:schemeClr>
+          </a:lnRef>
+          <a:fillRef idx="1">
+            <a:schemeClr val="accent1"/>
+          </a:fillRef>
+          <a:effectRef idx="0">
+            <a:schemeClr val="accent1"/>
+          </a:effectRef>
+          <a:fontRef idx="minor">
+            <a:schemeClr val="lt1"/>
+          </a:fontRef>
+        </p:style>
+        <p:txBody>
+          <a:bodyPr rtlCol="0" anchor="ctr"/>
+          <a:lstStyle/>
+          <a:p>
+            <a:pPr algn="ctr"/>
+            <a:r>
+              <a:rPr lang="en-US" dirty="0"/>
+              <a:t>3</a:t>
+            </a:r>
+          </a:p>
+        </p:txBody>
+      </p:sp>
+      <p:sp>
+        <p:nvSpPr>
+          <p:cNvPr id="8" name="Oval 7">
+            <a:extLst>
+              <a:ext uri="{FF2B5EF4-FFF2-40B4-BE49-F238E27FC236}">
+                <a16:creationId xmlns:a16="http://schemas.microsoft.com/office/drawing/2014/main" id="{B494E8C0-0966-6BA9-87B1-BE3C04287933}"/>
+              </a:ext>
+            </a:extLst>
+          </p:cNvPr>
+          <p:cNvSpPr/>
+          <p:nvPr/>
+        </p:nvSpPr>
+        <p:spPr>
+          <a:xfrm>
+            <a:off x="861237" y="3849438"/>
+            <a:ext cx="520996" cy="478466"/>
+          </a:xfrm>
+          <a:prstGeom prst="ellipse">
+            <a:avLst/>
+          </a:prstGeom>
+        </p:spPr>
+        <p:style>
+          <a:lnRef idx="2">
+            <a:schemeClr val="accent1">
+              <a:shade val="15000"/>
+            </a:schemeClr>
+          </a:lnRef>
+          <a:fillRef idx="1">
+            <a:schemeClr val="accent1"/>
+          </a:fillRef>
+          <a:effectRef idx="0">
+            <a:schemeClr val="accent1"/>
+          </a:effectRef>
+          <a:fontRef idx="minor">
+            <a:schemeClr val="lt1"/>
+          </a:fontRef>
+        </p:style>
+        <p:txBody>
+          <a:bodyPr rtlCol="0" anchor="ctr"/>
+          <a:lstStyle/>
+          <a:p>
+            <a:pPr algn="ctr"/>
+            <a:r>
+              <a:rPr lang="en-US" dirty="0"/>
+              <a:t>4</a:t>
+            </a:r>
+          </a:p>
+        </p:txBody>
+      </p:sp>
+      <p:sp>
+        <p:nvSpPr>
+          <p:cNvPr id="9" name="TextBox 8">
+            <a:extLst>
+              <a:ext uri="{FF2B5EF4-FFF2-40B4-BE49-F238E27FC236}">
+                <a16:creationId xmlns:a16="http://schemas.microsoft.com/office/drawing/2014/main" id="{134EF7A0-D091-3519-2001-FE66460B7AFB}"/>
+              </a:ext>
+            </a:extLst>
+          </p:cNvPr>
+          <p:cNvSpPr txBox="1"/>
+          <p:nvPr/>
+        </p:nvSpPr>
+        <p:spPr>
+          <a:xfrm>
+            <a:off x="1010094" y="4596075"/>
+            <a:ext cx="1307804" cy="369332"/>
+          </a:xfrm>
+          <a:prstGeom prst="rect">
+            <a:avLst/>
+          </a:prstGeom>
+          <a:noFill/>
+        </p:spPr>
+        <p:txBody>
+          <a:bodyPr wrap="square" rtlCol="0">
+            <a:spAutoFit/>
+          </a:bodyPr>
+          <a:lstStyle/>
+          <a:p>
+            <a:r>
+              <a:rPr lang="en-US" dirty="0"/>
+              <a:t>…</a:t>
+            </a:r>
+          </a:p>
+        </p:txBody>
+      </p:sp>
+      <p:sp>
+        <p:nvSpPr>
+          <p:cNvPr id="10" name="Oval 9">
+            <a:extLst>
+              <a:ext uri="{FF2B5EF4-FFF2-40B4-BE49-F238E27FC236}">
+                <a16:creationId xmlns:a16="http://schemas.microsoft.com/office/drawing/2014/main" id="{59F759FA-CF5C-A99A-B50F-14C2E523BE33}"/>
+              </a:ext>
+            </a:extLst>
+          </p:cNvPr>
+          <p:cNvSpPr/>
+          <p:nvPr/>
+        </p:nvSpPr>
+        <p:spPr>
+          <a:xfrm>
+            <a:off x="861237" y="5381113"/>
+            <a:ext cx="520996" cy="478466"/>
+          </a:xfrm>
+          <a:prstGeom prst="ellipse">
+            <a:avLst/>
+          </a:prstGeom>
+        </p:spPr>
+        <p:style>
+          <a:lnRef idx="2">
+            <a:schemeClr val="accent1">
+              <a:shade val="15000"/>
+            </a:schemeClr>
+          </a:lnRef>
+          <a:fillRef idx="1">
+            <a:schemeClr val="accent1"/>
+          </a:fillRef>
+          <a:effectRef idx="0">
+            <a:schemeClr val="accent1"/>
+          </a:effectRef>
+          <a:fontRef idx="minor">
+            <a:schemeClr val="lt1"/>
+          </a:fontRef>
+        </p:style>
+        <p:txBody>
+          <a:bodyPr rtlCol="0" anchor="ctr"/>
+          <a:lstStyle/>
+          <a:p>
+            <a:pPr algn="ctr"/>
+            <a:r>
+              <a:rPr lang="en-US" dirty="0"/>
+              <a:t>n</a:t>
+            </a:r>
+          </a:p>
+        </p:txBody>
+      </p:sp>
+      <p:sp>
+        <p:nvSpPr>
+          <p:cNvPr id="11" name="TextBox 10">
+            <a:extLst>
+              <a:ext uri="{FF2B5EF4-FFF2-40B4-BE49-F238E27FC236}">
+                <a16:creationId xmlns:a16="http://schemas.microsoft.com/office/drawing/2014/main" id="{11E4B56E-CA56-4EB7-4A30-7F5218C642B6}"/>
+              </a:ext>
+            </a:extLst>
+          </p:cNvPr>
+          <p:cNvSpPr txBox="1"/>
+          <p:nvPr/>
+        </p:nvSpPr>
+        <p:spPr>
+          <a:xfrm>
+            <a:off x="0" y="0"/>
+            <a:ext cx="2519916" cy="369332"/>
+          </a:xfrm>
+          <a:prstGeom prst="rect">
+            <a:avLst/>
+          </a:prstGeom>
+          <a:noFill/>
+        </p:spPr>
+        <p:txBody>
+          <a:bodyPr wrap="square" rtlCol="0">
+            <a:spAutoFit/>
+          </a:bodyPr>
+          <a:lstStyle/>
+          <a:p>
+            <a:r>
+              <a:rPr lang="en-US" dirty="0"/>
+              <a:t>N variables de entrada</a:t>
+            </a:r>
+          </a:p>
+        </p:txBody>
+      </p:sp>
+      <p:sp>
+        <p:nvSpPr>
+          <p:cNvPr id="12" name="Oval 11">
+            <a:extLst>
+              <a:ext uri="{FF2B5EF4-FFF2-40B4-BE49-F238E27FC236}">
+                <a16:creationId xmlns:a16="http://schemas.microsoft.com/office/drawing/2014/main" id="{08E99FA1-2FCA-71A8-D93F-137478129EE1}"/>
+              </a:ext>
+            </a:extLst>
+          </p:cNvPr>
+          <p:cNvSpPr/>
+          <p:nvPr/>
+        </p:nvSpPr>
+        <p:spPr>
+          <a:xfrm>
+            <a:off x="3434316" y="1024271"/>
+            <a:ext cx="520996" cy="478466"/>
+          </a:xfrm>
+          <a:prstGeom prst="ellipse">
+            <a:avLst/>
+          </a:prstGeom>
+          <a:solidFill>
+            <a:schemeClr val="accent6">
+              <a:lumMod val="20000"/>
+              <a:lumOff val="80000"/>
+            </a:schemeClr>
+          </a:solidFill>
+        </p:spPr>
+        <p:style>
+          <a:lnRef idx="2">
+            <a:schemeClr val="accent1">
+              <a:shade val="15000"/>
+            </a:schemeClr>
+          </a:lnRef>
+          <a:fillRef idx="1">
+            <a:schemeClr val="accent1"/>
+          </a:fillRef>
+          <a:effectRef idx="0">
+            <a:schemeClr val="accent1"/>
+          </a:effectRef>
+          <a:fontRef idx="minor">
+            <a:schemeClr val="lt1"/>
+          </a:fontRef>
+        </p:style>
+        <p:txBody>
+          <a:bodyPr rtlCol="0" anchor="ctr"/>
+          <a:lstStyle/>
+          <a:p>
+            <a:pPr algn="ctr"/>
+            <a:r>
+              <a:rPr lang="en-US" dirty="0"/>
+              <a:t>1</a:t>
+            </a:r>
+          </a:p>
+        </p:txBody>
+      </p:sp>
+      <p:sp>
+        <p:nvSpPr>
+          <p:cNvPr id="13" name="Oval 12">
+            <a:extLst>
+              <a:ext uri="{FF2B5EF4-FFF2-40B4-BE49-F238E27FC236}">
+                <a16:creationId xmlns:a16="http://schemas.microsoft.com/office/drawing/2014/main" id="{478A7CE9-764D-AEAF-37DF-C9D80D6C628F}"/>
+              </a:ext>
+            </a:extLst>
+          </p:cNvPr>
+          <p:cNvSpPr/>
+          <p:nvPr/>
+        </p:nvSpPr>
+        <p:spPr>
+          <a:xfrm>
+            <a:off x="3434316" y="2061094"/>
+            <a:ext cx="520996" cy="478466"/>
+          </a:xfrm>
+          <a:prstGeom prst="ellipse">
+            <a:avLst/>
+          </a:prstGeom>
+          <a:solidFill>
+            <a:schemeClr val="accent6">
+              <a:lumMod val="20000"/>
+              <a:lumOff val="80000"/>
+            </a:schemeClr>
+          </a:solidFill>
+        </p:spPr>
+        <p:style>
+          <a:lnRef idx="2">
+            <a:schemeClr val="accent1">
+              <a:shade val="15000"/>
+            </a:schemeClr>
+          </a:lnRef>
+          <a:fillRef idx="1">
+            <a:schemeClr val="accent1"/>
+          </a:fillRef>
+          <a:effectRef idx="0">
+            <a:schemeClr val="accent1"/>
+          </a:effectRef>
+          <a:fontRef idx="minor">
+            <a:schemeClr val="lt1"/>
+          </a:fontRef>
+        </p:style>
+        <p:txBody>
+          <a:bodyPr rtlCol="0" anchor="ctr"/>
+          <a:lstStyle/>
+          <a:p>
+            <a:pPr algn="ctr"/>
+            <a:r>
+              <a:rPr lang="en-US" dirty="0"/>
+              <a:t>2</a:t>
+            </a:r>
+          </a:p>
+        </p:txBody>
+      </p:sp>
+      <p:sp>
+        <p:nvSpPr>
+          <p:cNvPr id="14" name="Oval 13">
+            <a:extLst>
+              <a:ext uri="{FF2B5EF4-FFF2-40B4-BE49-F238E27FC236}">
+                <a16:creationId xmlns:a16="http://schemas.microsoft.com/office/drawing/2014/main" id="{7A2A3B8A-2E32-001A-31F8-1CA574B5FCBB}"/>
+              </a:ext>
+            </a:extLst>
+          </p:cNvPr>
+          <p:cNvSpPr/>
+          <p:nvPr/>
+        </p:nvSpPr>
+        <p:spPr>
+          <a:xfrm>
+            <a:off x="3434316" y="3189767"/>
+            <a:ext cx="520996" cy="478466"/>
+          </a:xfrm>
+          <a:prstGeom prst="ellipse">
+            <a:avLst/>
+          </a:prstGeom>
+          <a:solidFill>
+            <a:schemeClr val="accent6">
+              <a:lumMod val="20000"/>
+              <a:lumOff val="80000"/>
+            </a:schemeClr>
+          </a:solidFill>
+        </p:spPr>
+        <p:style>
+          <a:lnRef idx="2">
+            <a:schemeClr val="accent1">
+              <a:shade val="15000"/>
+            </a:schemeClr>
+          </a:lnRef>
+          <a:fillRef idx="1">
+            <a:schemeClr val="accent1"/>
+          </a:fillRef>
+          <a:effectRef idx="0">
+            <a:schemeClr val="accent1"/>
+          </a:effectRef>
+          <a:fontRef idx="minor">
+            <a:schemeClr val="lt1"/>
+          </a:fontRef>
+        </p:style>
+        <p:txBody>
+          <a:bodyPr rtlCol="0" anchor="ctr"/>
+          <a:lstStyle/>
+          <a:p>
+            <a:pPr algn="ctr"/>
+            <a:r>
+              <a:rPr lang="en-US" dirty="0"/>
+              <a:t>3</a:t>
+            </a:r>
+          </a:p>
+        </p:txBody>
+      </p:sp>
+      <p:sp>
+        <p:nvSpPr>
+          <p:cNvPr id="15" name="TextBox 14">
+            <a:extLst>
+              <a:ext uri="{FF2B5EF4-FFF2-40B4-BE49-F238E27FC236}">
+                <a16:creationId xmlns:a16="http://schemas.microsoft.com/office/drawing/2014/main" id="{7CD842E3-1AB7-DCF9-FBFF-ACF48B569A9B}"/>
+              </a:ext>
+            </a:extLst>
+          </p:cNvPr>
+          <p:cNvSpPr txBox="1"/>
+          <p:nvPr/>
+        </p:nvSpPr>
+        <p:spPr>
+          <a:xfrm>
+            <a:off x="3434316" y="4088671"/>
+            <a:ext cx="1307804" cy="369332"/>
+          </a:xfrm>
+          <a:prstGeom prst="rect">
+            <a:avLst/>
+          </a:prstGeom>
+          <a:noFill/>
+        </p:spPr>
+        <p:txBody>
+          <a:bodyPr wrap="square" rtlCol="0">
+            <a:spAutoFit/>
+          </a:bodyPr>
+          <a:lstStyle/>
+          <a:p>
+            <a:r>
+              <a:rPr lang="en-US" dirty="0"/>
+              <a:t>…</a:t>
+            </a:r>
+          </a:p>
+        </p:txBody>
+      </p:sp>
+      <p:sp>
+        <p:nvSpPr>
+          <p:cNvPr id="16" name="Oval 15">
+            <a:extLst>
+              <a:ext uri="{FF2B5EF4-FFF2-40B4-BE49-F238E27FC236}">
+                <a16:creationId xmlns:a16="http://schemas.microsoft.com/office/drawing/2014/main" id="{BEF894A7-A442-240C-A9D2-F5B8F9B40C09}"/>
+              </a:ext>
+            </a:extLst>
+          </p:cNvPr>
+          <p:cNvSpPr/>
+          <p:nvPr/>
+        </p:nvSpPr>
+        <p:spPr>
+          <a:xfrm>
+            <a:off x="3359888" y="4780741"/>
+            <a:ext cx="829340" cy="684394"/>
+          </a:xfrm>
+          <a:prstGeom prst="ellipse">
+            <a:avLst/>
+          </a:prstGeom>
+          <a:solidFill>
+            <a:schemeClr val="accent6">
+              <a:lumMod val="20000"/>
+              <a:lumOff val="80000"/>
+            </a:schemeClr>
+          </a:solidFill>
+        </p:spPr>
+        <p:style>
+          <a:lnRef idx="2">
+            <a:schemeClr val="accent1">
+              <a:shade val="15000"/>
+            </a:schemeClr>
+          </a:lnRef>
+          <a:fillRef idx="1">
+            <a:schemeClr val="accent1"/>
+          </a:fillRef>
+          <a:effectRef idx="0">
+            <a:schemeClr val="accent1"/>
+          </a:effectRef>
+          <a:fontRef idx="minor">
+            <a:schemeClr val="lt1"/>
+          </a:fontRef>
+        </p:style>
+        <p:txBody>
+          <a:bodyPr rtlCol="0" anchor="ctr"/>
+          <a:lstStyle/>
+          <a:p>
+            <a:pPr algn="ctr"/>
+            <a:r>
+              <a:rPr lang="en-US" b="1" dirty="0">
+                <a:solidFill>
+                  <a:schemeClr val="tx1"/>
+                </a:solidFill>
+              </a:rPr>
+              <a:t>k1</a:t>
+            </a:r>
+          </a:p>
+        </p:txBody>
+      </p:sp>
+      <p:sp>
+        <p:nvSpPr>
+          <p:cNvPr id="17" name="TextBox 16">
+            <a:extLst>
+              <a:ext uri="{FF2B5EF4-FFF2-40B4-BE49-F238E27FC236}">
+                <a16:creationId xmlns:a16="http://schemas.microsoft.com/office/drawing/2014/main" id="{07D18618-006C-5FF4-9EB5-8DF289E4203A}"/>
+              </a:ext>
+            </a:extLst>
+          </p:cNvPr>
+          <p:cNvSpPr txBox="1"/>
+          <p:nvPr/>
+        </p:nvSpPr>
+        <p:spPr>
+          <a:xfrm>
+            <a:off x="2456120" y="191095"/>
+            <a:ext cx="2987749" cy="369332"/>
+          </a:xfrm>
+          <a:prstGeom prst="rect">
+            <a:avLst/>
+          </a:prstGeom>
+          <a:noFill/>
+        </p:spPr>
+        <p:txBody>
+          <a:bodyPr wrap="square" rtlCol="0">
+            <a:spAutoFit/>
+          </a:bodyPr>
+          <a:lstStyle/>
+          <a:p>
+            <a:r>
+              <a:rPr lang="en-US" dirty="0" err="1"/>
+              <a:t>Capa</a:t>
+            </a:r>
+            <a:r>
+              <a:rPr lang="en-US" dirty="0"/>
+              <a:t> 1 con k1 </a:t>
+            </a:r>
+            <a:r>
+              <a:rPr lang="en-US" dirty="0" err="1"/>
+              <a:t>neuronas</a:t>
+            </a:r>
+            <a:endParaRPr lang="en-US" dirty="0"/>
+          </a:p>
+        </p:txBody>
+      </p:sp>
+      <p:sp>
+        <p:nvSpPr>
+          <p:cNvPr id="18" name="Oval 17">
+            <a:extLst>
+              <a:ext uri="{FF2B5EF4-FFF2-40B4-BE49-F238E27FC236}">
+                <a16:creationId xmlns:a16="http://schemas.microsoft.com/office/drawing/2014/main" id="{61D9EF1C-BDBA-BF58-90FE-47BA0B7C7051}"/>
+              </a:ext>
+            </a:extLst>
+          </p:cNvPr>
+          <p:cNvSpPr/>
+          <p:nvPr/>
+        </p:nvSpPr>
+        <p:spPr>
+          <a:xfrm>
+            <a:off x="5411971" y="1024271"/>
+            <a:ext cx="520996" cy="478466"/>
+          </a:xfrm>
+          <a:prstGeom prst="ellipse">
+            <a:avLst/>
+          </a:prstGeom>
+          <a:solidFill>
+            <a:schemeClr val="accent6">
+              <a:lumMod val="40000"/>
+              <a:lumOff val="60000"/>
+            </a:schemeClr>
+          </a:solidFill>
+        </p:spPr>
+        <p:style>
+          <a:lnRef idx="2">
+            <a:schemeClr val="accent1">
+              <a:shade val="15000"/>
+            </a:schemeClr>
+          </a:lnRef>
+          <a:fillRef idx="1">
+            <a:schemeClr val="accent1"/>
+          </a:fillRef>
+          <a:effectRef idx="0">
+            <a:schemeClr val="accent1"/>
+          </a:effectRef>
+          <a:fontRef idx="minor">
+            <a:schemeClr val="lt1"/>
+          </a:fontRef>
+        </p:style>
+        <p:txBody>
+          <a:bodyPr rtlCol="0" anchor="ctr"/>
+          <a:lstStyle/>
+          <a:p>
+            <a:pPr algn="ctr"/>
+            <a:r>
+              <a:rPr lang="en-US" dirty="0"/>
+              <a:t>1</a:t>
+            </a:r>
+          </a:p>
+        </p:txBody>
+      </p:sp>
+      <p:sp>
+        <p:nvSpPr>
+          <p:cNvPr id="19" name="Oval 18">
+            <a:extLst>
+              <a:ext uri="{FF2B5EF4-FFF2-40B4-BE49-F238E27FC236}">
+                <a16:creationId xmlns:a16="http://schemas.microsoft.com/office/drawing/2014/main" id="{BC5858DF-D21E-A7B9-81D6-E50A72378514}"/>
+              </a:ext>
+            </a:extLst>
+          </p:cNvPr>
+          <p:cNvSpPr/>
+          <p:nvPr/>
+        </p:nvSpPr>
+        <p:spPr>
+          <a:xfrm>
+            <a:off x="5411971" y="1846083"/>
+            <a:ext cx="520996" cy="478466"/>
+          </a:xfrm>
+          <a:prstGeom prst="ellipse">
+            <a:avLst/>
+          </a:prstGeom>
+          <a:solidFill>
+            <a:schemeClr val="accent6">
+              <a:lumMod val="40000"/>
+              <a:lumOff val="60000"/>
+            </a:schemeClr>
+          </a:solidFill>
+        </p:spPr>
+        <p:style>
+          <a:lnRef idx="2">
+            <a:schemeClr val="accent1">
+              <a:shade val="15000"/>
+            </a:schemeClr>
+          </a:lnRef>
+          <a:fillRef idx="1">
+            <a:schemeClr val="accent1"/>
+          </a:fillRef>
+          <a:effectRef idx="0">
+            <a:schemeClr val="accent1"/>
+          </a:effectRef>
+          <a:fontRef idx="minor">
+            <a:schemeClr val="lt1"/>
+          </a:fontRef>
+        </p:style>
+        <p:txBody>
+          <a:bodyPr rtlCol="0" anchor="ctr"/>
+          <a:lstStyle/>
+          <a:p>
+            <a:pPr algn="ctr"/>
+            <a:r>
+              <a:rPr lang="en-US" dirty="0"/>
+              <a:t>2</a:t>
+            </a:r>
+          </a:p>
+        </p:txBody>
+      </p:sp>
+      <p:sp>
+        <p:nvSpPr>
+          <p:cNvPr id="20" name="Oval 19">
+            <a:extLst>
+              <a:ext uri="{FF2B5EF4-FFF2-40B4-BE49-F238E27FC236}">
+                <a16:creationId xmlns:a16="http://schemas.microsoft.com/office/drawing/2014/main" id="{0B632B17-7375-11C1-37F9-D8372FA29D05}"/>
+              </a:ext>
+            </a:extLst>
+          </p:cNvPr>
+          <p:cNvSpPr/>
+          <p:nvPr/>
+        </p:nvSpPr>
+        <p:spPr>
+          <a:xfrm>
+            <a:off x="5396022" y="2711301"/>
+            <a:ext cx="520996" cy="478466"/>
+          </a:xfrm>
+          <a:prstGeom prst="ellipse">
+            <a:avLst/>
+          </a:prstGeom>
+          <a:solidFill>
+            <a:schemeClr val="accent6">
+              <a:lumMod val="40000"/>
+              <a:lumOff val="60000"/>
+            </a:schemeClr>
+          </a:solidFill>
+        </p:spPr>
+        <p:style>
+          <a:lnRef idx="2">
+            <a:schemeClr val="accent1">
+              <a:shade val="15000"/>
+            </a:schemeClr>
+          </a:lnRef>
+          <a:fillRef idx="1">
+            <a:schemeClr val="accent1"/>
+          </a:fillRef>
+          <a:effectRef idx="0">
+            <a:schemeClr val="accent1"/>
+          </a:effectRef>
+          <a:fontRef idx="minor">
+            <a:schemeClr val="lt1"/>
+          </a:fontRef>
+        </p:style>
+        <p:txBody>
+          <a:bodyPr rtlCol="0" anchor="ctr"/>
+          <a:lstStyle/>
+          <a:p>
+            <a:pPr algn="ctr"/>
+            <a:r>
+              <a:rPr lang="en-US" dirty="0"/>
+              <a:t>3</a:t>
+            </a:r>
+          </a:p>
+        </p:txBody>
+      </p:sp>
+      <p:sp>
+        <p:nvSpPr>
+          <p:cNvPr id="21" name="Oval 20">
+            <a:extLst>
+              <a:ext uri="{FF2B5EF4-FFF2-40B4-BE49-F238E27FC236}">
+                <a16:creationId xmlns:a16="http://schemas.microsoft.com/office/drawing/2014/main" id="{A462F33D-866B-DA9A-E393-1E6FEDDB0CA3}"/>
+              </a:ext>
+            </a:extLst>
+          </p:cNvPr>
+          <p:cNvSpPr/>
+          <p:nvPr/>
+        </p:nvSpPr>
+        <p:spPr>
+          <a:xfrm>
+            <a:off x="5411971" y="3610205"/>
+            <a:ext cx="520996" cy="478466"/>
+          </a:xfrm>
+          <a:prstGeom prst="ellipse">
+            <a:avLst/>
+          </a:prstGeom>
+          <a:solidFill>
+            <a:schemeClr val="accent6">
+              <a:lumMod val="40000"/>
+              <a:lumOff val="60000"/>
+            </a:schemeClr>
+          </a:solidFill>
+        </p:spPr>
+        <p:style>
+          <a:lnRef idx="2">
+            <a:schemeClr val="accent1">
+              <a:shade val="15000"/>
+            </a:schemeClr>
+          </a:lnRef>
+          <a:fillRef idx="1">
+            <a:schemeClr val="accent1"/>
+          </a:fillRef>
+          <a:effectRef idx="0">
+            <a:schemeClr val="accent1"/>
+          </a:effectRef>
+          <a:fontRef idx="minor">
+            <a:schemeClr val="lt1"/>
+          </a:fontRef>
+        </p:style>
+        <p:txBody>
+          <a:bodyPr rtlCol="0" anchor="ctr"/>
+          <a:lstStyle/>
+          <a:p>
+            <a:pPr algn="ctr"/>
+            <a:r>
+              <a:rPr lang="en-US" dirty="0"/>
+              <a:t>4</a:t>
+            </a:r>
+          </a:p>
+        </p:txBody>
+      </p:sp>
+      <p:sp>
+        <p:nvSpPr>
+          <p:cNvPr id="22" name="Oval 21">
+            <a:extLst>
+              <a:ext uri="{FF2B5EF4-FFF2-40B4-BE49-F238E27FC236}">
+                <a16:creationId xmlns:a16="http://schemas.microsoft.com/office/drawing/2014/main" id="{D758BB09-B564-3C44-0DBD-A559BAFA902D}"/>
+              </a:ext>
+            </a:extLst>
+          </p:cNvPr>
+          <p:cNvSpPr/>
+          <p:nvPr/>
+        </p:nvSpPr>
+        <p:spPr>
+          <a:xfrm>
+            <a:off x="5411970" y="5135094"/>
+            <a:ext cx="684029" cy="478466"/>
+          </a:xfrm>
+          <a:prstGeom prst="ellipse">
+            <a:avLst/>
+          </a:prstGeom>
+          <a:solidFill>
+            <a:schemeClr val="accent6">
+              <a:lumMod val="40000"/>
+              <a:lumOff val="60000"/>
+            </a:schemeClr>
+          </a:solidFill>
+        </p:spPr>
+        <p:style>
+          <a:lnRef idx="2">
+            <a:schemeClr val="accent1">
+              <a:shade val="15000"/>
+            </a:schemeClr>
+          </a:lnRef>
+          <a:fillRef idx="1">
+            <a:schemeClr val="accent1"/>
+          </a:fillRef>
+          <a:effectRef idx="0">
+            <a:schemeClr val="accent1"/>
+          </a:effectRef>
+          <a:fontRef idx="minor">
+            <a:schemeClr val="lt1"/>
+          </a:fontRef>
+        </p:style>
+        <p:txBody>
+          <a:bodyPr rtlCol="0" anchor="ctr"/>
+          <a:lstStyle/>
+          <a:p>
+            <a:pPr algn="ctr"/>
+            <a:r>
+              <a:rPr lang="en-US" dirty="0">
+                <a:solidFill>
+                  <a:schemeClr val="tx1"/>
+                </a:solidFill>
+              </a:rPr>
+              <a:t>k2</a:t>
+            </a:r>
+          </a:p>
+        </p:txBody>
+      </p:sp>
+      <p:sp>
+        <p:nvSpPr>
+          <p:cNvPr id="23" name="TextBox 22">
+            <a:extLst>
+              <a:ext uri="{FF2B5EF4-FFF2-40B4-BE49-F238E27FC236}">
+                <a16:creationId xmlns:a16="http://schemas.microsoft.com/office/drawing/2014/main" id="{B817B7FF-661D-424C-A4C8-169B93574EAE}"/>
+              </a:ext>
+            </a:extLst>
+          </p:cNvPr>
+          <p:cNvSpPr txBox="1"/>
+          <p:nvPr/>
+        </p:nvSpPr>
+        <p:spPr>
+          <a:xfrm>
+            <a:off x="6783571" y="2648694"/>
+            <a:ext cx="1307804" cy="769441"/>
+          </a:xfrm>
+          <a:prstGeom prst="rect">
+            <a:avLst/>
+          </a:prstGeom>
+          <a:noFill/>
+        </p:spPr>
+        <p:txBody>
+          <a:bodyPr wrap="square" rtlCol="0">
+            <a:spAutoFit/>
+          </a:bodyPr>
+          <a:lstStyle/>
+          <a:p>
+            <a:r>
+              <a:rPr lang="en-US" sz="4400" dirty="0"/>
+              <a:t>…</a:t>
+            </a:r>
+          </a:p>
+        </p:txBody>
+      </p:sp>
+      <p:sp>
+        <p:nvSpPr>
+          <p:cNvPr id="24" name="TextBox 23">
+            <a:extLst>
+              <a:ext uri="{FF2B5EF4-FFF2-40B4-BE49-F238E27FC236}">
+                <a16:creationId xmlns:a16="http://schemas.microsoft.com/office/drawing/2014/main" id="{1908F4DE-2780-863A-B30A-577C1EF4B71C}"/>
+              </a:ext>
+            </a:extLst>
+          </p:cNvPr>
+          <p:cNvSpPr txBox="1"/>
+          <p:nvPr/>
+        </p:nvSpPr>
+        <p:spPr>
+          <a:xfrm>
+            <a:off x="4742120" y="496259"/>
+            <a:ext cx="2987749" cy="369332"/>
+          </a:xfrm>
+          <a:prstGeom prst="rect">
+            <a:avLst/>
+          </a:prstGeom>
+          <a:noFill/>
+        </p:spPr>
+        <p:txBody>
+          <a:bodyPr wrap="square" rtlCol="0">
+            <a:spAutoFit/>
+          </a:bodyPr>
+          <a:lstStyle/>
+          <a:p>
+            <a:r>
+              <a:rPr lang="en-US" dirty="0" err="1"/>
+              <a:t>Capa</a:t>
+            </a:r>
+            <a:r>
+              <a:rPr lang="en-US" dirty="0"/>
+              <a:t> 2 con k2 </a:t>
+            </a:r>
+            <a:r>
+              <a:rPr lang="en-US" dirty="0" err="1"/>
+              <a:t>neuronas</a:t>
+            </a:r>
+            <a:endParaRPr lang="en-US" dirty="0"/>
+          </a:p>
+        </p:txBody>
+      </p:sp>
+      <p:sp>
+        <p:nvSpPr>
+          <p:cNvPr id="25" name="TextBox 24">
+            <a:extLst>
+              <a:ext uri="{FF2B5EF4-FFF2-40B4-BE49-F238E27FC236}">
+                <a16:creationId xmlns:a16="http://schemas.microsoft.com/office/drawing/2014/main" id="{3E90F094-D17C-2EF7-C8C9-051A33D4AD72}"/>
+              </a:ext>
+            </a:extLst>
+          </p:cNvPr>
+          <p:cNvSpPr txBox="1"/>
+          <p:nvPr/>
+        </p:nvSpPr>
+        <p:spPr>
+          <a:xfrm>
+            <a:off x="5638799" y="4452620"/>
+            <a:ext cx="1307804" cy="369332"/>
+          </a:xfrm>
+          <a:prstGeom prst="rect">
+            <a:avLst/>
+          </a:prstGeom>
+          <a:noFill/>
+        </p:spPr>
+        <p:txBody>
+          <a:bodyPr wrap="square" rtlCol="0">
+            <a:spAutoFit/>
+          </a:bodyPr>
+          <a:lstStyle/>
+          <a:p>
+            <a:r>
+              <a:rPr lang="en-US" dirty="0"/>
+              <a:t>…</a:t>
+            </a:r>
+          </a:p>
+        </p:txBody>
+      </p:sp>
+      <p:sp>
+        <p:nvSpPr>
+          <p:cNvPr id="26" name="Oval 25">
+            <a:extLst>
+              <a:ext uri="{FF2B5EF4-FFF2-40B4-BE49-F238E27FC236}">
+                <a16:creationId xmlns:a16="http://schemas.microsoft.com/office/drawing/2014/main" id="{450EFB5A-52C2-EFD2-E998-05E9BD370509}"/>
+              </a:ext>
+            </a:extLst>
+          </p:cNvPr>
+          <p:cNvSpPr/>
+          <p:nvPr/>
+        </p:nvSpPr>
+        <p:spPr>
+          <a:xfrm>
+            <a:off x="7976192" y="965205"/>
+            <a:ext cx="520996" cy="478466"/>
+          </a:xfrm>
+          <a:prstGeom prst="ellipse">
+            <a:avLst/>
+          </a:prstGeom>
+          <a:solidFill>
+            <a:schemeClr val="accent6">
+              <a:lumMod val="50000"/>
+            </a:schemeClr>
+          </a:solidFill>
+        </p:spPr>
+        <p:style>
+          <a:lnRef idx="2">
+            <a:schemeClr val="accent1">
+              <a:shade val="15000"/>
+            </a:schemeClr>
+          </a:lnRef>
+          <a:fillRef idx="1">
+            <a:schemeClr val="accent1"/>
+          </a:fillRef>
+          <a:effectRef idx="0">
+            <a:schemeClr val="accent1"/>
+          </a:effectRef>
+          <a:fontRef idx="minor">
+            <a:schemeClr val="lt1"/>
+          </a:fontRef>
+        </p:style>
+        <p:txBody>
+          <a:bodyPr rtlCol="0" anchor="ctr"/>
+          <a:lstStyle/>
+          <a:p>
+            <a:pPr algn="ctr"/>
+            <a:r>
+              <a:rPr lang="en-US" dirty="0"/>
+              <a:t>1</a:t>
+            </a:r>
+          </a:p>
+        </p:txBody>
+      </p:sp>
+      <p:sp>
+        <p:nvSpPr>
+          <p:cNvPr id="27" name="Oval 26">
+            <a:extLst>
+              <a:ext uri="{FF2B5EF4-FFF2-40B4-BE49-F238E27FC236}">
+                <a16:creationId xmlns:a16="http://schemas.microsoft.com/office/drawing/2014/main" id="{9A8F9903-CE2A-CAD6-FA76-6023448DF4E4}"/>
+              </a:ext>
+            </a:extLst>
+          </p:cNvPr>
+          <p:cNvSpPr/>
+          <p:nvPr/>
+        </p:nvSpPr>
+        <p:spPr>
+          <a:xfrm>
+            <a:off x="7976192" y="1806949"/>
+            <a:ext cx="520996" cy="478466"/>
+          </a:xfrm>
+          <a:prstGeom prst="ellipse">
+            <a:avLst/>
+          </a:prstGeom>
+          <a:solidFill>
+            <a:schemeClr val="accent6">
+              <a:lumMod val="50000"/>
+            </a:schemeClr>
+          </a:solidFill>
+        </p:spPr>
+        <p:style>
+          <a:lnRef idx="2">
+            <a:schemeClr val="accent1">
+              <a:shade val="15000"/>
+            </a:schemeClr>
+          </a:lnRef>
+          <a:fillRef idx="1">
+            <a:schemeClr val="accent1"/>
+          </a:fillRef>
+          <a:effectRef idx="0">
+            <a:schemeClr val="accent1"/>
+          </a:effectRef>
+          <a:fontRef idx="minor">
+            <a:schemeClr val="lt1"/>
+          </a:fontRef>
+        </p:style>
+        <p:txBody>
+          <a:bodyPr rtlCol="0" anchor="ctr"/>
+          <a:lstStyle/>
+          <a:p>
+            <a:pPr algn="ctr"/>
+            <a:r>
+              <a:rPr lang="en-US" dirty="0"/>
+              <a:t>2</a:t>
+            </a:r>
+          </a:p>
+        </p:txBody>
+      </p:sp>
+      <p:sp>
+        <p:nvSpPr>
+          <p:cNvPr id="28" name="Oval 27">
+            <a:extLst>
+              <a:ext uri="{FF2B5EF4-FFF2-40B4-BE49-F238E27FC236}">
+                <a16:creationId xmlns:a16="http://schemas.microsoft.com/office/drawing/2014/main" id="{F48A4650-D288-A49B-FCD9-ADD15904424E}"/>
+              </a:ext>
+            </a:extLst>
+          </p:cNvPr>
+          <p:cNvSpPr/>
+          <p:nvPr/>
+        </p:nvSpPr>
+        <p:spPr>
+          <a:xfrm>
+            <a:off x="7976192" y="2909338"/>
+            <a:ext cx="520996" cy="478466"/>
+          </a:xfrm>
+          <a:prstGeom prst="ellipse">
+            <a:avLst/>
+          </a:prstGeom>
+          <a:solidFill>
+            <a:schemeClr val="accent6">
+              <a:lumMod val="50000"/>
+            </a:schemeClr>
+          </a:solidFill>
+        </p:spPr>
+        <p:style>
+          <a:lnRef idx="2">
+            <a:schemeClr val="accent1">
+              <a:shade val="15000"/>
+            </a:schemeClr>
+          </a:lnRef>
+          <a:fillRef idx="1">
+            <a:schemeClr val="accent1"/>
+          </a:fillRef>
+          <a:effectRef idx="0">
+            <a:schemeClr val="accent1"/>
+          </a:effectRef>
+          <a:fontRef idx="minor">
+            <a:schemeClr val="lt1"/>
+          </a:fontRef>
+        </p:style>
+        <p:txBody>
+          <a:bodyPr rtlCol="0" anchor="ctr"/>
+          <a:lstStyle/>
+          <a:p>
+            <a:pPr algn="ctr"/>
+            <a:r>
+              <a:rPr lang="en-US" dirty="0"/>
+              <a:t>3</a:t>
+            </a:r>
+          </a:p>
+        </p:txBody>
+      </p:sp>
+      <p:sp>
+        <p:nvSpPr>
+          <p:cNvPr id="29" name="Oval 28">
+            <a:extLst>
+              <a:ext uri="{FF2B5EF4-FFF2-40B4-BE49-F238E27FC236}">
+                <a16:creationId xmlns:a16="http://schemas.microsoft.com/office/drawing/2014/main" id="{F223AE4C-D049-FDE1-23CD-54E11F8E6997}"/>
+              </a:ext>
+            </a:extLst>
+          </p:cNvPr>
+          <p:cNvSpPr/>
+          <p:nvPr/>
+        </p:nvSpPr>
+        <p:spPr>
+          <a:xfrm>
+            <a:off x="7976192" y="3870118"/>
+            <a:ext cx="520996" cy="478466"/>
+          </a:xfrm>
+          <a:prstGeom prst="ellipse">
+            <a:avLst/>
+          </a:prstGeom>
+          <a:solidFill>
+            <a:schemeClr val="accent6">
+              <a:lumMod val="50000"/>
+            </a:schemeClr>
+          </a:solidFill>
+        </p:spPr>
+        <p:style>
+          <a:lnRef idx="2">
+            <a:schemeClr val="accent1">
+              <a:shade val="15000"/>
+            </a:schemeClr>
+          </a:lnRef>
+          <a:fillRef idx="1">
+            <a:schemeClr val="accent1"/>
+          </a:fillRef>
+          <a:effectRef idx="0">
+            <a:schemeClr val="accent1"/>
+          </a:effectRef>
+          <a:fontRef idx="minor">
+            <a:schemeClr val="lt1"/>
+          </a:fontRef>
+        </p:style>
+        <p:txBody>
+          <a:bodyPr rtlCol="0" anchor="ctr"/>
+          <a:lstStyle/>
+          <a:p>
+            <a:pPr algn="ctr"/>
+            <a:r>
+              <a:rPr lang="en-US" dirty="0"/>
+              <a:t>4</a:t>
+            </a:r>
+          </a:p>
+        </p:txBody>
+      </p:sp>
+      <p:sp>
+        <p:nvSpPr>
+          <p:cNvPr id="30" name="Oval 29">
+            <a:extLst>
+              <a:ext uri="{FF2B5EF4-FFF2-40B4-BE49-F238E27FC236}">
+                <a16:creationId xmlns:a16="http://schemas.microsoft.com/office/drawing/2014/main" id="{921851D0-B335-002B-87D2-AB6D8DE20DCA}"/>
+              </a:ext>
+            </a:extLst>
+          </p:cNvPr>
+          <p:cNvSpPr/>
+          <p:nvPr/>
+        </p:nvSpPr>
+        <p:spPr>
+          <a:xfrm>
+            <a:off x="7729869" y="4935953"/>
+            <a:ext cx="1137683" cy="684393"/>
+          </a:xfrm>
+          <a:prstGeom prst="ellipse">
+            <a:avLst/>
+          </a:prstGeom>
+          <a:solidFill>
+            <a:schemeClr val="accent6">
+              <a:lumMod val="50000"/>
+            </a:schemeClr>
+          </a:solidFill>
+        </p:spPr>
+        <p:style>
+          <a:lnRef idx="2">
+            <a:schemeClr val="accent1">
+              <a:shade val="15000"/>
+            </a:schemeClr>
+          </a:lnRef>
+          <a:fillRef idx="1">
+            <a:schemeClr val="accent1"/>
+          </a:fillRef>
+          <a:effectRef idx="0">
+            <a:schemeClr val="accent1"/>
+          </a:effectRef>
+          <a:fontRef idx="minor">
+            <a:schemeClr val="lt1"/>
+          </a:fontRef>
+        </p:style>
+        <p:txBody>
+          <a:bodyPr rtlCol="0" anchor="ctr"/>
+          <a:lstStyle/>
+          <a:p>
+            <a:pPr algn="ctr"/>
+            <a:r>
+              <a:rPr lang="en-US" dirty="0" err="1"/>
+              <a:t>K_m</a:t>
+            </a:r>
+            <a:endParaRPr lang="en-US" dirty="0"/>
+          </a:p>
+        </p:txBody>
+      </p:sp>
+      <p:sp>
+        <p:nvSpPr>
+          <p:cNvPr id="31" name="TextBox 30">
+            <a:extLst>
+              <a:ext uri="{FF2B5EF4-FFF2-40B4-BE49-F238E27FC236}">
+                <a16:creationId xmlns:a16="http://schemas.microsoft.com/office/drawing/2014/main" id="{DDD9C579-FA2F-2CCB-07F7-902EB0CFCFED}"/>
+              </a:ext>
+            </a:extLst>
+          </p:cNvPr>
+          <p:cNvSpPr txBox="1"/>
+          <p:nvPr/>
+        </p:nvSpPr>
+        <p:spPr>
+          <a:xfrm>
+            <a:off x="7373677" y="496259"/>
+            <a:ext cx="2987749" cy="369332"/>
+          </a:xfrm>
+          <a:prstGeom prst="rect">
+            <a:avLst/>
+          </a:prstGeom>
+          <a:noFill/>
+        </p:spPr>
+        <p:txBody>
+          <a:bodyPr wrap="square" rtlCol="0">
+            <a:spAutoFit/>
+          </a:bodyPr>
+          <a:lstStyle/>
+          <a:p>
+            <a:r>
+              <a:rPr lang="en-US" dirty="0" err="1"/>
+              <a:t>Capa</a:t>
+            </a:r>
+            <a:r>
+              <a:rPr lang="en-US" dirty="0"/>
+              <a:t> m con </a:t>
+            </a:r>
+            <a:r>
+              <a:rPr lang="en-US" dirty="0" err="1"/>
+              <a:t>k_m</a:t>
+            </a:r>
+            <a:r>
+              <a:rPr lang="en-US" dirty="0"/>
+              <a:t> </a:t>
+            </a:r>
+            <a:r>
+              <a:rPr lang="en-US" dirty="0" err="1"/>
+              <a:t>neuronas</a:t>
+            </a:r>
+            <a:endParaRPr lang="en-US" dirty="0"/>
+          </a:p>
+        </p:txBody>
+      </p:sp>
+      <p:sp>
+        <p:nvSpPr>
+          <p:cNvPr id="32" name="Oval 31">
+            <a:extLst>
+              <a:ext uri="{FF2B5EF4-FFF2-40B4-BE49-F238E27FC236}">
+                <a16:creationId xmlns:a16="http://schemas.microsoft.com/office/drawing/2014/main" id="{AA4265EF-A193-4793-5945-1062CFB530B7}"/>
+              </a:ext>
+            </a:extLst>
+          </p:cNvPr>
+          <p:cNvSpPr/>
+          <p:nvPr/>
+        </p:nvSpPr>
+        <p:spPr>
+          <a:xfrm>
+            <a:off x="10058400" y="2407105"/>
+            <a:ext cx="1903228" cy="1681566"/>
+          </a:xfrm>
+          <a:prstGeom prst="ellipse">
+            <a:avLst/>
+          </a:prstGeom>
+        </p:spPr>
+        <p:style>
+          <a:lnRef idx="2">
+            <a:schemeClr val="accent1">
+              <a:shade val="15000"/>
+            </a:schemeClr>
+          </a:lnRef>
+          <a:fillRef idx="1">
+            <a:schemeClr val="accent1"/>
+          </a:fillRef>
+          <a:effectRef idx="0">
+            <a:schemeClr val="accent1"/>
+          </a:effectRef>
+          <a:fontRef idx="minor">
+            <a:schemeClr val="lt1"/>
+          </a:fontRef>
+        </p:style>
+        <p:txBody>
+          <a:bodyPr rtlCol="0" anchor="ctr"/>
+          <a:lstStyle/>
+          <a:p>
+            <a:pPr algn="ctr"/>
+            <a:r>
+              <a:rPr lang="en-US" dirty="0"/>
+              <a:t>Valor de </a:t>
+            </a:r>
+            <a:r>
+              <a:rPr lang="en-US" dirty="0" err="1"/>
+              <a:t>predicción</a:t>
+            </a:r>
+            <a:endParaRPr lang="en-US" dirty="0"/>
+          </a:p>
+        </p:txBody>
+      </p:sp>
+      <p:cxnSp>
+        <p:nvCxnSpPr>
+          <p:cNvPr id="34" name="Straight Arrow Connector 33">
+            <a:extLst>
+              <a:ext uri="{FF2B5EF4-FFF2-40B4-BE49-F238E27FC236}">
+                <a16:creationId xmlns:a16="http://schemas.microsoft.com/office/drawing/2014/main" id="{F2EF56DC-31C8-312A-C84B-EAB280E1FC65}"/>
+              </a:ext>
+            </a:extLst>
+          </p:cNvPr>
+          <p:cNvCxnSpPr>
+            <a:stCxn id="5" idx="6"/>
+            <a:endCxn id="12" idx="2"/>
+          </p:cNvCxnSpPr>
+          <p:nvPr/>
+        </p:nvCxnSpPr>
+        <p:spPr>
+          <a:xfrm>
+            <a:off x="1392866" y="785038"/>
+            <a:ext cx="2041450" cy="478466"/>
+          </a:xfrm>
+          <a:prstGeom prst="straightConnector1">
+            <a:avLst/>
+          </a:prstGeom>
+          <a:ln>
+            <a:tailEnd type="triangle"/>
+          </a:ln>
+        </p:spPr>
+        <p:style>
+          <a:lnRef idx="2">
+            <a:schemeClr val="accent1"/>
+          </a:lnRef>
+          <a:fillRef idx="0">
+            <a:schemeClr val="accent1"/>
+          </a:fillRef>
+          <a:effectRef idx="1">
+            <a:schemeClr val="accent1"/>
+          </a:effectRef>
+          <a:fontRef idx="minor">
+            <a:schemeClr val="tx1"/>
+          </a:fontRef>
+        </p:style>
+      </p:cxnSp>
+      <p:cxnSp>
+        <p:nvCxnSpPr>
+          <p:cNvPr id="35" name="Straight Arrow Connector 34">
+            <a:extLst>
+              <a:ext uri="{FF2B5EF4-FFF2-40B4-BE49-F238E27FC236}">
+                <a16:creationId xmlns:a16="http://schemas.microsoft.com/office/drawing/2014/main" id="{250B4E5F-FE2B-8CE7-3A13-DE29592AED22}"/>
+              </a:ext>
+            </a:extLst>
+          </p:cNvPr>
+          <p:cNvCxnSpPr>
+            <a:cxnSpLocks/>
+            <a:stCxn id="5" idx="6"/>
+            <a:endCxn id="13" idx="2"/>
+          </p:cNvCxnSpPr>
+          <p:nvPr/>
+        </p:nvCxnSpPr>
+        <p:spPr>
+          <a:xfrm>
+            <a:off x="1392866" y="785038"/>
+            <a:ext cx="2041450" cy="1515289"/>
+          </a:xfrm>
+          <a:prstGeom prst="straightConnector1">
+            <a:avLst/>
+          </a:prstGeom>
+          <a:ln>
+            <a:tailEnd type="triangle"/>
+          </a:ln>
+        </p:spPr>
+        <p:style>
+          <a:lnRef idx="2">
+            <a:schemeClr val="accent1"/>
+          </a:lnRef>
+          <a:fillRef idx="0">
+            <a:schemeClr val="accent1"/>
+          </a:fillRef>
+          <a:effectRef idx="1">
+            <a:schemeClr val="accent1"/>
+          </a:effectRef>
+          <a:fontRef idx="minor">
+            <a:schemeClr val="tx1"/>
+          </a:fontRef>
+        </p:style>
+      </p:cxnSp>
+      <p:cxnSp>
+        <p:nvCxnSpPr>
+          <p:cNvPr id="38" name="Straight Arrow Connector 37">
+            <a:extLst>
+              <a:ext uri="{FF2B5EF4-FFF2-40B4-BE49-F238E27FC236}">
+                <a16:creationId xmlns:a16="http://schemas.microsoft.com/office/drawing/2014/main" id="{1BE1CED2-1E70-FDEF-F36A-80147FE50630}"/>
+              </a:ext>
+            </a:extLst>
+          </p:cNvPr>
+          <p:cNvCxnSpPr>
+            <a:cxnSpLocks/>
+            <a:stCxn id="5" idx="6"/>
+            <a:endCxn id="14" idx="2"/>
+          </p:cNvCxnSpPr>
+          <p:nvPr/>
+        </p:nvCxnSpPr>
+        <p:spPr>
+          <a:xfrm>
+            <a:off x="1392866" y="785038"/>
+            <a:ext cx="2041450" cy="2643962"/>
+          </a:xfrm>
+          <a:prstGeom prst="straightConnector1">
+            <a:avLst/>
+          </a:prstGeom>
+          <a:ln>
+            <a:tailEnd type="triangle"/>
+          </a:ln>
+        </p:spPr>
+        <p:style>
+          <a:lnRef idx="2">
+            <a:schemeClr val="accent1"/>
+          </a:lnRef>
+          <a:fillRef idx="0">
+            <a:schemeClr val="accent1"/>
+          </a:fillRef>
+          <a:effectRef idx="1">
+            <a:schemeClr val="accent1"/>
+          </a:effectRef>
+          <a:fontRef idx="minor">
+            <a:schemeClr val="tx1"/>
+          </a:fontRef>
+        </p:style>
+      </p:cxnSp>
+      <p:cxnSp>
+        <p:nvCxnSpPr>
+          <p:cNvPr id="41" name="Straight Arrow Connector 40">
+            <a:extLst>
+              <a:ext uri="{FF2B5EF4-FFF2-40B4-BE49-F238E27FC236}">
+                <a16:creationId xmlns:a16="http://schemas.microsoft.com/office/drawing/2014/main" id="{3A18A930-8ABA-73D2-0A2E-21CDA2469C7B}"/>
+              </a:ext>
+            </a:extLst>
+          </p:cNvPr>
+          <p:cNvCxnSpPr>
+            <a:cxnSpLocks/>
+            <a:stCxn id="5" idx="6"/>
+            <a:endCxn id="16" idx="2"/>
+          </p:cNvCxnSpPr>
+          <p:nvPr/>
+        </p:nvCxnSpPr>
+        <p:spPr>
+          <a:xfrm>
+            <a:off x="1392866" y="785038"/>
+            <a:ext cx="1967022" cy="4337900"/>
+          </a:xfrm>
+          <a:prstGeom prst="straightConnector1">
+            <a:avLst/>
+          </a:prstGeom>
+          <a:ln>
+            <a:tailEnd type="triangle"/>
+          </a:ln>
+        </p:spPr>
+        <p:style>
+          <a:lnRef idx="2">
+            <a:schemeClr val="accent1"/>
+          </a:lnRef>
+          <a:fillRef idx="0">
+            <a:schemeClr val="accent1"/>
+          </a:fillRef>
+          <a:effectRef idx="1">
+            <a:schemeClr val="accent1"/>
+          </a:effectRef>
+          <a:fontRef idx="minor">
+            <a:schemeClr val="tx1"/>
+          </a:fontRef>
+        </p:style>
+      </p:cxnSp>
+      <p:cxnSp>
+        <p:nvCxnSpPr>
+          <p:cNvPr id="44" name="Straight Arrow Connector 43">
+            <a:extLst>
+              <a:ext uri="{FF2B5EF4-FFF2-40B4-BE49-F238E27FC236}">
+                <a16:creationId xmlns:a16="http://schemas.microsoft.com/office/drawing/2014/main" id="{C58DEFDF-F7A4-C63C-631B-08C8E204E5CA}"/>
+              </a:ext>
+            </a:extLst>
+          </p:cNvPr>
+          <p:cNvCxnSpPr>
+            <a:cxnSpLocks/>
+            <a:stCxn id="6" idx="6"/>
+            <a:endCxn id="12" idx="2"/>
+          </p:cNvCxnSpPr>
+          <p:nvPr/>
+        </p:nvCxnSpPr>
+        <p:spPr>
+          <a:xfrm flipV="1">
+            <a:off x="1392866" y="1263504"/>
+            <a:ext cx="2041450" cy="415706"/>
+          </a:xfrm>
+          <a:prstGeom prst="straightConnector1">
+            <a:avLst/>
+          </a:prstGeom>
+          <a:ln>
+            <a:tailEnd type="triangle"/>
+          </a:ln>
+        </p:spPr>
+        <p:style>
+          <a:lnRef idx="2">
+            <a:schemeClr val="accent1"/>
+          </a:lnRef>
+          <a:fillRef idx="0">
+            <a:schemeClr val="accent1"/>
+          </a:fillRef>
+          <a:effectRef idx="1">
+            <a:schemeClr val="accent1"/>
+          </a:effectRef>
+          <a:fontRef idx="minor">
+            <a:schemeClr val="tx1"/>
+          </a:fontRef>
+        </p:style>
+      </p:cxnSp>
+      <p:cxnSp>
+        <p:nvCxnSpPr>
+          <p:cNvPr id="47" name="Straight Arrow Connector 46">
+            <a:extLst>
+              <a:ext uri="{FF2B5EF4-FFF2-40B4-BE49-F238E27FC236}">
+                <a16:creationId xmlns:a16="http://schemas.microsoft.com/office/drawing/2014/main" id="{185225E5-2DD0-ACA6-F852-B88874B07F6A}"/>
+              </a:ext>
+            </a:extLst>
+          </p:cNvPr>
+          <p:cNvCxnSpPr>
+            <a:cxnSpLocks/>
+            <a:stCxn id="6" idx="6"/>
+          </p:cNvCxnSpPr>
+          <p:nvPr/>
+        </p:nvCxnSpPr>
+        <p:spPr>
+          <a:xfrm>
+            <a:off x="1392866" y="1679210"/>
+            <a:ext cx="1967022" cy="606205"/>
+          </a:xfrm>
+          <a:prstGeom prst="straightConnector1">
+            <a:avLst/>
+          </a:prstGeom>
+          <a:ln>
+            <a:tailEnd type="triangle"/>
+          </a:ln>
+        </p:spPr>
+        <p:style>
+          <a:lnRef idx="2">
+            <a:schemeClr val="accent1"/>
+          </a:lnRef>
+          <a:fillRef idx="0">
+            <a:schemeClr val="accent1"/>
+          </a:fillRef>
+          <a:effectRef idx="1">
+            <a:schemeClr val="accent1"/>
+          </a:effectRef>
+          <a:fontRef idx="minor">
+            <a:schemeClr val="tx1"/>
+          </a:fontRef>
+        </p:style>
+      </p:cxnSp>
+      <p:cxnSp>
+        <p:nvCxnSpPr>
+          <p:cNvPr id="50" name="Straight Arrow Connector 49">
+            <a:extLst>
+              <a:ext uri="{FF2B5EF4-FFF2-40B4-BE49-F238E27FC236}">
+                <a16:creationId xmlns:a16="http://schemas.microsoft.com/office/drawing/2014/main" id="{F1D3B71F-9F7D-062C-DDB5-8E3973ADF515}"/>
+              </a:ext>
+            </a:extLst>
+          </p:cNvPr>
+          <p:cNvCxnSpPr>
+            <a:cxnSpLocks/>
+            <a:stCxn id="6" idx="6"/>
+          </p:cNvCxnSpPr>
+          <p:nvPr/>
+        </p:nvCxnSpPr>
+        <p:spPr>
+          <a:xfrm>
+            <a:off x="1392866" y="1679210"/>
+            <a:ext cx="1967022" cy="1694271"/>
+          </a:xfrm>
+          <a:prstGeom prst="straightConnector1">
+            <a:avLst/>
+          </a:prstGeom>
+          <a:ln>
+            <a:tailEnd type="triangle"/>
+          </a:ln>
+        </p:spPr>
+        <p:style>
+          <a:lnRef idx="2">
+            <a:schemeClr val="accent1"/>
+          </a:lnRef>
+          <a:fillRef idx="0">
+            <a:schemeClr val="accent1"/>
+          </a:fillRef>
+          <a:effectRef idx="1">
+            <a:schemeClr val="accent1"/>
+          </a:effectRef>
+          <a:fontRef idx="minor">
+            <a:schemeClr val="tx1"/>
+          </a:fontRef>
+        </p:style>
+      </p:cxnSp>
+      <p:cxnSp>
+        <p:nvCxnSpPr>
+          <p:cNvPr id="56" name="Straight Arrow Connector 55">
+            <a:extLst>
+              <a:ext uri="{FF2B5EF4-FFF2-40B4-BE49-F238E27FC236}">
+                <a16:creationId xmlns:a16="http://schemas.microsoft.com/office/drawing/2014/main" id="{47CD2817-1E88-7276-2944-E3ACD69D51C2}"/>
+              </a:ext>
+            </a:extLst>
+          </p:cNvPr>
+          <p:cNvCxnSpPr>
+            <a:cxnSpLocks/>
+            <a:stCxn id="6" idx="6"/>
+            <a:endCxn id="16" idx="2"/>
+          </p:cNvCxnSpPr>
+          <p:nvPr/>
+        </p:nvCxnSpPr>
+        <p:spPr>
+          <a:xfrm>
+            <a:off x="1392866" y="1679210"/>
+            <a:ext cx="1967022" cy="3443728"/>
+          </a:xfrm>
+          <a:prstGeom prst="straightConnector1">
+            <a:avLst/>
+          </a:prstGeom>
+          <a:ln>
+            <a:tailEnd type="triangle"/>
+          </a:ln>
+        </p:spPr>
+        <p:style>
+          <a:lnRef idx="2">
+            <a:schemeClr val="accent1"/>
+          </a:lnRef>
+          <a:fillRef idx="0">
+            <a:schemeClr val="accent1"/>
+          </a:fillRef>
+          <a:effectRef idx="1">
+            <a:schemeClr val="accent1"/>
+          </a:effectRef>
+          <a:fontRef idx="minor">
+            <a:schemeClr val="tx1"/>
+          </a:fontRef>
+        </p:style>
+      </p:cxnSp>
+      <p:cxnSp>
+        <p:nvCxnSpPr>
+          <p:cNvPr id="60" name="Straight Arrow Connector 59">
+            <a:extLst>
+              <a:ext uri="{FF2B5EF4-FFF2-40B4-BE49-F238E27FC236}">
+                <a16:creationId xmlns:a16="http://schemas.microsoft.com/office/drawing/2014/main" id="{357C9B2F-02FD-7181-9732-1A5A55C94629}"/>
+              </a:ext>
+            </a:extLst>
+          </p:cNvPr>
+          <p:cNvCxnSpPr>
+            <a:cxnSpLocks/>
+            <a:stCxn id="10" idx="6"/>
+            <a:endCxn id="12" idx="2"/>
+          </p:cNvCxnSpPr>
+          <p:nvPr/>
+        </p:nvCxnSpPr>
+        <p:spPr>
+          <a:xfrm flipV="1">
+            <a:off x="1382233" y="1263504"/>
+            <a:ext cx="2052083" cy="4356842"/>
+          </a:xfrm>
+          <a:prstGeom prst="straightConnector1">
+            <a:avLst/>
+          </a:prstGeom>
+          <a:ln>
+            <a:tailEnd type="triangle"/>
+          </a:ln>
+        </p:spPr>
+        <p:style>
+          <a:lnRef idx="2">
+            <a:schemeClr val="accent1"/>
+          </a:lnRef>
+          <a:fillRef idx="0">
+            <a:schemeClr val="accent1"/>
+          </a:fillRef>
+          <a:effectRef idx="1">
+            <a:schemeClr val="accent1"/>
+          </a:effectRef>
+          <a:fontRef idx="minor">
+            <a:schemeClr val="tx1"/>
+          </a:fontRef>
+        </p:style>
+      </p:cxnSp>
+      <p:cxnSp>
+        <p:nvCxnSpPr>
+          <p:cNvPr id="63" name="Straight Arrow Connector 62">
+            <a:extLst>
+              <a:ext uri="{FF2B5EF4-FFF2-40B4-BE49-F238E27FC236}">
+                <a16:creationId xmlns:a16="http://schemas.microsoft.com/office/drawing/2014/main" id="{4DA3B020-1712-44DE-859A-A62AEB6F548B}"/>
+              </a:ext>
+            </a:extLst>
+          </p:cNvPr>
+          <p:cNvCxnSpPr>
+            <a:cxnSpLocks/>
+            <a:stCxn id="10" idx="6"/>
+            <a:endCxn id="13" idx="2"/>
+          </p:cNvCxnSpPr>
+          <p:nvPr/>
+        </p:nvCxnSpPr>
+        <p:spPr>
+          <a:xfrm flipV="1">
+            <a:off x="1382233" y="2300327"/>
+            <a:ext cx="2052083" cy="3320019"/>
+          </a:xfrm>
+          <a:prstGeom prst="straightConnector1">
+            <a:avLst/>
+          </a:prstGeom>
+          <a:ln>
+            <a:tailEnd type="triangle"/>
+          </a:ln>
+        </p:spPr>
+        <p:style>
+          <a:lnRef idx="2">
+            <a:schemeClr val="accent1"/>
+          </a:lnRef>
+          <a:fillRef idx="0">
+            <a:schemeClr val="accent1"/>
+          </a:fillRef>
+          <a:effectRef idx="1">
+            <a:schemeClr val="accent1"/>
+          </a:effectRef>
+          <a:fontRef idx="minor">
+            <a:schemeClr val="tx1"/>
+          </a:fontRef>
+        </p:style>
+      </p:cxnSp>
+      <p:cxnSp>
+        <p:nvCxnSpPr>
+          <p:cNvPr id="66" name="Straight Arrow Connector 65">
+            <a:extLst>
+              <a:ext uri="{FF2B5EF4-FFF2-40B4-BE49-F238E27FC236}">
+                <a16:creationId xmlns:a16="http://schemas.microsoft.com/office/drawing/2014/main" id="{30994226-C2CA-86E6-3CDF-BADC4C866943}"/>
+              </a:ext>
+            </a:extLst>
+          </p:cNvPr>
+          <p:cNvCxnSpPr>
+            <a:cxnSpLocks/>
+            <a:stCxn id="10" idx="6"/>
+            <a:endCxn id="14" idx="2"/>
+          </p:cNvCxnSpPr>
+          <p:nvPr/>
+        </p:nvCxnSpPr>
+        <p:spPr>
+          <a:xfrm flipV="1">
+            <a:off x="1382233" y="3429000"/>
+            <a:ext cx="2052083" cy="2191346"/>
+          </a:xfrm>
+          <a:prstGeom prst="straightConnector1">
+            <a:avLst/>
+          </a:prstGeom>
+          <a:ln>
+            <a:tailEnd type="triangle"/>
+          </a:ln>
+        </p:spPr>
+        <p:style>
+          <a:lnRef idx="2">
+            <a:schemeClr val="accent1"/>
+          </a:lnRef>
+          <a:fillRef idx="0">
+            <a:schemeClr val="accent1"/>
+          </a:fillRef>
+          <a:effectRef idx="1">
+            <a:schemeClr val="accent1"/>
+          </a:effectRef>
+          <a:fontRef idx="minor">
+            <a:schemeClr val="tx1"/>
+          </a:fontRef>
+        </p:style>
+      </p:cxnSp>
+      <p:cxnSp>
+        <p:nvCxnSpPr>
+          <p:cNvPr id="69" name="Straight Arrow Connector 68">
+            <a:extLst>
+              <a:ext uri="{FF2B5EF4-FFF2-40B4-BE49-F238E27FC236}">
+                <a16:creationId xmlns:a16="http://schemas.microsoft.com/office/drawing/2014/main" id="{938D8E4D-A1EF-FF5D-02D7-3CA01E6ECFC7}"/>
+              </a:ext>
+            </a:extLst>
+          </p:cNvPr>
+          <p:cNvCxnSpPr>
+            <a:cxnSpLocks/>
+            <a:stCxn id="10" idx="6"/>
+            <a:endCxn id="16" idx="2"/>
+          </p:cNvCxnSpPr>
+          <p:nvPr/>
+        </p:nvCxnSpPr>
+        <p:spPr>
+          <a:xfrm flipV="1">
+            <a:off x="1382233" y="5122938"/>
+            <a:ext cx="1977655" cy="497408"/>
+          </a:xfrm>
+          <a:prstGeom prst="straightConnector1">
+            <a:avLst/>
+          </a:prstGeom>
+          <a:ln>
+            <a:tailEnd type="triangle"/>
+          </a:ln>
+        </p:spPr>
+        <p:style>
+          <a:lnRef idx="2">
+            <a:schemeClr val="accent1"/>
+          </a:lnRef>
+          <a:fillRef idx="0">
+            <a:schemeClr val="accent1"/>
+          </a:fillRef>
+          <a:effectRef idx="1">
+            <a:schemeClr val="accent1"/>
+          </a:effectRef>
+          <a:fontRef idx="minor">
+            <a:schemeClr val="tx1"/>
+          </a:fontRef>
+        </p:style>
+      </p:cxnSp>
+      <p:cxnSp>
+        <p:nvCxnSpPr>
+          <p:cNvPr id="72" name="Straight Arrow Connector 71">
+            <a:extLst>
+              <a:ext uri="{FF2B5EF4-FFF2-40B4-BE49-F238E27FC236}">
+                <a16:creationId xmlns:a16="http://schemas.microsoft.com/office/drawing/2014/main" id="{46028AA2-9AA2-B3C7-8890-1AF95B2B19B9}"/>
+              </a:ext>
+            </a:extLst>
+          </p:cNvPr>
+          <p:cNvCxnSpPr>
+            <a:cxnSpLocks/>
+            <a:stCxn id="12" idx="6"/>
+            <a:endCxn id="18" idx="2"/>
+          </p:cNvCxnSpPr>
+          <p:nvPr/>
+        </p:nvCxnSpPr>
+        <p:spPr>
+          <a:xfrm>
+            <a:off x="3955312" y="1263504"/>
+            <a:ext cx="1456659" cy="0"/>
+          </a:xfrm>
+          <a:prstGeom prst="straightConnector1">
+            <a:avLst/>
+          </a:prstGeom>
+          <a:ln>
+            <a:tailEnd type="triangle"/>
+          </a:ln>
+        </p:spPr>
+        <p:style>
+          <a:lnRef idx="2">
+            <a:schemeClr val="accent1"/>
+          </a:lnRef>
+          <a:fillRef idx="0">
+            <a:schemeClr val="accent1"/>
+          </a:fillRef>
+          <a:effectRef idx="1">
+            <a:schemeClr val="accent1"/>
+          </a:effectRef>
+          <a:fontRef idx="minor">
+            <a:schemeClr val="tx1"/>
+          </a:fontRef>
+        </p:style>
+      </p:cxnSp>
+      <p:cxnSp>
+        <p:nvCxnSpPr>
+          <p:cNvPr id="75" name="Straight Arrow Connector 74">
+            <a:extLst>
+              <a:ext uri="{FF2B5EF4-FFF2-40B4-BE49-F238E27FC236}">
+                <a16:creationId xmlns:a16="http://schemas.microsoft.com/office/drawing/2014/main" id="{2DE16E6A-3C49-CFE3-E8C6-2F4FE18D7B00}"/>
+              </a:ext>
+            </a:extLst>
+          </p:cNvPr>
+          <p:cNvCxnSpPr>
+            <a:cxnSpLocks/>
+            <a:stCxn id="12" idx="6"/>
+            <a:endCxn id="19" idx="2"/>
+          </p:cNvCxnSpPr>
+          <p:nvPr/>
+        </p:nvCxnSpPr>
+        <p:spPr>
+          <a:xfrm>
+            <a:off x="3955312" y="1263504"/>
+            <a:ext cx="1456659" cy="821812"/>
+          </a:xfrm>
+          <a:prstGeom prst="straightConnector1">
+            <a:avLst/>
+          </a:prstGeom>
+          <a:ln>
+            <a:tailEnd type="triangle"/>
+          </a:ln>
+        </p:spPr>
+        <p:style>
+          <a:lnRef idx="2">
+            <a:schemeClr val="accent1"/>
+          </a:lnRef>
+          <a:fillRef idx="0">
+            <a:schemeClr val="accent1"/>
+          </a:fillRef>
+          <a:effectRef idx="1">
+            <a:schemeClr val="accent1"/>
+          </a:effectRef>
+          <a:fontRef idx="minor">
+            <a:schemeClr val="tx1"/>
+          </a:fontRef>
+        </p:style>
+      </p:cxnSp>
+      <p:cxnSp>
+        <p:nvCxnSpPr>
+          <p:cNvPr id="78" name="Straight Arrow Connector 77">
+            <a:extLst>
+              <a:ext uri="{FF2B5EF4-FFF2-40B4-BE49-F238E27FC236}">
+                <a16:creationId xmlns:a16="http://schemas.microsoft.com/office/drawing/2014/main" id="{B3972442-E352-33B3-9E21-3D65A8852953}"/>
+              </a:ext>
+            </a:extLst>
+          </p:cNvPr>
+          <p:cNvCxnSpPr>
+            <a:cxnSpLocks/>
+            <a:stCxn id="12" idx="6"/>
+            <a:endCxn id="20" idx="2"/>
+          </p:cNvCxnSpPr>
+          <p:nvPr/>
+        </p:nvCxnSpPr>
+        <p:spPr>
+          <a:xfrm>
+            <a:off x="3955312" y="1263504"/>
+            <a:ext cx="1440710" cy="1687030"/>
+          </a:xfrm>
+          <a:prstGeom prst="straightConnector1">
+            <a:avLst/>
+          </a:prstGeom>
+          <a:ln>
+            <a:tailEnd type="triangle"/>
+          </a:ln>
+        </p:spPr>
+        <p:style>
+          <a:lnRef idx="2">
+            <a:schemeClr val="accent1"/>
+          </a:lnRef>
+          <a:fillRef idx="0">
+            <a:schemeClr val="accent1"/>
+          </a:fillRef>
+          <a:effectRef idx="1">
+            <a:schemeClr val="accent1"/>
+          </a:effectRef>
+          <a:fontRef idx="minor">
+            <a:schemeClr val="tx1"/>
+          </a:fontRef>
+        </p:style>
+      </p:cxnSp>
+      <p:cxnSp>
+        <p:nvCxnSpPr>
+          <p:cNvPr id="81" name="Straight Arrow Connector 80">
+            <a:extLst>
+              <a:ext uri="{FF2B5EF4-FFF2-40B4-BE49-F238E27FC236}">
+                <a16:creationId xmlns:a16="http://schemas.microsoft.com/office/drawing/2014/main" id="{1D30F9D1-1208-7B0F-3A6B-0889C15FEBD2}"/>
+              </a:ext>
+            </a:extLst>
+          </p:cNvPr>
+          <p:cNvCxnSpPr>
+            <a:cxnSpLocks/>
+            <a:stCxn id="12" idx="6"/>
+            <a:endCxn id="21" idx="2"/>
+          </p:cNvCxnSpPr>
+          <p:nvPr/>
+        </p:nvCxnSpPr>
+        <p:spPr>
+          <a:xfrm>
+            <a:off x="3955312" y="1263504"/>
+            <a:ext cx="1456659" cy="2585934"/>
+          </a:xfrm>
+          <a:prstGeom prst="straightConnector1">
+            <a:avLst/>
+          </a:prstGeom>
+          <a:ln>
+            <a:tailEnd type="triangle"/>
+          </a:ln>
+        </p:spPr>
+        <p:style>
+          <a:lnRef idx="2">
+            <a:schemeClr val="accent1"/>
+          </a:lnRef>
+          <a:fillRef idx="0">
+            <a:schemeClr val="accent1"/>
+          </a:fillRef>
+          <a:effectRef idx="1">
+            <a:schemeClr val="accent1"/>
+          </a:effectRef>
+          <a:fontRef idx="minor">
+            <a:schemeClr val="tx1"/>
+          </a:fontRef>
+        </p:style>
+      </p:cxnSp>
+      <p:cxnSp>
+        <p:nvCxnSpPr>
+          <p:cNvPr id="84" name="Straight Arrow Connector 83">
+            <a:extLst>
+              <a:ext uri="{FF2B5EF4-FFF2-40B4-BE49-F238E27FC236}">
+                <a16:creationId xmlns:a16="http://schemas.microsoft.com/office/drawing/2014/main" id="{8F1E82E4-BAE4-4A89-F71B-85D21319C83B}"/>
+              </a:ext>
+            </a:extLst>
+          </p:cNvPr>
+          <p:cNvCxnSpPr>
+            <a:cxnSpLocks/>
+            <a:stCxn id="12" idx="6"/>
+            <a:endCxn id="22" idx="2"/>
+          </p:cNvCxnSpPr>
+          <p:nvPr/>
+        </p:nvCxnSpPr>
+        <p:spPr>
+          <a:xfrm>
+            <a:off x="3955312" y="1263504"/>
+            <a:ext cx="1456658" cy="4110823"/>
+          </a:xfrm>
+          <a:prstGeom prst="straightConnector1">
+            <a:avLst/>
+          </a:prstGeom>
+          <a:ln>
+            <a:tailEnd type="triangle"/>
+          </a:ln>
+        </p:spPr>
+        <p:style>
+          <a:lnRef idx="2">
+            <a:schemeClr val="accent1"/>
+          </a:lnRef>
+          <a:fillRef idx="0">
+            <a:schemeClr val="accent1"/>
+          </a:fillRef>
+          <a:effectRef idx="1">
+            <a:schemeClr val="accent1"/>
+          </a:effectRef>
+          <a:fontRef idx="minor">
+            <a:schemeClr val="tx1"/>
+          </a:fontRef>
+        </p:style>
+      </p:cxnSp>
+      <p:cxnSp>
+        <p:nvCxnSpPr>
+          <p:cNvPr id="87" name="Straight Arrow Connector 86">
+            <a:extLst>
+              <a:ext uri="{FF2B5EF4-FFF2-40B4-BE49-F238E27FC236}">
+                <a16:creationId xmlns:a16="http://schemas.microsoft.com/office/drawing/2014/main" id="{90080DC5-50AB-F5FE-DC81-42DB271E95AA}"/>
+              </a:ext>
+            </a:extLst>
+          </p:cNvPr>
+          <p:cNvCxnSpPr>
+            <a:cxnSpLocks/>
+            <a:stCxn id="16" idx="6"/>
+            <a:endCxn id="18" idx="2"/>
+          </p:cNvCxnSpPr>
+          <p:nvPr/>
+        </p:nvCxnSpPr>
+        <p:spPr>
+          <a:xfrm flipV="1">
+            <a:off x="4189228" y="1263504"/>
+            <a:ext cx="1222743" cy="3859434"/>
+          </a:xfrm>
+          <a:prstGeom prst="straightConnector1">
+            <a:avLst/>
+          </a:prstGeom>
+          <a:ln>
+            <a:tailEnd type="triangle"/>
+          </a:ln>
+        </p:spPr>
+        <p:style>
+          <a:lnRef idx="2">
+            <a:schemeClr val="accent1"/>
+          </a:lnRef>
+          <a:fillRef idx="0">
+            <a:schemeClr val="accent1"/>
+          </a:fillRef>
+          <a:effectRef idx="1">
+            <a:schemeClr val="accent1"/>
+          </a:effectRef>
+          <a:fontRef idx="minor">
+            <a:schemeClr val="tx1"/>
+          </a:fontRef>
+        </p:style>
+      </p:cxnSp>
+      <p:cxnSp>
+        <p:nvCxnSpPr>
+          <p:cNvPr id="90" name="Straight Arrow Connector 89">
+            <a:extLst>
+              <a:ext uri="{FF2B5EF4-FFF2-40B4-BE49-F238E27FC236}">
+                <a16:creationId xmlns:a16="http://schemas.microsoft.com/office/drawing/2014/main" id="{A5C562D7-6A3B-3F9C-DA29-E8B2B4E155A6}"/>
+              </a:ext>
+            </a:extLst>
+          </p:cNvPr>
+          <p:cNvCxnSpPr>
+            <a:cxnSpLocks/>
+            <a:stCxn id="16" idx="6"/>
+            <a:endCxn id="19" idx="2"/>
+          </p:cNvCxnSpPr>
+          <p:nvPr/>
+        </p:nvCxnSpPr>
+        <p:spPr>
+          <a:xfrm flipV="1">
+            <a:off x="4189228" y="2085316"/>
+            <a:ext cx="1222743" cy="3037622"/>
+          </a:xfrm>
+          <a:prstGeom prst="straightConnector1">
+            <a:avLst/>
+          </a:prstGeom>
+          <a:ln>
+            <a:tailEnd type="triangle"/>
+          </a:ln>
+        </p:spPr>
+        <p:style>
+          <a:lnRef idx="2">
+            <a:schemeClr val="accent1"/>
+          </a:lnRef>
+          <a:fillRef idx="0">
+            <a:schemeClr val="accent1"/>
+          </a:fillRef>
+          <a:effectRef idx="1">
+            <a:schemeClr val="accent1"/>
+          </a:effectRef>
+          <a:fontRef idx="minor">
+            <a:schemeClr val="tx1"/>
+          </a:fontRef>
+        </p:style>
+      </p:cxnSp>
+      <p:cxnSp>
+        <p:nvCxnSpPr>
+          <p:cNvPr id="93" name="Straight Arrow Connector 92">
+            <a:extLst>
+              <a:ext uri="{FF2B5EF4-FFF2-40B4-BE49-F238E27FC236}">
+                <a16:creationId xmlns:a16="http://schemas.microsoft.com/office/drawing/2014/main" id="{5B8518ED-0CE1-E3E9-B6B1-E49BDEE5D8BB}"/>
+              </a:ext>
+            </a:extLst>
+          </p:cNvPr>
+          <p:cNvCxnSpPr>
+            <a:cxnSpLocks/>
+            <a:stCxn id="16" idx="6"/>
+            <a:endCxn id="20" idx="2"/>
+          </p:cNvCxnSpPr>
+          <p:nvPr/>
+        </p:nvCxnSpPr>
+        <p:spPr>
+          <a:xfrm flipV="1">
+            <a:off x="4189228" y="2950534"/>
+            <a:ext cx="1206794" cy="2172404"/>
+          </a:xfrm>
+          <a:prstGeom prst="straightConnector1">
+            <a:avLst/>
+          </a:prstGeom>
+          <a:ln>
+            <a:tailEnd type="triangle"/>
+          </a:ln>
+        </p:spPr>
+        <p:style>
+          <a:lnRef idx="2">
+            <a:schemeClr val="accent1"/>
+          </a:lnRef>
+          <a:fillRef idx="0">
+            <a:schemeClr val="accent1"/>
+          </a:fillRef>
+          <a:effectRef idx="1">
+            <a:schemeClr val="accent1"/>
+          </a:effectRef>
+          <a:fontRef idx="minor">
+            <a:schemeClr val="tx1"/>
+          </a:fontRef>
+        </p:style>
+      </p:cxnSp>
+      <p:cxnSp>
+        <p:nvCxnSpPr>
+          <p:cNvPr id="96" name="Straight Arrow Connector 95">
+            <a:extLst>
+              <a:ext uri="{FF2B5EF4-FFF2-40B4-BE49-F238E27FC236}">
+                <a16:creationId xmlns:a16="http://schemas.microsoft.com/office/drawing/2014/main" id="{0B6C31A8-C9C1-D552-D97E-540E306FF121}"/>
+              </a:ext>
+            </a:extLst>
+          </p:cNvPr>
+          <p:cNvCxnSpPr>
+            <a:cxnSpLocks/>
+            <a:stCxn id="16" idx="6"/>
+            <a:endCxn id="21" idx="2"/>
+          </p:cNvCxnSpPr>
+          <p:nvPr/>
+        </p:nvCxnSpPr>
+        <p:spPr>
+          <a:xfrm flipV="1">
+            <a:off x="4189228" y="3849438"/>
+            <a:ext cx="1222743" cy="1273500"/>
+          </a:xfrm>
+          <a:prstGeom prst="straightConnector1">
+            <a:avLst/>
+          </a:prstGeom>
+          <a:ln>
+            <a:tailEnd type="triangle"/>
+          </a:ln>
+        </p:spPr>
+        <p:style>
+          <a:lnRef idx="2">
+            <a:schemeClr val="accent1"/>
+          </a:lnRef>
+          <a:fillRef idx="0">
+            <a:schemeClr val="accent1"/>
+          </a:fillRef>
+          <a:effectRef idx="1">
+            <a:schemeClr val="accent1"/>
+          </a:effectRef>
+          <a:fontRef idx="minor">
+            <a:schemeClr val="tx1"/>
+          </a:fontRef>
+        </p:style>
+      </p:cxnSp>
+      <p:cxnSp>
+        <p:nvCxnSpPr>
+          <p:cNvPr id="100" name="Straight Arrow Connector 99">
+            <a:extLst>
+              <a:ext uri="{FF2B5EF4-FFF2-40B4-BE49-F238E27FC236}">
+                <a16:creationId xmlns:a16="http://schemas.microsoft.com/office/drawing/2014/main" id="{BCE116F2-07E1-879F-8AFB-6D39BF03C9EB}"/>
+              </a:ext>
+            </a:extLst>
+          </p:cNvPr>
+          <p:cNvCxnSpPr>
+            <a:cxnSpLocks/>
+            <a:endCxn id="22" idx="2"/>
+          </p:cNvCxnSpPr>
+          <p:nvPr/>
+        </p:nvCxnSpPr>
+        <p:spPr>
+          <a:xfrm>
+            <a:off x="4263656" y="4965407"/>
+            <a:ext cx="1148314" cy="408920"/>
+          </a:xfrm>
+          <a:prstGeom prst="straightConnector1">
+            <a:avLst/>
+          </a:prstGeom>
+          <a:ln>
+            <a:tailEnd type="triangle"/>
+          </a:ln>
+        </p:spPr>
+        <p:style>
+          <a:lnRef idx="2">
+            <a:schemeClr val="accent1"/>
+          </a:lnRef>
+          <a:fillRef idx="0">
+            <a:schemeClr val="accent1"/>
+          </a:fillRef>
+          <a:effectRef idx="1">
+            <a:schemeClr val="accent1"/>
+          </a:effectRef>
+          <a:fontRef idx="minor">
+            <a:schemeClr val="tx1"/>
+          </a:fontRef>
+        </p:style>
+      </p:cxnSp>
+      <p:cxnSp>
+        <p:nvCxnSpPr>
+          <p:cNvPr id="103" name="Straight Arrow Connector 102">
+            <a:extLst>
+              <a:ext uri="{FF2B5EF4-FFF2-40B4-BE49-F238E27FC236}">
+                <a16:creationId xmlns:a16="http://schemas.microsoft.com/office/drawing/2014/main" id="{6B6DE93E-4BEC-76B2-7C34-F1A32BA036DF}"/>
+              </a:ext>
+            </a:extLst>
+          </p:cNvPr>
+          <p:cNvCxnSpPr>
+            <a:cxnSpLocks/>
+            <a:stCxn id="26" idx="6"/>
+            <a:endCxn id="32" idx="2"/>
+          </p:cNvCxnSpPr>
+          <p:nvPr/>
+        </p:nvCxnSpPr>
+        <p:spPr>
+          <a:xfrm>
+            <a:off x="8497188" y="1204438"/>
+            <a:ext cx="1561212" cy="2043450"/>
+          </a:xfrm>
+          <a:prstGeom prst="straightConnector1">
+            <a:avLst/>
+          </a:prstGeom>
+          <a:ln>
+            <a:tailEnd type="triangle"/>
+          </a:ln>
+        </p:spPr>
+        <p:style>
+          <a:lnRef idx="2">
+            <a:schemeClr val="accent1"/>
+          </a:lnRef>
+          <a:fillRef idx="0">
+            <a:schemeClr val="accent1"/>
+          </a:fillRef>
+          <a:effectRef idx="1">
+            <a:schemeClr val="accent1"/>
+          </a:effectRef>
+          <a:fontRef idx="minor">
+            <a:schemeClr val="tx1"/>
+          </a:fontRef>
+        </p:style>
+      </p:cxnSp>
+      <p:cxnSp>
+        <p:nvCxnSpPr>
+          <p:cNvPr id="108" name="Straight Arrow Connector 107">
+            <a:extLst>
+              <a:ext uri="{FF2B5EF4-FFF2-40B4-BE49-F238E27FC236}">
+                <a16:creationId xmlns:a16="http://schemas.microsoft.com/office/drawing/2014/main" id="{7E1D2EBB-B440-1DCF-2629-8B424D847FC2}"/>
+              </a:ext>
+            </a:extLst>
+          </p:cNvPr>
+          <p:cNvCxnSpPr>
+            <a:cxnSpLocks/>
+            <a:stCxn id="27" idx="6"/>
+            <a:endCxn id="32" idx="2"/>
+          </p:cNvCxnSpPr>
+          <p:nvPr/>
+        </p:nvCxnSpPr>
+        <p:spPr>
+          <a:xfrm>
+            <a:off x="8497188" y="2046182"/>
+            <a:ext cx="1561212" cy="1201706"/>
+          </a:xfrm>
+          <a:prstGeom prst="straightConnector1">
+            <a:avLst/>
+          </a:prstGeom>
+          <a:ln>
+            <a:tailEnd type="triangle"/>
+          </a:ln>
+        </p:spPr>
+        <p:style>
+          <a:lnRef idx="2">
+            <a:schemeClr val="accent1"/>
+          </a:lnRef>
+          <a:fillRef idx="0">
+            <a:schemeClr val="accent1"/>
+          </a:fillRef>
+          <a:effectRef idx="1">
+            <a:schemeClr val="accent1"/>
+          </a:effectRef>
+          <a:fontRef idx="minor">
+            <a:schemeClr val="tx1"/>
+          </a:fontRef>
+        </p:style>
+      </p:cxnSp>
+      <p:cxnSp>
+        <p:nvCxnSpPr>
+          <p:cNvPr id="112" name="Straight Arrow Connector 111">
+            <a:extLst>
+              <a:ext uri="{FF2B5EF4-FFF2-40B4-BE49-F238E27FC236}">
+                <a16:creationId xmlns:a16="http://schemas.microsoft.com/office/drawing/2014/main" id="{589F6BFC-861C-F029-AE01-E030A88A75D6}"/>
+              </a:ext>
+            </a:extLst>
+          </p:cNvPr>
+          <p:cNvCxnSpPr>
+            <a:cxnSpLocks/>
+            <a:stCxn id="28" idx="6"/>
+            <a:endCxn id="32" idx="2"/>
+          </p:cNvCxnSpPr>
+          <p:nvPr/>
+        </p:nvCxnSpPr>
+        <p:spPr>
+          <a:xfrm>
+            <a:off x="8497188" y="3148571"/>
+            <a:ext cx="1561212" cy="99317"/>
+          </a:xfrm>
+          <a:prstGeom prst="straightConnector1">
+            <a:avLst/>
+          </a:prstGeom>
+          <a:ln>
+            <a:tailEnd type="triangle"/>
+          </a:ln>
+        </p:spPr>
+        <p:style>
+          <a:lnRef idx="2">
+            <a:schemeClr val="accent1"/>
+          </a:lnRef>
+          <a:fillRef idx="0">
+            <a:schemeClr val="accent1"/>
+          </a:fillRef>
+          <a:effectRef idx="1">
+            <a:schemeClr val="accent1"/>
+          </a:effectRef>
+          <a:fontRef idx="minor">
+            <a:schemeClr val="tx1"/>
+          </a:fontRef>
+        </p:style>
+      </p:cxnSp>
+      <p:cxnSp>
+        <p:nvCxnSpPr>
+          <p:cNvPr id="115" name="Straight Arrow Connector 114">
+            <a:extLst>
+              <a:ext uri="{FF2B5EF4-FFF2-40B4-BE49-F238E27FC236}">
+                <a16:creationId xmlns:a16="http://schemas.microsoft.com/office/drawing/2014/main" id="{19F4E795-58AD-002B-6728-FEF8BB6BB77F}"/>
+              </a:ext>
+            </a:extLst>
+          </p:cNvPr>
+          <p:cNvCxnSpPr>
+            <a:cxnSpLocks/>
+            <a:stCxn id="29" idx="6"/>
+            <a:endCxn id="32" idx="2"/>
+          </p:cNvCxnSpPr>
+          <p:nvPr/>
+        </p:nvCxnSpPr>
+        <p:spPr>
+          <a:xfrm flipV="1">
+            <a:off x="8497188" y="3247888"/>
+            <a:ext cx="1561212" cy="861463"/>
+          </a:xfrm>
+          <a:prstGeom prst="straightConnector1">
+            <a:avLst/>
+          </a:prstGeom>
+          <a:ln>
+            <a:tailEnd type="triangle"/>
+          </a:ln>
+        </p:spPr>
+        <p:style>
+          <a:lnRef idx="2">
+            <a:schemeClr val="accent1"/>
+          </a:lnRef>
+          <a:fillRef idx="0">
+            <a:schemeClr val="accent1"/>
+          </a:fillRef>
+          <a:effectRef idx="1">
+            <a:schemeClr val="accent1"/>
+          </a:effectRef>
+          <a:fontRef idx="minor">
+            <a:schemeClr val="tx1"/>
+          </a:fontRef>
+        </p:style>
+      </p:cxnSp>
+      <p:cxnSp>
+        <p:nvCxnSpPr>
+          <p:cNvPr id="118" name="Straight Arrow Connector 117">
+            <a:extLst>
+              <a:ext uri="{FF2B5EF4-FFF2-40B4-BE49-F238E27FC236}">
+                <a16:creationId xmlns:a16="http://schemas.microsoft.com/office/drawing/2014/main" id="{281E4401-5EAF-51DB-8B17-D3C7E0BEDDF7}"/>
+              </a:ext>
+            </a:extLst>
+          </p:cNvPr>
+          <p:cNvCxnSpPr>
+            <a:cxnSpLocks/>
+            <a:endCxn id="32" idx="2"/>
+          </p:cNvCxnSpPr>
+          <p:nvPr/>
+        </p:nvCxnSpPr>
+        <p:spPr>
+          <a:xfrm flipV="1">
+            <a:off x="8903001" y="3247888"/>
+            <a:ext cx="1155399" cy="1921979"/>
+          </a:xfrm>
+          <a:prstGeom prst="straightConnector1">
+            <a:avLst/>
+          </a:prstGeom>
+          <a:ln>
+            <a:tailEnd type="triangle"/>
+          </a:ln>
+        </p:spPr>
+        <p:style>
+          <a:lnRef idx="2">
+            <a:schemeClr val="accent1"/>
+          </a:lnRef>
+          <a:fillRef idx="0">
+            <a:schemeClr val="accent1"/>
+          </a:fillRef>
+          <a:effectRef idx="1">
+            <a:schemeClr val="accent1"/>
+          </a:effectRef>
+          <a:fontRef idx="minor">
+            <a:schemeClr val="tx1"/>
+          </a:fontRef>
+        </p:style>
+      </p:cxnSp>
+      <p:sp>
+        <p:nvSpPr>
+          <p:cNvPr id="121" name="TextBox 120">
+            <a:extLst>
+              <a:ext uri="{FF2B5EF4-FFF2-40B4-BE49-F238E27FC236}">
+                <a16:creationId xmlns:a16="http://schemas.microsoft.com/office/drawing/2014/main" id="{15CD4A9C-7E17-7B27-479E-773A6A03DDD6}"/>
+              </a:ext>
+            </a:extLst>
+          </p:cNvPr>
+          <p:cNvSpPr txBox="1"/>
+          <p:nvPr/>
+        </p:nvSpPr>
+        <p:spPr>
+          <a:xfrm>
+            <a:off x="8046193" y="4486188"/>
+            <a:ext cx="1307804" cy="369332"/>
+          </a:xfrm>
+          <a:prstGeom prst="rect">
+            <a:avLst/>
+          </a:prstGeom>
+          <a:noFill/>
+        </p:spPr>
+        <p:txBody>
+          <a:bodyPr wrap="square" rtlCol="0">
+            <a:spAutoFit/>
+          </a:bodyPr>
+          <a:lstStyle/>
+          <a:p>
+            <a:r>
+              <a:rPr lang="en-US" dirty="0"/>
+              <a:t>…</a:t>
+            </a:r>
+          </a:p>
+        </p:txBody>
+      </p:sp>
+      <p:cxnSp>
+        <p:nvCxnSpPr>
+          <p:cNvPr id="122" name="Straight Arrow Connector 121">
+            <a:extLst>
+              <a:ext uri="{FF2B5EF4-FFF2-40B4-BE49-F238E27FC236}">
+                <a16:creationId xmlns:a16="http://schemas.microsoft.com/office/drawing/2014/main" id="{4B2BBB05-8506-18CF-5E4E-09B39FF866D4}"/>
+              </a:ext>
+            </a:extLst>
+          </p:cNvPr>
+          <p:cNvCxnSpPr>
+            <a:cxnSpLocks/>
+            <a:stCxn id="7" idx="6"/>
+            <a:endCxn id="12" idx="2"/>
+          </p:cNvCxnSpPr>
+          <p:nvPr/>
+        </p:nvCxnSpPr>
+        <p:spPr>
+          <a:xfrm flipV="1">
+            <a:off x="1382233" y="1263504"/>
+            <a:ext cx="2052083" cy="1515289"/>
+          </a:xfrm>
+          <a:prstGeom prst="straightConnector1">
+            <a:avLst/>
+          </a:prstGeom>
+          <a:ln>
+            <a:tailEnd type="triangle"/>
+          </a:ln>
+        </p:spPr>
+        <p:style>
+          <a:lnRef idx="2">
+            <a:schemeClr val="accent1"/>
+          </a:lnRef>
+          <a:fillRef idx="0">
+            <a:schemeClr val="accent1"/>
+          </a:fillRef>
+          <a:effectRef idx="1">
+            <a:schemeClr val="accent1"/>
+          </a:effectRef>
+          <a:fontRef idx="minor">
+            <a:schemeClr val="tx1"/>
+          </a:fontRef>
+        </p:style>
+      </p:cxnSp>
+      <p:cxnSp>
+        <p:nvCxnSpPr>
+          <p:cNvPr id="125" name="Straight Arrow Connector 124">
+            <a:extLst>
+              <a:ext uri="{FF2B5EF4-FFF2-40B4-BE49-F238E27FC236}">
+                <a16:creationId xmlns:a16="http://schemas.microsoft.com/office/drawing/2014/main" id="{142ECC08-954A-5119-2F39-3D8FA13AF68D}"/>
+              </a:ext>
+            </a:extLst>
+          </p:cNvPr>
+          <p:cNvCxnSpPr>
+            <a:cxnSpLocks/>
+            <a:stCxn id="7" idx="6"/>
+            <a:endCxn id="13" idx="2"/>
+          </p:cNvCxnSpPr>
+          <p:nvPr/>
+        </p:nvCxnSpPr>
+        <p:spPr>
+          <a:xfrm flipV="1">
+            <a:off x="1382233" y="2300327"/>
+            <a:ext cx="2052083" cy="478466"/>
+          </a:xfrm>
+          <a:prstGeom prst="straightConnector1">
+            <a:avLst/>
+          </a:prstGeom>
+          <a:ln>
+            <a:tailEnd type="triangle"/>
+          </a:ln>
+        </p:spPr>
+        <p:style>
+          <a:lnRef idx="2">
+            <a:schemeClr val="accent1"/>
+          </a:lnRef>
+          <a:fillRef idx="0">
+            <a:schemeClr val="accent1"/>
+          </a:fillRef>
+          <a:effectRef idx="1">
+            <a:schemeClr val="accent1"/>
+          </a:effectRef>
+          <a:fontRef idx="minor">
+            <a:schemeClr val="tx1"/>
+          </a:fontRef>
+        </p:style>
+      </p:cxnSp>
+      <p:cxnSp>
+        <p:nvCxnSpPr>
+          <p:cNvPr id="128" name="Straight Arrow Connector 127">
+            <a:extLst>
+              <a:ext uri="{FF2B5EF4-FFF2-40B4-BE49-F238E27FC236}">
+                <a16:creationId xmlns:a16="http://schemas.microsoft.com/office/drawing/2014/main" id="{E037EE2D-132D-2F63-893E-088BDCEFB126}"/>
+              </a:ext>
+            </a:extLst>
+          </p:cNvPr>
+          <p:cNvCxnSpPr>
+            <a:cxnSpLocks/>
+            <a:stCxn id="7" idx="6"/>
+            <a:endCxn id="14" idx="2"/>
+          </p:cNvCxnSpPr>
+          <p:nvPr/>
+        </p:nvCxnSpPr>
+        <p:spPr>
+          <a:xfrm>
+            <a:off x="1382233" y="2778793"/>
+            <a:ext cx="2052083" cy="650207"/>
+          </a:xfrm>
+          <a:prstGeom prst="straightConnector1">
+            <a:avLst/>
+          </a:prstGeom>
+          <a:ln>
+            <a:tailEnd type="triangle"/>
+          </a:ln>
+        </p:spPr>
+        <p:style>
+          <a:lnRef idx="2">
+            <a:schemeClr val="accent1"/>
+          </a:lnRef>
+          <a:fillRef idx="0">
+            <a:schemeClr val="accent1"/>
+          </a:fillRef>
+          <a:effectRef idx="1">
+            <a:schemeClr val="accent1"/>
+          </a:effectRef>
+          <a:fontRef idx="minor">
+            <a:schemeClr val="tx1"/>
+          </a:fontRef>
+        </p:style>
+      </p:cxnSp>
+      <p:cxnSp>
+        <p:nvCxnSpPr>
+          <p:cNvPr id="131" name="Straight Arrow Connector 130">
+            <a:extLst>
+              <a:ext uri="{FF2B5EF4-FFF2-40B4-BE49-F238E27FC236}">
+                <a16:creationId xmlns:a16="http://schemas.microsoft.com/office/drawing/2014/main" id="{81E1908F-1D82-D989-3FE9-3505FADB055E}"/>
+              </a:ext>
+            </a:extLst>
+          </p:cNvPr>
+          <p:cNvCxnSpPr>
+            <a:cxnSpLocks/>
+            <a:stCxn id="7" idx="6"/>
+            <a:endCxn id="16" idx="2"/>
+          </p:cNvCxnSpPr>
+          <p:nvPr/>
+        </p:nvCxnSpPr>
+        <p:spPr>
+          <a:xfrm>
+            <a:off x="1382233" y="2778793"/>
+            <a:ext cx="1977655" cy="2344145"/>
+          </a:xfrm>
+          <a:prstGeom prst="straightConnector1">
+            <a:avLst/>
+          </a:prstGeom>
+          <a:ln>
+            <a:tailEnd type="triangle"/>
+          </a:ln>
+        </p:spPr>
+        <p:style>
+          <a:lnRef idx="2">
+            <a:schemeClr val="accent1"/>
+          </a:lnRef>
+          <a:fillRef idx="0">
+            <a:schemeClr val="accent1"/>
+          </a:fillRef>
+          <a:effectRef idx="1">
+            <a:schemeClr val="accent1"/>
+          </a:effectRef>
+          <a:fontRef idx="minor">
+            <a:schemeClr val="tx1"/>
+          </a:fontRef>
+        </p:style>
+      </p:cxnSp>
+      <p:cxnSp>
+        <p:nvCxnSpPr>
+          <p:cNvPr id="134" name="Straight Arrow Connector 133">
+            <a:extLst>
+              <a:ext uri="{FF2B5EF4-FFF2-40B4-BE49-F238E27FC236}">
+                <a16:creationId xmlns:a16="http://schemas.microsoft.com/office/drawing/2014/main" id="{9D21D416-3BCA-CF81-8EB7-4D9E035DBCF2}"/>
+              </a:ext>
+            </a:extLst>
+          </p:cNvPr>
+          <p:cNvCxnSpPr>
+            <a:cxnSpLocks/>
+            <a:stCxn id="8" idx="6"/>
+            <a:endCxn id="12" idx="2"/>
+          </p:cNvCxnSpPr>
+          <p:nvPr/>
+        </p:nvCxnSpPr>
+        <p:spPr>
+          <a:xfrm flipV="1">
+            <a:off x="1382233" y="1263504"/>
+            <a:ext cx="2052083" cy="2825167"/>
+          </a:xfrm>
+          <a:prstGeom prst="straightConnector1">
+            <a:avLst/>
+          </a:prstGeom>
+          <a:ln>
+            <a:tailEnd type="triangle"/>
+          </a:ln>
+        </p:spPr>
+        <p:style>
+          <a:lnRef idx="2">
+            <a:schemeClr val="accent1"/>
+          </a:lnRef>
+          <a:fillRef idx="0">
+            <a:schemeClr val="accent1"/>
+          </a:fillRef>
+          <a:effectRef idx="1">
+            <a:schemeClr val="accent1"/>
+          </a:effectRef>
+          <a:fontRef idx="minor">
+            <a:schemeClr val="tx1"/>
+          </a:fontRef>
+        </p:style>
+      </p:cxnSp>
+      <p:cxnSp>
+        <p:nvCxnSpPr>
+          <p:cNvPr id="137" name="Straight Arrow Connector 136">
+            <a:extLst>
+              <a:ext uri="{FF2B5EF4-FFF2-40B4-BE49-F238E27FC236}">
+                <a16:creationId xmlns:a16="http://schemas.microsoft.com/office/drawing/2014/main" id="{BCAFBD2F-07D5-D4B3-C251-1646029FB651}"/>
+              </a:ext>
+            </a:extLst>
+          </p:cNvPr>
+          <p:cNvCxnSpPr>
+            <a:cxnSpLocks/>
+            <a:stCxn id="8" idx="6"/>
+            <a:endCxn id="13" idx="2"/>
+          </p:cNvCxnSpPr>
+          <p:nvPr/>
+        </p:nvCxnSpPr>
+        <p:spPr>
+          <a:xfrm flipV="1">
+            <a:off x="1382233" y="2300327"/>
+            <a:ext cx="2052083" cy="1788344"/>
+          </a:xfrm>
+          <a:prstGeom prst="straightConnector1">
+            <a:avLst/>
+          </a:prstGeom>
+          <a:ln>
+            <a:tailEnd type="triangle"/>
+          </a:ln>
+        </p:spPr>
+        <p:style>
+          <a:lnRef idx="2">
+            <a:schemeClr val="accent1"/>
+          </a:lnRef>
+          <a:fillRef idx="0">
+            <a:schemeClr val="accent1"/>
+          </a:fillRef>
+          <a:effectRef idx="1">
+            <a:schemeClr val="accent1"/>
+          </a:effectRef>
+          <a:fontRef idx="minor">
+            <a:schemeClr val="tx1"/>
+          </a:fontRef>
+        </p:style>
+      </p:cxnSp>
+      <p:cxnSp>
+        <p:nvCxnSpPr>
+          <p:cNvPr id="140" name="Straight Arrow Connector 139">
+            <a:extLst>
+              <a:ext uri="{FF2B5EF4-FFF2-40B4-BE49-F238E27FC236}">
+                <a16:creationId xmlns:a16="http://schemas.microsoft.com/office/drawing/2014/main" id="{C5ABDA09-508E-1B4A-B254-E8AA43E41E5A}"/>
+              </a:ext>
+            </a:extLst>
+          </p:cNvPr>
+          <p:cNvCxnSpPr>
+            <a:cxnSpLocks/>
+            <a:stCxn id="8" idx="6"/>
+            <a:endCxn id="14" idx="2"/>
+          </p:cNvCxnSpPr>
+          <p:nvPr/>
+        </p:nvCxnSpPr>
+        <p:spPr>
+          <a:xfrm flipV="1">
+            <a:off x="1382233" y="3429000"/>
+            <a:ext cx="2052083" cy="659671"/>
+          </a:xfrm>
+          <a:prstGeom prst="straightConnector1">
+            <a:avLst/>
+          </a:prstGeom>
+          <a:ln>
+            <a:tailEnd type="triangle"/>
+          </a:ln>
+        </p:spPr>
+        <p:style>
+          <a:lnRef idx="2">
+            <a:schemeClr val="accent1"/>
+          </a:lnRef>
+          <a:fillRef idx="0">
+            <a:schemeClr val="accent1"/>
+          </a:fillRef>
+          <a:effectRef idx="1">
+            <a:schemeClr val="accent1"/>
+          </a:effectRef>
+          <a:fontRef idx="minor">
+            <a:schemeClr val="tx1"/>
+          </a:fontRef>
+        </p:style>
+      </p:cxnSp>
+      <p:cxnSp>
+        <p:nvCxnSpPr>
+          <p:cNvPr id="144" name="Straight Arrow Connector 143">
+            <a:extLst>
+              <a:ext uri="{FF2B5EF4-FFF2-40B4-BE49-F238E27FC236}">
+                <a16:creationId xmlns:a16="http://schemas.microsoft.com/office/drawing/2014/main" id="{5454F52D-6426-D8A9-FC1F-3832644B8BE7}"/>
+              </a:ext>
+            </a:extLst>
+          </p:cNvPr>
+          <p:cNvCxnSpPr>
+            <a:cxnSpLocks/>
+            <a:endCxn id="16" idx="2"/>
+          </p:cNvCxnSpPr>
+          <p:nvPr/>
+        </p:nvCxnSpPr>
+        <p:spPr>
+          <a:xfrm>
+            <a:off x="1392866" y="4088671"/>
+            <a:ext cx="1967022" cy="1034267"/>
+          </a:xfrm>
+          <a:prstGeom prst="straightConnector1">
+            <a:avLst/>
+          </a:prstGeom>
+          <a:ln>
+            <a:tailEnd type="triangle"/>
+          </a:ln>
+        </p:spPr>
+        <p:style>
+          <a:lnRef idx="2">
+            <a:schemeClr val="accent1"/>
+          </a:lnRef>
+          <a:fillRef idx="0">
+            <a:schemeClr val="accent1"/>
+          </a:fillRef>
+          <a:effectRef idx="1">
+            <a:schemeClr val="accent1"/>
+          </a:effectRef>
+          <a:fontRef idx="minor">
+            <a:schemeClr val="tx1"/>
+          </a:fontRef>
+        </p:style>
+      </p:cxnSp>
+      <p:cxnSp>
+        <p:nvCxnSpPr>
+          <p:cNvPr id="147" name="Straight Arrow Connector 146">
+            <a:extLst>
+              <a:ext uri="{FF2B5EF4-FFF2-40B4-BE49-F238E27FC236}">
+                <a16:creationId xmlns:a16="http://schemas.microsoft.com/office/drawing/2014/main" id="{7751CB1A-D5FD-E8B3-CB29-38CCDACFC176}"/>
+              </a:ext>
+            </a:extLst>
+          </p:cNvPr>
+          <p:cNvCxnSpPr>
+            <a:cxnSpLocks/>
+            <a:stCxn id="13" idx="6"/>
+            <a:endCxn id="18" idx="2"/>
+          </p:cNvCxnSpPr>
+          <p:nvPr/>
+        </p:nvCxnSpPr>
+        <p:spPr>
+          <a:xfrm flipV="1">
+            <a:off x="3955312" y="1263504"/>
+            <a:ext cx="1456659" cy="1036823"/>
+          </a:xfrm>
+          <a:prstGeom prst="straightConnector1">
+            <a:avLst/>
+          </a:prstGeom>
+          <a:ln>
+            <a:tailEnd type="triangle"/>
+          </a:ln>
+        </p:spPr>
+        <p:style>
+          <a:lnRef idx="2">
+            <a:schemeClr val="accent1"/>
+          </a:lnRef>
+          <a:fillRef idx="0">
+            <a:schemeClr val="accent1"/>
+          </a:fillRef>
+          <a:effectRef idx="1">
+            <a:schemeClr val="accent1"/>
+          </a:effectRef>
+          <a:fontRef idx="minor">
+            <a:schemeClr val="tx1"/>
+          </a:fontRef>
+        </p:style>
+      </p:cxnSp>
+      <p:cxnSp>
+        <p:nvCxnSpPr>
+          <p:cNvPr id="150" name="Straight Arrow Connector 149">
+            <a:extLst>
+              <a:ext uri="{FF2B5EF4-FFF2-40B4-BE49-F238E27FC236}">
+                <a16:creationId xmlns:a16="http://schemas.microsoft.com/office/drawing/2014/main" id="{642694A6-B724-3633-4BFB-92B5041C9D65}"/>
+              </a:ext>
+            </a:extLst>
+          </p:cNvPr>
+          <p:cNvCxnSpPr>
+            <a:cxnSpLocks/>
+            <a:stCxn id="13" idx="6"/>
+            <a:endCxn id="19" idx="2"/>
+          </p:cNvCxnSpPr>
+          <p:nvPr/>
+        </p:nvCxnSpPr>
+        <p:spPr>
+          <a:xfrm flipV="1">
+            <a:off x="3955312" y="2085316"/>
+            <a:ext cx="1456659" cy="215011"/>
+          </a:xfrm>
+          <a:prstGeom prst="straightConnector1">
+            <a:avLst/>
+          </a:prstGeom>
+          <a:ln>
+            <a:tailEnd type="triangle"/>
+          </a:ln>
+        </p:spPr>
+        <p:style>
+          <a:lnRef idx="2">
+            <a:schemeClr val="accent1"/>
+          </a:lnRef>
+          <a:fillRef idx="0">
+            <a:schemeClr val="accent1"/>
+          </a:fillRef>
+          <a:effectRef idx="1">
+            <a:schemeClr val="accent1"/>
+          </a:effectRef>
+          <a:fontRef idx="minor">
+            <a:schemeClr val="tx1"/>
+          </a:fontRef>
+        </p:style>
+      </p:cxnSp>
+      <p:cxnSp>
+        <p:nvCxnSpPr>
+          <p:cNvPr id="153" name="Straight Arrow Connector 152">
+            <a:extLst>
+              <a:ext uri="{FF2B5EF4-FFF2-40B4-BE49-F238E27FC236}">
+                <a16:creationId xmlns:a16="http://schemas.microsoft.com/office/drawing/2014/main" id="{BBE07FFA-4DA1-D399-B20A-13465775A445}"/>
+              </a:ext>
+            </a:extLst>
+          </p:cNvPr>
+          <p:cNvCxnSpPr>
+            <a:cxnSpLocks/>
+            <a:stCxn id="13" idx="6"/>
+            <a:endCxn id="20" idx="2"/>
+          </p:cNvCxnSpPr>
+          <p:nvPr/>
+        </p:nvCxnSpPr>
+        <p:spPr>
+          <a:xfrm>
+            <a:off x="3955312" y="2300327"/>
+            <a:ext cx="1440710" cy="650207"/>
+          </a:xfrm>
+          <a:prstGeom prst="straightConnector1">
+            <a:avLst/>
+          </a:prstGeom>
+          <a:ln>
+            <a:tailEnd type="triangle"/>
+          </a:ln>
+        </p:spPr>
+        <p:style>
+          <a:lnRef idx="2">
+            <a:schemeClr val="accent1"/>
+          </a:lnRef>
+          <a:fillRef idx="0">
+            <a:schemeClr val="accent1"/>
+          </a:fillRef>
+          <a:effectRef idx="1">
+            <a:schemeClr val="accent1"/>
+          </a:effectRef>
+          <a:fontRef idx="minor">
+            <a:schemeClr val="tx1"/>
+          </a:fontRef>
+        </p:style>
+      </p:cxnSp>
+      <p:cxnSp>
+        <p:nvCxnSpPr>
+          <p:cNvPr id="157" name="Straight Arrow Connector 156">
+            <a:extLst>
+              <a:ext uri="{FF2B5EF4-FFF2-40B4-BE49-F238E27FC236}">
+                <a16:creationId xmlns:a16="http://schemas.microsoft.com/office/drawing/2014/main" id="{D3BB8612-E786-43E9-13CA-493E1F7FCE58}"/>
+              </a:ext>
+            </a:extLst>
+          </p:cNvPr>
+          <p:cNvCxnSpPr>
+            <a:cxnSpLocks/>
+            <a:stCxn id="13" idx="6"/>
+            <a:endCxn id="21" idx="2"/>
+          </p:cNvCxnSpPr>
+          <p:nvPr/>
+        </p:nvCxnSpPr>
+        <p:spPr>
+          <a:xfrm>
+            <a:off x="3955312" y="2300327"/>
+            <a:ext cx="1456659" cy="1549111"/>
+          </a:xfrm>
+          <a:prstGeom prst="straightConnector1">
+            <a:avLst/>
+          </a:prstGeom>
+          <a:ln>
+            <a:tailEnd type="triangle"/>
+          </a:ln>
+        </p:spPr>
+        <p:style>
+          <a:lnRef idx="2">
+            <a:schemeClr val="accent1"/>
+          </a:lnRef>
+          <a:fillRef idx="0">
+            <a:schemeClr val="accent1"/>
+          </a:fillRef>
+          <a:effectRef idx="1">
+            <a:schemeClr val="accent1"/>
+          </a:effectRef>
+          <a:fontRef idx="minor">
+            <a:schemeClr val="tx1"/>
+          </a:fontRef>
+        </p:style>
+      </p:cxnSp>
+      <p:cxnSp>
+        <p:nvCxnSpPr>
+          <p:cNvPr id="160" name="Straight Arrow Connector 159">
+            <a:extLst>
+              <a:ext uri="{FF2B5EF4-FFF2-40B4-BE49-F238E27FC236}">
+                <a16:creationId xmlns:a16="http://schemas.microsoft.com/office/drawing/2014/main" id="{E2CC9A53-28F6-07D3-07F2-9AF3BAF2E783}"/>
+              </a:ext>
+            </a:extLst>
+          </p:cNvPr>
+          <p:cNvCxnSpPr>
+            <a:cxnSpLocks/>
+            <a:stCxn id="13" idx="6"/>
+            <a:endCxn id="22" idx="2"/>
+          </p:cNvCxnSpPr>
+          <p:nvPr/>
+        </p:nvCxnSpPr>
+        <p:spPr>
+          <a:xfrm>
+            <a:off x="3955312" y="2300327"/>
+            <a:ext cx="1456658" cy="3074000"/>
+          </a:xfrm>
+          <a:prstGeom prst="straightConnector1">
+            <a:avLst/>
+          </a:prstGeom>
+          <a:ln>
+            <a:tailEnd type="triangle"/>
+          </a:ln>
+        </p:spPr>
+        <p:style>
+          <a:lnRef idx="2">
+            <a:schemeClr val="accent1"/>
+          </a:lnRef>
+          <a:fillRef idx="0">
+            <a:schemeClr val="accent1"/>
+          </a:fillRef>
+          <a:effectRef idx="1">
+            <a:schemeClr val="accent1"/>
+          </a:effectRef>
+          <a:fontRef idx="minor">
+            <a:schemeClr val="tx1"/>
+          </a:fontRef>
+        </p:style>
+      </p:cxnSp>
+      <p:cxnSp>
+        <p:nvCxnSpPr>
+          <p:cNvPr id="163" name="Straight Arrow Connector 162">
+            <a:extLst>
+              <a:ext uri="{FF2B5EF4-FFF2-40B4-BE49-F238E27FC236}">
+                <a16:creationId xmlns:a16="http://schemas.microsoft.com/office/drawing/2014/main" id="{8E3EEA39-2AB6-F32A-32C3-BCBFA72F7267}"/>
+              </a:ext>
+            </a:extLst>
+          </p:cNvPr>
+          <p:cNvCxnSpPr>
+            <a:cxnSpLocks/>
+            <a:stCxn id="14" idx="6"/>
+            <a:endCxn id="18" idx="2"/>
+          </p:cNvCxnSpPr>
+          <p:nvPr/>
+        </p:nvCxnSpPr>
+        <p:spPr>
+          <a:xfrm flipV="1">
+            <a:off x="3955312" y="1263504"/>
+            <a:ext cx="1456659" cy="2165496"/>
+          </a:xfrm>
+          <a:prstGeom prst="straightConnector1">
+            <a:avLst/>
+          </a:prstGeom>
+          <a:ln>
+            <a:tailEnd type="triangle"/>
+          </a:ln>
+        </p:spPr>
+        <p:style>
+          <a:lnRef idx="2">
+            <a:schemeClr val="accent1"/>
+          </a:lnRef>
+          <a:fillRef idx="0">
+            <a:schemeClr val="accent1"/>
+          </a:fillRef>
+          <a:effectRef idx="1">
+            <a:schemeClr val="accent1"/>
+          </a:effectRef>
+          <a:fontRef idx="minor">
+            <a:schemeClr val="tx1"/>
+          </a:fontRef>
+        </p:style>
+      </p:cxnSp>
+      <p:cxnSp>
+        <p:nvCxnSpPr>
+          <p:cNvPr id="166" name="Straight Arrow Connector 165">
+            <a:extLst>
+              <a:ext uri="{FF2B5EF4-FFF2-40B4-BE49-F238E27FC236}">
+                <a16:creationId xmlns:a16="http://schemas.microsoft.com/office/drawing/2014/main" id="{E1E4D3C9-21F6-CDAE-3FC9-25B83C8539F7}"/>
+              </a:ext>
+            </a:extLst>
+          </p:cNvPr>
+          <p:cNvCxnSpPr>
+            <a:cxnSpLocks/>
+            <a:stCxn id="14" idx="6"/>
+            <a:endCxn id="19" idx="2"/>
+          </p:cNvCxnSpPr>
+          <p:nvPr/>
+        </p:nvCxnSpPr>
+        <p:spPr>
+          <a:xfrm flipV="1">
+            <a:off x="3955312" y="2085316"/>
+            <a:ext cx="1456659" cy="1343684"/>
+          </a:xfrm>
+          <a:prstGeom prst="straightConnector1">
+            <a:avLst/>
+          </a:prstGeom>
+          <a:ln>
+            <a:tailEnd type="triangle"/>
+          </a:ln>
+        </p:spPr>
+        <p:style>
+          <a:lnRef idx="2">
+            <a:schemeClr val="accent1"/>
+          </a:lnRef>
+          <a:fillRef idx="0">
+            <a:schemeClr val="accent1"/>
+          </a:fillRef>
+          <a:effectRef idx="1">
+            <a:schemeClr val="accent1"/>
+          </a:effectRef>
+          <a:fontRef idx="minor">
+            <a:schemeClr val="tx1"/>
+          </a:fontRef>
+        </p:style>
+      </p:cxnSp>
+      <p:cxnSp>
+        <p:nvCxnSpPr>
+          <p:cNvPr id="169" name="Straight Arrow Connector 168">
+            <a:extLst>
+              <a:ext uri="{FF2B5EF4-FFF2-40B4-BE49-F238E27FC236}">
+                <a16:creationId xmlns:a16="http://schemas.microsoft.com/office/drawing/2014/main" id="{20D76B6E-674A-71C9-D5C1-C00F1945D92A}"/>
+              </a:ext>
+            </a:extLst>
+          </p:cNvPr>
+          <p:cNvCxnSpPr>
+            <a:cxnSpLocks/>
+            <a:stCxn id="14" idx="6"/>
+            <a:endCxn id="20" idx="2"/>
+          </p:cNvCxnSpPr>
+          <p:nvPr/>
+        </p:nvCxnSpPr>
+        <p:spPr>
+          <a:xfrm flipV="1">
+            <a:off x="3955312" y="2950534"/>
+            <a:ext cx="1440710" cy="478466"/>
+          </a:xfrm>
+          <a:prstGeom prst="straightConnector1">
+            <a:avLst/>
+          </a:prstGeom>
+          <a:ln>
+            <a:tailEnd type="triangle"/>
+          </a:ln>
+        </p:spPr>
+        <p:style>
+          <a:lnRef idx="2">
+            <a:schemeClr val="accent1"/>
+          </a:lnRef>
+          <a:fillRef idx="0">
+            <a:schemeClr val="accent1"/>
+          </a:fillRef>
+          <a:effectRef idx="1">
+            <a:schemeClr val="accent1"/>
+          </a:effectRef>
+          <a:fontRef idx="minor">
+            <a:schemeClr val="tx1"/>
+          </a:fontRef>
+        </p:style>
+      </p:cxnSp>
+      <p:cxnSp>
+        <p:nvCxnSpPr>
+          <p:cNvPr id="173" name="Straight Arrow Connector 172">
+            <a:extLst>
+              <a:ext uri="{FF2B5EF4-FFF2-40B4-BE49-F238E27FC236}">
+                <a16:creationId xmlns:a16="http://schemas.microsoft.com/office/drawing/2014/main" id="{9E4D126A-CD3E-B046-E7E9-D87A1A115CE2}"/>
+              </a:ext>
+            </a:extLst>
+          </p:cNvPr>
+          <p:cNvCxnSpPr>
+            <a:cxnSpLocks/>
+            <a:stCxn id="14" idx="6"/>
+            <a:endCxn id="21" idx="2"/>
+          </p:cNvCxnSpPr>
+          <p:nvPr/>
+        </p:nvCxnSpPr>
+        <p:spPr>
+          <a:xfrm>
+            <a:off x="3955312" y="3429000"/>
+            <a:ext cx="1456659" cy="420438"/>
+          </a:xfrm>
+          <a:prstGeom prst="straightConnector1">
+            <a:avLst/>
+          </a:prstGeom>
+          <a:ln>
+            <a:tailEnd type="triangle"/>
+          </a:ln>
+        </p:spPr>
+        <p:style>
+          <a:lnRef idx="2">
+            <a:schemeClr val="accent1"/>
+          </a:lnRef>
+          <a:fillRef idx="0">
+            <a:schemeClr val="accent1"/>
+          </a:fillRef>
+          <a:effectRef idx="1">
+            <a:schemeClr val="accent1"/>
+          </a:effectRef>
+          <a:fontRef idx="minor">
+            <a:schemeClr val="tx1"/>
+          </a:fontRef>
+        </p:style>
+      </p:cxnSp>
+      <p:cxnSp>
+        <p:nvCxnSpPr>
+          <p:cNvPr id="176" name="Straight Arrow Connector 175">
+            <a:extLst>
+              <a:ext uri="{FF2B5EF4-FFF2-40B4-BE49-F238E27FC236}">
+                <a16:creationId xmlns:a16="http://schemas.microsoft.com/office/drawing/2014/main" id="{4962CAE8-A098-30B7-A32B-16D9F7643B51}"/>
+              </a:ext>
+            </a:extLst>
+          </p:cNvPr>
+          <p:cNvCxnSpPr>
+            <a:cxnSpLocks/>
+            <a:stCxn id="14" idx="6"/>
+            <a:endCxn id="22" idx="2"/>
+          </p:cNvCxnSpPr>
+          <p:nvPr/>
+        </p:nvCxnSpPr>
+        <p:spPr>
+          <a:xfrm>
+            <a:off x="3955312" y="3429000"/>
+            <a:ext cx="1456658" cy="1945327"/>
+          </a:xfrm>
+          <a:prstGeom prst="straightConnector1">
+            <a:avLst/>
+          </a:prstGeom>
+          <a:ln>
+            <a:tailEnd type="triangle"/>
+          </a:ln>
+        </p:spPr>
+        <p:style>
+          <a:lnRef idx="2">
+            <a:schemeClr val="accent1"/>
+          </a:lnRef>
+          <a:fillRef idx="0">
+            <a:schemeClr val="accent1"/>
+          </a:fillRef>
+          <a:effectRef idx="1">
+            <a:schemeClr val="accent1"/>
+          </a:effectRef>
+          <a:fontRef idx="minor">
+            <a:schemeClr val="tx1"/>
+          </a:fontRef>
+        </p:style>
+      </p:cxnSp>
+    </p:spTree>
+    <p:extLst>
+      <p:ext uri="{BB962C8B-B14F-4D97-AF65-F5344CB8AC3E}">
+        <p14:creationId xmlns:p14="http://schemas.microsoft.com/office/powerpoint/2010/main" val="514331009"/>
       </p:ext>
     </p:extLst>
   </p:cSld>
@@ -6769,6 +10442,12 @@
 </file>
 
 <file path=ppt/tags/tag6.xml><?xml version="1.0" encoding="utf-8"?>
+<p:tagLst xmlns:a="http://schemas.openxmlformats.org/drawingml/2006/main" xmlns:r="http://schemas.openxmlformats.org/officeDocument/2006/relationships" xmlns:p="http://schemas.openxmlformats.org/presentationml/2006/main">
+  <p:tag name="THINKCELLSHAPEDONOTDELETE" val="thinkcellActiveDocDoNotDelete"/>
+</p:tagLst>
+</file>
+
+<file path=ppt/tags/tag7.xml><?xml version="1.0" encoding="utf-8"?>
 <p:tagLst xmlns:a="http://schemas.openxmlformats.org/drawingml/2006/main" xmlns:r="http://schemas.openxmlformats.org/officeDocument/2006/relationships" xmlns:p="http://schemas.openxmlformats.org/presentationml/2006/main">
   <p:tag name="THINKCELLSHAPEDONOTDELETE" val="thinkcellActiveDocDoNotDelete"/>
 </p:tagLst>

--- a/categorias en machine learning.pptx
+++ b/categorias en machine learning.pptx
@@ -10,11 +10,12 @@
     <p:sldId id="258" r:id="rId4"/>
     <p:sldId id="259" r:id="rId5"/>
     <p:sldId id="260" r:id="rId6"/>
+    <p:sldId id="261" r:id="rId7"/>
   </p:sldIdLst>
   <p:sldSz cx="12192000" cy="6858000"/>
   <p:notesSz cx="6858000" cy="9144000"/>
   <p:custDataLst>
-    <p:tags r:id="rId7"/>
+    <p:tags r:id="rId8"/>
   </p:custDataLst>
   <p:defaultTextStyle>
     <a:defPPr>
@@ -266,7 +267,7 @@
           <a:p>
             <a:fld id="{9BB5413F-7912-4330-AD11-32B182D60A79}" type="datetimeFigureOut">
               <a:rPr lang="en-US" smtClean="0"/>
-              <a:t>8/12/2024</a:t>
+              <a:t>8/14/2024</a:t>
             </a:fld>
             <a:endParaRPr lang="en-US"/>
           </a:p>
@@ -464,7 +465,7 @@
           <a:p>
             <a:fld id="{9BB5413F-7912-4330-AD11-32B182D60A79}" type="datetimeFigureOut">
               <a:rPr lang="en-US" smtClean="0"/>
-              <a:t>8/12/2024</a:t>
+              <a:t>8/14/2024</a:t>
             </a:fld>
             <a:endParaRPr lang="en-US"/>
           </a:p>
@@ -672,7 +673,7 @@
           <a:p>
             <a:fld id="{9BB5413F-7912-4330-AD11-32B182D60A79}" type="datetimeFigureOut">
               <a:rPr lang="en-US" smtClean="0"/>
-              <a:t>8/12/2024</a:t>
+              <a:t>8/14/2024</a:t>
             </a:fld>
             <a:endParaRPr lang="en-US"/>
           </a:p>
@@ -870,7 +871,7 @@
           <a:p>
             <a:fld id="{9BB5413F-7912-4330-AD11-32B182D60A79}" type="datetimeFigureOut">
               <a:rPr lang="en-US" smtClean="0"/>
-              <a:t>8/12/2024</a:t>
+              <a:t>8/14/2024</a:t>
             </a:fld>
             <a:endParaRPr lang="en-US"/>
           </a:p>
@@ -1145,7 +1146,7 @@
           <a:p>
             <a:fld id="{9BB5413F-7912-4330-AD11-32B182D60A79}" type="datetimeFigureOut">
               <a:rPr lang="en-US" smtClean="0"/>
-              <a:t>8/12/2024</a:t>
+              <a:t>8/14/2024</a:t>
             </a:fld>
             <a:endParaRPr lang="en-US"/>
           </a:p>
@@ -1410,7 +1411,7 @@
           <a:p>
             <a:fld id="{9BB5413F-7912-4330-AD11-32B182D60A79}" type="datetimeFigureOut">
               <a:rPr lang="en-US" smtClean="0"/>
-              <a:t>8/12/2024</a:t>
+              <a:t>8/14/2024</a:t>
             </a:fld>
             <a:endParaRPr lang="en-US"/>
           </a:p>
@@ -1822,7 +1823,7 @@
           <a:p>
             <a:fld id="{9BB5413F-7912-4330-AD11-32B182D60A79}" type="datetimeFigureOut">
               <a:rPr lang="en-US" smtClean="0"/>
-              <a:t>8/12/2024</a:t>
+              <a:t>8/14/2024</a:t>
             </a:fld>
             <a:endParaRPr lang="en-US"/>
           </a:p>
@@ -1963,7 +1964,7 @@
           <a:p>
             <a:fld id="{9BB5413F-7912-4330-AD11-32B182D60A79}" type="datetimeFigureOut">
               <a:rPr lang="en-US" smtClean="0"/>
-              <a:t>8/12/2024</a:t>
+              <a:t>8/14/2024</a:t>
             </a:fld>
             <a:endParaRPr lang="en-US"/>
           </a:p>
@@ -2076,7 +2077,7 @@
           <a:p>
             <a:fld id="{9BB5413F-7912-4330-AD11-32B182D60A79}" type="datetimeFigureOut">
               <a:rPr lang="en-US" smtClean="0"/>
-              <a:t>8/12/2024</a:t>
+              <a:t>8/14/2024</a:t>
             </a:fld>
             <a:endParaRPr lang="en-US"/>
           </a:p>
@@ -2387,7 +2388,7 @@
           <a:p>
             <a:fld id="{9BB5413F-7912-4330-AD11-32B182D60A79}" type="datetimeFigureOut">
               <a:rPr lang="en-US" smtClean="0"/>
-              <a:t>8/12/2024</a:t>
+              <a:t>8/14/2024</a:t>
             </a:fld>
             <a:endParaRPr lang="en-US"/>
           </a:p>
@@ -2675,7 +2676,7 @@
           <a:p>
             <a:fld id="{9BB5413F-7912-4330-AD11-32B182D60A79}" type="datetimeFigureOut">
               <a:rPr lang="en-US" smtClean="0"/>
-              <a:t>8/12/2024</a:t>
+              <a:t>8/14/2024</a:t>
             </a:fld>
             <a:endParaRPr lang="en-US"/>
           </a:p>
@@ -2982,7 +2983,7 @@
           <a:p>
             <a:fld id="{9BB5413F-7912-4330-AD11-32B182D60A79}" type="datetimeFigureOut">
               <a:rPr lang="en-US" smtClean="0"/>
-              <a:t>8/12/2024</a:t>
+              <a:t>8/14/2024</a:t>
             </a:fld>
             <a:endParaRPr lang="en-US"/>
           </a:p>
@@ -6710,7 +6711,7 @@
         <p:spPr>
           <a:xfrm>
             <a:off x="53162" y="3684181"/>
-            <a:ext cx="3016987" cy="2585323"/>
+            <a:ext cx="3016987" cy="3139321"/>
           </a:xfrm>
           <a:prstGeom prst="rect">
             <a:avLst/>
@@ -6831,6 +6832,32 @@
               <a:t>)</a:t>
             </a:r>
           </a:p>
+          <a:p>
+            <a:pPr marL="285750" indent="-285750">
+              <a:buFont typeface="Arial" panose="020B0604020202020204" pitchFamily="34" charset="0"/>
+              <a:buChar char="•"/>
+            </a:pPr>
+            <a:r>
+              <a:rPr lang="en-US" dirty="0"/>
+              <a:t>SVR (</a:t>
+            </a:r>
+            <a:r>
+              <a:rPr lang="en-US" dirty="0" err="1"/>
+              <a:t>Máquina</a:t>
+            </a:r>
+            <a:r>
+              <a:rPr lang="en-US" dirty="0"/>
+              <a:t> de </a:t>
+            </a:r>
+            <a:r>
+              <a:rPr lang="en-US" dirty="0" err="1"/>
+              <a:t>Soporte</a:t>
+            </a:r>
+            <a:r>
+              <a:rPr lang="en-US" dirty="0"/>
+              <a:t> Vectorial)</a:t>
+            </a:r>
+          </a:p>
         </p:txBody>
       </p:sp>
       <p:sp>
@@ -6848,7 +6875,7 @@
         <p:spPr>
           <a:xfrm>
             <a:off x="3070149" y="3684181"/>
-            <a:ext cx="3125972" cy="2308324"/>
+            <a:ext cx="3692158" cy="2862322"/>
           </a:xfrm>
           <a:prstGeom prst="rect">
             <a:avLst/>
@@ -6946,6 +6973,46 @@
             <a:r>
               <a:rPr lang="en-US" dirty="0"/>
               <a:t>)</a:t>
+            </a:r>
+          </a:p>
+          <a:p>
+            <a:pPr marL="285750" indent="-285750">
+              <a:buFont typeface="Arial" panose="020B0604020202020204" pitchFamily="34" charset="0"/>
+              <a:buChar char="•"/>
+            </a:pPr>
+            <a:r>
+              <a:rPr lang="en-US" dirty="0"/>
+              <a:t>SVC (</a:t>
+            </a:r>
+            <a:r>
+              <a:rPr lang="en-US" dirty="0" err="1"/>
+              <a:t>Máquinas</a:t>
+            </a:r>
+            <a:r>
+              <a:rPr lang="en-US" dirty="0"/>
+              <a:t> de </a:t>
+            </a:r>
+            <a:r>
+              <a:rPr lang="en-US" dirty="0" err="1"/>
+              <a:t>Soporte</a:t>
+            </a:r>
+            <a:r>
+              <a:rPr lang="en-US" dirty="0"/>
+              <a:t> Vectorial)</a:t>
+            </a:r>
+          </a:p>
+          <a:p>
+            <a:pPr marL="285750" indent="-285750">
+              <a:buFont typeface="Arial" panose="020B0604020202020204" pitchFamily="34" charset="0"/>
+              <a:buChar char="•"/>
+            </a:pPr>
+            <a:r>
+              <a:rPr lang="en-US" dirty="0" err="1"/>
+              <a:t>GaussianNB</a:t>
+            </a:r>
+            <a:r>
+              <a:rPr lang="en-US" dirty="0"/>
+              <a:t> (Naïve Bayes)</a:t>
             </a:r>
           </a:p>
         </p:txBody>
@@ -10411,6 +10478,1016 @@
 </p:sld>
 </file>
 
+<file path=ppt/slides/slide6.xml><?xml version="1.0" encoding="utf-8"?>
+<p:sld xmlns:a="http://schemas.openxmlformats.org/drawingml/2006/main" xmlns:r="http://schemas.openxmlformats.org/officeDocument/2006/relationships" xmlns:p="http://schemas.openxmlformats.org/presentationml/2006/main">
+  <p:cSld>
+    <p:spTree>
+      <p:nvGrpSpPr>
+        <p:cNvPr id="1" name=""/>
+        <p:cNvGrpSpPr/>
+        <p:nvPr/>
+      </p:nvGrpSpPr>
+      <p:grpSpPr>
+        <a:xfrm>
+          <a:off x="0" y="0"/>
+          <a:ext cx="0" cy="0"/>
+          <a:chOff x="0" y="0"/>
+          <a:chExt cx="0" cy="0"/>
+        </a:xfrm>
+      </p:grpSpPr>
+      <p:graphicFrame>
+        <p:nvGraphicFramePr>
+          <p:cNvPr id="4" name="think-cell data - do not delete" hidden="1">
+            <a:extLst>
+              <a:ext uri="{FF2B5EF4-FFF2-40B4-BE49-F238E27FC236}">
+                <a16:creationId xmlns:a16="http://schemas.microsoft.com/office/drawing/2014/main" id="{A530F3A1-99B7-F0FA-2046-7DACB3FC0CEC}"/>
+              </a:ext>
+            </a:extLst>
+          </p:cNvPr>
+          <p:cNvGraphicFramePr>
+            <a:graphicFrameLocks noChangeAspect="1"/>
+          </p:cNvGraphicFramePr>
+          <p:nvPr>
+            <p:custDataLst>
+              <p:tags r:id="rId1"/>
+            </p:custDataLst>
+            <p:extLst>
+              <p:ext uri="{D42A27DB-BD31-4B8C-83A1-F6EECF244321}">
+                <p14:modId xmlns:p14="http://schemas.microsoft.com/office/powerpoint/2010/main" val="3353897792"/>
+              </p:ext>
+            </p:extLst>
+          </p:nvPr>
+        </p:nvGraphicFramePr>
+        <p:xfrm>
+          <a:off x="1588" y="1588"/>
+          <a:ext cx="1588" cy="1588"/>
+        </p:xfrm>
+        <a:graphic>
+          <a:graphicData uri="http://schemas.openxmlformats.org/presentationml/2006/ole">
+            <mc:AlternateContent xmlns:mc="http://schemas.openxmlformats.org/markup-compatibility/2006">
+              <mc:Choice xmlns:v="urn:schemas-microsoft-com:vml" Requires="v">
+                <p:oleObj name="think-cell Slide" r:id="rId3" imgW="395" imgH="394" progId="TCLayout.ActiveDocument.1">
+                  <p:embed/>
+                </p:oleObj>
+              </mc:Choice>
+              <mc:Fallback>
+                <p:oleObj name="think-cell Slide" r:id="rId3" imgW="395" imgH="394" progId="TCLayout.ActiveDocument.1">
+                  <p:embed/>
+                  <p:pic>
+                    <p:nvPicPr>
+                      <p:cNvPr id="0" name=""/>
+                      <p:cNvPicPr/>
+                      <p:nvPr/>
+                    </p:nvPicPr>
+                    <p:blipFill>
+                      <a:blip r:embed="rId4"/>
+                      <a:stretch>
+                        <a:fillRect/>
+                      </a:stretch>
+                    </p:blipFill>
+                    <p:spPr>
+                      <a:xfrm>
+                        <a:off x="1588" y="1588"/>
+                        <a:ext cx="1588" cy="1588"/>
+                      </a:xfrm>
+                      <a:prstGeom prst="rect">
+                        <a:avLst/>
+                      </a:prstGeom>
+                    </p:spPr>
+                  </p:pic>
+                </p:oleObj>
+              </mc:Fallback>
+            </mc:AlternateContent>
+          </a:graphicData>
+        </a:graphic>
+      </p:graphicFrame>
+      <p:sp>
+        <p:nvSpPr>
+          <p:cNvPr id="5" name="Rectangle 4">
+            <a:extLst>
+              <a:ext uri="{FF2B5EF4-FFF2-40B4-BE49-F238E27FC236}">
+                <a16:creationId xmlns:a16="http://schemas.microsoft.com/office/drawing/2014/main" id="{0DB4E0B5-D597-86F0-E426-6ACEA9299471}"/>
+              </a:ext>
+            </a:extLst>
+          </p:cNvPr>
+          <p:cNvSpPr/>
+          <p:nvPr/>
+        </p:nvSpPr>
+        <p:spPr>
+          <a:xfrm>
+            <a:off x="4991987" y="171709"/>
+            <a:ext cx="2360428" cy="786809"/>
+          </a:xfrm>
+          <a:prstGeom prst="rect">
+            <a:avLst/>
+          </a:prstGeom>
+        </p:spPr>
+        <p:style>
+          <a:lnRef idx="2">
+            <a:schemeClr val="accent1">
+              <a:shade val="15000"/>
+            </a:schemeClr>
+          </a:lnRef>
+          <a:fillRef idx="1">
+            <a:schemeClr val="accent1"/>
+          </a:fillRef>
+          <a:effectRef idx="0">
+            <a:schemeClr val="accent1"/>
+          </a:effectRef>
+          <a:fontRef idx="minor">
+            <a:schemeClr val="lt1"/>
+          </a:fontRef>
+        </p:style>
+        <p:txBody>
+          <a:bodyPr rtlCol="0" anchor="ctr"/>
+          <a:lstStyle/>
+          <a:p>
+            <a:pPr algn="ctr"/>
+            <a:r>
+              <a:rPr lang="en-US" dirty="0" err="1"/>
+              <a:t>Seleccionar</a:t>
+            </a:r>
+            <a:r>
+              <a:rPr lang="en-US" dirty="0"/>
+              <a:t> </a:t>
+            </a:r>
+            <a:r>
+              <a:rPr lang="en-US" dirty="0" err="1"/>
+              <a:t>una</a:t>
+            </a:r>
+            <a:r>
+              <a:rPr lang="en-US" dirty="0"/>
+              <a:t> </a:t>
+            </a:r>
+            <a:r>
+              <a:rPr lang="en-US" dirty="0" err="1"/>
+              <a:t>lista</a:t>
+            </a:r>
+            <a:r>
+              <a:rPr lang="en-US" dirty="0"/>
+              <a:t> de </a:t>
+            </a:r>
+            <a:r>
+              <a:rPr lang="en-US" dirty="0" err="1"/>
+              <a:t>modelos</a:t>
+            </a:r>
+            <a:r>
+              <a:rPr lang="en-US" dirty="0"/>
+              <a:t> a </a:t>
+            </a:r>
+            <a:r>
+              <a:rPr lang="en-US" dirty="0" err="1"/>
+              <a:t>probar</a:t>
+            </a:r>
+            <a:endParaRPr lang="en-US" dirty="0"/>
+          </a:p>
+        </p:txBody>
+      </p:sp>
+      <p:grpSp>
+        <p:nvGrpSpPr>
+          <p:cNvPr id="19" name="Group 18">
+            <a:extLst>
+              <a:ext uri="{FF2B5EF4-FFF2-40B4-BE49-F238E27FC236}">
+                <a16:creationId xmlns:a16="http://schemas.microsoft.com/office/drawing/2014/main" id="{EB77EBBB-7F49-44C9-2347-D91BA6A5C640}"/>
+              </a:ext>
+            </a:extLst>
+          </p:cNvPr>
+          <p:cNvGrpSpPr/>
+          <p:nvPr/>
+        </p:nvGrpSpPr>
+        <p:grpSpPr>
+          <a:xfrm>
+            <a:off x="2663453" y="2455776"/>
+            <a:ext cx="7091917" cy="2892401"/>
+            <a:chOff x="2626242" y="1308863"/>
+            <a:chExt cx="7091917" cy="3009014"/>
+          </a:xfrm>
+        </p:grpSpPr>
+        <p:sp>
+          <p:nvSpPr>
+            <p:cNvPr id="6" name="Rectangle 5">
+              <a:extLst>
+                <a:ext uri="{FF2B5EF4-FFF2-40B4-BE49-F238E27FC236}">
+                  <a16:creationId xmlns:a16="http://schemas.microsoft.com/office/drawing/2014/main" id="{BB3B1A00-8F7A-C099-83F4-1B30EA9FD809}"/>
+                </a:ext>
+              </a:extLst>
+            </p:cNvPr>
+            <p:cNvSpPr/>
+            <p:nvPr/>
+          </p:nvSpPr>
+          <p:spPr>
+            <a:xfrm>
+              <a:off x="2626242" y="1308863"/>
+              <a:ext cx="7091917" cy="3009014"/>
+            </a:xfrm>
+            <a:prstGeom prst="rect">
+              <a:avLst/>
+            </a:prstGeom>
+          </p:spPr>
+          <p:style>
+            <a:lnRef idx="2">
+              <a:schemeClr val="accent1">
+                <a:shade val="15000"/>
+              </a:schemeClr>
+            </a:lnRef>
+            <a:fillRef idx="1">
+              <a:schemeClr val="accent1"/>
+            </a:fillRef>
+            <a:effectRef idx="0">
+              <a:schemeClr val="accent1"/>
+            </a:effectRef>
+            <a:fontRef idx="minor">
+              <a:schemeClr val="lt1"/>
+            </a:fontRef>
+          </p:style>
+          <p:txBody>
+            <a:bodyPr rtlCol="0" anchor="ctr"/>
+            <a:lstStyle/>
+            <a:p>
+              <a:pPr algn="ctr"/>
+              <a:endParaRPr lang="en-US"/>
+            </a:p>
+          </p:txBody>
+        </p:sp>
+        <p:sp>
+          <p:nvSpPr>
+            <p:cNvPr id="7" name="TextBox 6">
+              <a:extLst>
+                <a:ext uri="{FF2B5EF4-FFF2-40B4-BE49-F238E27FC236}">
+                  <a16:creationId xmlns:a16="http://schemas.microsoft.com/office/drawing/2014/main" id="{83F76F70-7C56-FC8A-F376-8D3A9C2F22F8}"/>
+                </a:ext>
+              </a:extLst>
+            </p:cNvPr>
+            <p:cNvSpPr txBox="1"/>
+            <p:nvPr/>
+          </p:nvSpPr>
+          <p:spPr>
+            <a:xfrm>
+              <a:off x="4221124" y="1467293"/>
+              <a:ext cx="4763386" cy="369332"/>
+            </a:xfrm>
+            <a:prstGeom prst="rect">
+              <a:avLst/>
+            </a:prstGeom>
+            <a:noFill/>
+          </p:spPr>
+          <p:txBody>
+            <a:bodyPr wrap="square" rtlCol="0">
+              <a:spAutoFit/>
+            </a:bodyPr>
+            <a:lstStyle/>
+            <a:p>
+              <a:r>
+                <a:rPr lang="en-US" dirty="0" err="1">
+                  <a:solidFill>
+                    <a:schemeClr val="bg1"/>
+                  </a:solidFill>
+                </a:rPr>
+                <a:t>Metodología</a:t>
+              </a:r>
+              <a:r>
+                <a:rPr lang="en-US" dirty="0">
+                  <a:solidFill>
+                    <a:schemeClr val="bg1"/>
+                  </a:solidFill>
+                </a:rPr>
+                <a:t> de Machine Learning</a:t>
+              </a:r>
+            </a:p>
+          </p:txBody>
+        </p:sp>
+        <p:sp>
+          <p:nvSpPr>
+            <p:cNvPr id="8" name="TextBox 7">
+              <a:extLst>
+                <a:ext uri="{FF2B5EF4-FFF2-40B4-BE49-F238E27FC236}">
+                  <a16:creationId xmlns:a16="http://schemas.microsoft.com/office/drawing/2014/main" id="{0E845DE8-E1A8-6133-62E5-4E3A88DFFE35}"/>
+                </a:ext>
+              </a:extLst>
+            </p:cNvPr>
+            <p:cNvSpPr txBox="1"/>
+            <p:nvPr/>
+          </p:nvSpPr>
+          <p:spPr>
+            <a:xfrm>
+              <a:off x="2806996" y="2009553"/>
+              <a:ext cx="6730410" cy="1825055"/>
+            </a:xfrm>
+            <a:prstGeom prst="rect">
+              <a:avLst/>
+            </a:prstGeom>
+            <a:noFill/>
+          </p:spPr>
+          <p:txBody>
+            <a:bodyPr wrap="square" rtlCol="0">
+              <a:spAutoFit/>
+            </a:bodyPr>
+            <a:lstStyle/>
+            <a:p>
+              <a:pPr marL="342900" indent="-342900">
+                <a:buFont typeface="+mj-lt"/>
+                <a:buAutoNum type="arabicPeriod"/>
+              </a:pPr>
+              <a:r>
+                <a:rPr lang="en-US" dirty="0" err="1">
+                  <a:solidFill>
+                    <a:schemeClr val="bg1"/>
+                  </a:solidFill>
+                </a:rPr>
+                <a:t>Entrenamiento</a:t>
+              </a:r>
+              <a:r>
+                <a:rPr lang="en-US" dirty="0">
+                  <a:solidFill>
+                    <a:schemeClr val="bg1"/>
+                  </a:solidFill>
+                </a:rPr>
+                <a:t> del </a:t>
+              </a:r>
+              <a:r>
+                <a:rPr lang="en-US" dirty="0" err="1">
+                  <a:solidFill>
+                    <a:schemeClr val="bg1"/>
+                  </a:solidFill>
+                </a:rPr>
+                <a:t>modelo</a:t>
+              </a:r>
+              <a:r>
+                <a:rPr lang="en-US" dirty="0">
+                  <a:solidFill>
+                    <a:schemeClr val="bg1"/>
+                  </a:solidFill>
+                </a:rPr>
+                <a:t> con </a:t>
+              </a:r>
+              <a:r>
+                <a:rPr lang="en-US" dirty="0" err="1">
+                  <a:solidFill>
+                    <a:schemeClr val="bg1"/>
+                  </a:solidFill>
+                </a:rPr>
+                <a:t>el</a:t>
+              </a:r>
+              <a:r>
+                <a:rPr lang="en-US" dirty="0">
+                  <a:solidFill>
+                    <a:schemeClr val="bg1"/>
+                  </a:solidFill>
+                </a:rPr>
+                <a:t> conjunto de </a:t>
+              </a:r>
+              <a:r>
+                <a:rPr lang="en-US" dirty="0" err="1">
+                  <a:solidFill>
+                    <a:schemeClr val="bg1"/>
+                  </a:solidFill>
+                </a:rPr>
+                <a:t>entrenamiento</a:t>
+              </a:r>
+              <a:r>
+                <a:rPr lang="en-US" dirty="0">
+                  <a:solidFill>
+                    <a:schemeClr val="bg1"/>
+                  </a:solidFill>
+                </a:rPr>
+                <a:t> (fit)</a:t>
+              </a:r>
+            </a:p>
+            <a:p>
+              <a:pPr marL="800100" lvl="1" indent="-342900">
+                <a:buFont typeface="+mj-lt"/>
+                <a:buAutoNum type="arabicPeriod"/>
+              </a:pPr>
+              <a:r>
+                <a:rPr lang="en-US" dirty="0" err="1">
+                  <a:solidFill>
+                    <a:schemeClr val="bg1"/>
+                  </a:solidFill>
+                </a:rPr>
+                <a:t>Mejores</a:t>
+              </a:r>
+              <a:r>
+                <a:rPr lang="en-US" dirty="0">
+                  <a:solidFill>
+                    <a:schemeClr val="bg1"/>
+                  </a:solidFill>
+                </a:rPr>
+                <a:t> </a:t>
+              </a:r>
+              <a:r>
+                <a:rPr lang="en-US" dirty="0" err="1">
+                  <a:solidFill>
+                    <a:schemeClr val="bg1"/>
+                  </a:solidFill>
+                </a:rPr>
+                <a:t>parámetros</a:t>
+              </a:r>
+              <a:r>
+                <a:rPr lang="en-US" dirty="0">
+                  <a:solidFill>
+                    <a:schemeClr val="bg1"/>
+                  </a:solidFill>
+                </a:rPr>
+                <a:t> para </a:t>
+              </a:r>
+              <a:r>
+                <a:rPr lang="en-US" dirty="0" err="1">
+                  <a:solidFill>
+                    <a:schemeClr val="bg1"/>
+                  </a:solidFill>
+                </a:rPr>
+                <a:t>este</a:t>
+              </a:r>
+              <a:r>
+                <a:rPr lang="en-US" dirty="0">
+                  <a:solidFill>
+                    <a:schemeClr val="bg1"/>
+                  </a:solidFill>
+                </a:rPr>
+                <a:t> </a:t>
+              </a:r>
+              <a:r>
+                <a:rPr lang="en-US" dirty="0" err="1">
+                  <a:solidFill>
+                    <a:schemeClr val="bg1"/>
+                  </a:solidFill>
+                </a:rPr>
+                <a:t>modelo</a:t>
+              </a:r>
+              <a:r>
+                <a:rPr lang="en-US" dirty="0">
+                  <a:solidFill>
+                    <a:schemeClr val="bg1"/>
+                  </a:solidFill>
+                </a:rPr>
+                <a:t> (</a:t>
+              </a:r>
+              <a:r>
+                <a:rPr lang="en-US" dirty="0" err="1">
+                  <a:solidFill>
+                    <a:schemeClr val="bg1"/>
+                  </a:solidFill>
+                </a:rPr>
+                <a:t>en</a:t>
+              </a:r>
+              <a:r>
+                <a:rPr lang="en-US" dirty="0">
+                  <a:solidFill>
+                    <a:schemeClr val="bg1"/>
+                  </a:solidFill>
+                </a:rPr>
+                <a:t> </a:t>
+              </a:r>
+              <a:r>
+                <a:rPr lang="en-US" dirty="0" err="1">
+                  <a:solidFill>
+                    <a:schemeClr val="bg1"/>
+                  </a:solidFill>
+                </a:rPr>
+                <a:t>sentido</a:t>
+              </a:r>
+              <a:r>
+                <a:rPr lang="en-US" dirty="0">
+                  <a:solidFill>
+                    <a:schemeClr val="bg1"/>
+                  </a:solidFill>
+                </a:rPr>
+                <a:t> de </a:t>
+              </a:r>
+              <a:r>
+                <a:rPr lang="en-US" dirty="0" err="1">
+                  <a:solidFill>
+                    <a:schemeClr val="bg1"/>
+                  </a:solidFill>
+                </a:rPr>
+                <a:t>minimzar</a:t>
+              </a:r>
+              <a:r>
+                <a:rPr lang="en-US" dirty="0">
+                  <a:solidFill>
+                    <a:schemeClr val="bg1"/>
+                  </a:solidFill>
+                </a:rPr>
+                <a:t> </a:t>
+              </a:r>
+              <a:r>
+                <a:rPr lang="en-US" dirty="0" err="1">
+                  <a:solidFill>
+                    <a:schemeClr val="bg1"/>
+                  </a:solidFill>
+                </a:rPr>
+                <a:t>el</a:t>
+              </a:r>
+              <a:r>
+                <a:rPr lang="en-US" dirty="0">
+                  <a:solidFill>
+                    <a:schemeClr val="bg1"/>
+                  </a:solidFill>
+                </a:rPr>
+                <a:t> error)</a:t>
+              </a:r>
+            </a:p>
+            <a:p>
+              <a:pPr marL="342900" indent="-342900">
+                <a:buFont typeface="+mj-lt"/>
+                <a:buAutoNum type="arabicPeriod"/>
+              </a:pPr>
+              <a:r>
+                <a:rPr lang="en-US" dirty="0" err="1">
+                  <a:solidFill>
+                    <a:schemeClr val="bg1"/>
+                  </a:solidFill>
+                </a:rPr>
+                <a:t>Predicción</a:t>
+              </a:r>
+              <a:r>
+                <a:rPr lang="en-US" dirty="0">
+                  <a:solidFill>
+                    <a:schemeClr val="bg1"/>
+                  </a:solidFill>
+                </a:rPr>
+                <a:t> </a:t>
+              </a:r>
+              <a:r>
+                <a:rPr lang="en-US" dirty="0" err="1">
+                  <a:solidFill>
+                    <a:schemeClr val="bg1"/>
+                  </a:solidFill>
+                </a:rPr>
+                <a:t>sobre</a:t>
+              </a:r>
+              <a:r>
+                <a:rPr lang="en-US" dirty="0">
+                  <a:solidFill>
+                    <a:schemeClr val="bg1"/>
+                  </a:solidFill>
+                </a:rPr>
+                <a:t> </a:t>
+              </a:r>
+              <a:r>
+                <a:rPr lang="en-US" dirty="0" err="1">
+                  <a:solidFill>
+                    <a:schemeClr val="bg1"/>
+                  </a:solidFill>
+                </a:rPr>
+                <a:t>el</a:t>
+              </a:r>
+              <a:r>
+                <a:rPr lang="en-US" dirty="0">
+                  <a:solidFill>
+                    <a:schemeClr val="bg1"/>
+                  </a:solidFill>
+                </a:rPr>
+                <a:t> conjunto de </a:t>
+              </a:r>
+              <a:r>
+                <a:rPr lang="en-US" dirty="0" err="1">
+                  <a:solidFill>
+                    <a:schemeClr val="bg1"/>
+                  </a:solidFill>
+                </a:rPr>
+                <a:t>prueba</a:t>
+              </a:r>
+              <a:endParaRPr lang="en-US" dirty="0">
+                <a:solidFill>
+                  <a:schemeClr val="bg1"/>
+                </a:solidFill>
+              </a:endParaRPr>
+            </a:p>
+            <a:p>
+              <a:pPr marL="342900" indent="-342900">
+                <a:buFont typeface="+mj-lt"/>
+                <a:buAutoNum type="arabicPeriod"/>
+              </a:pPr>
+              <a:r>
+                <a:rPr lang="en-US" dirty="0" err="1">
+                  <a:solidFill>
+                    <a:schemeClr val="bg1"/>
+                  </a:solidFill>
+                </a:rPr>
+                <a:t>Medición</a:t>
+              </a:r>
+              <a:r>
+                <a:rPr lang="en-US" dirty="0">
+                  <a:solidFill>
+                    <a:schemeClr val="bg1"/>
+                  </a:solidFill>
+                </a:rPr>
+                <a:t> de error </a:t>
+              </a:r>
+              <a:r>
+                <a:rPr lang="en-US" dirty="0" err="1">
+                  <a:solidFill>
+                    <a:schemeClr val="bg1"/>
+                  </a:solidFill>
+                </a:rPr>
+                <a:t>sobre</a:t>
+              </a:r>
+              <a:r>
+                <a:rPr lang="en-US" dirty="0">
+                  <a:solidFill>
+                    <a:schemeClr val="bg1"/>
+                  </a:solidFill>
+                </a:rPr>
+                <a:t> </a:t>
+              </a:r>
+              <a:r>
+                <a:rPr lang="en-US" dirty="0" err="1">
+                  <a:solidFill>
+                    <a:schemeClr val="bg1"/>
+                  </a:solidFill>
+                </a:rPr>
+                <a:t>esta</a:t>
+              </a:r>
+              <a:r>
+                <a:rPr lang="en-US" dirty="0">
+                  <a:solidFill>
+                    <a:schemeClr val="bg1"/>
+                  </a:solidFill>
+                </a:rPr>
+                <a:t> </a:t>
+              </a:r>
+              <a:r>
+                <a:rPr lang="en-US" dirty="0" err="1">
+                  <a:solidFill>
+                    <a:schemeClr val="bg1"/>
+                  </a:solidFill>
+                </a:rPr>
+                <a:t>predicción</a:t>
+              </a:r>
+              <a:endParaRPr lang="en-US" dirty="0">
+                <a:solidFill>
+                  <a:schemeClr val="bg1"/>
+                </a:solidFill>
+              </a:endParaRPr>
+            </a:p>
+          </p:txBody>
+        </p:sp>
+      </p:grpSp>
+      <p:cxnSp>
+        <p:nvCxnSpPr>
+          <p:cNvPr id="10" name="Straight Arrow Connector 9">
+            <a:extLst>
+              <a:ext uri="{FF2B5EF4-FFF2-40B4-BE49-F238E27FC236}">
+                <a16:creationId xmlns:a16="http://schemas.microsoft.com/office/drawing/2014/main" id="{9D7F59C7-92AA-7C7B-6A50-44AE6B16AB0F}"/>
+              </a:ext>
+            </a:extLst>
+          </p:cNvPr>
+          <p:cNvCxnSpPr>
+            <a:cxnSpLocks/>
+            <a:stCxn id="5" idx="2"/>
+          </p:cNvCxnSpPr>
+          <p:nvPr/>
+        </p:nvCxnSpPr>
+        <p:spPr>
+          <a:xfrm flipH="1">
+            <a:off x="6172198" y="958518"/>
+            <a:ext cx="3" cy="466245"/>
+          </a:xfrm>
+          <a:prstGeom prst="straightConnector1">
+            <a:avLst/>
+          </a:prstGeom>
+          <a:ln>
+            <a:tailEnd type="triangle"/>
+          </a:ln>
+        </p:spPr>
+        <p:style>
+          <a:lnRef idx="2">
+            <a:schemeClr val="accent1"/>
+          </a:lnRef>
+          <a:fillRef idx="0">
+            <a:schemeClr val="accent1"/>
+          </a:fillRef>
+          <a:effectRef idx="1">
+            <a:schemeClr val="accent1"/>
+          </a:effectRef>
+          <a:fontRef idx="minor">
+            <a:schemeClr val="tx1"/>
+          </a:fontRef>
+        </p:style>
+      </p:cxnSp>
+      <p:sp>
+        <p:nvSpPr>
+          <p:cNvPr id="13" name="Rectangle 12">
+            <a:extLst>
+              <a:ext uri="{FF2B5EF4-FFF2-40B4-BE49-F238E27FC236}">
+                <a16:creationId xmlns:a16="http://schemas.microsoft.com/office/drawing/2014/main" id="{1DE35C26-1E5F-0099-AB72-B58C3E291B52}"/>
+              </a:ext>
+            </a:extLst>
+          </p:cNvPr>
+          <p:cNvSpPr/>
+          <p:nvPr/>
+        </p:nvSpPr>
+        <p:spPr>
+          <a:xfrm>
+            <a:off x="4678325" y="5795458"/>
+            <a:ext cx="2987749" cy="786809"/>
+          </a:xfrm>
+          <a:prstGeom prst="rect">
+            <a:avLst/>
+          </a:prstGeom>
+        </p:spPr>
+        <p:style>
+          <a:lnRef idx="2">
+            <a:schemeClr val="accent1">
+              <a:shade val="15000"/>
+            </a:schemeClr>
+          </a:lnRef>
+          <a:fillRef idx="1">
+            <a:schemeClr val="accent1"/>
+          </a:fillRef>
+          <a:effectRef idx="0">
+            <a:schemeClr val="accent1"/>
+          </a:effectRef>
+          <a:fontRef idx="minor">
+            <a:schemeClr val="lt1"/>
+          </a:fontRef>
+        </p:style>
+        <p:txBody>
+          <a:bodyPr rtlCol="0" anchor="ctr"/>
+          <a:lstStyle/>
+          <a:p>
+            <a:pPr algn="ctr"/>
+            <a:r>
+              <a:rPr lang="en-US" dirty="0" err="1"/>
+              <a:t>Seleccionamos</a:t>
+            </a:r>
+            <a:r>
+              <a:rPr lang="en-US" dirty="0"/>
+              <a:t> </a:t>
+            </a:r>
+            <a:r>
+              <a:rPr lang="en-US" dirty="0" err="1"/>
+              <a:t>el</a:t>
+            </a:r>
+            <a:r>
+              <a:rPr lang="en-US" dirty="0"/>
+              <a:t> </a:t>
+            </a:r>
+            <a:r>
+              <a:rPr lang="en-US" dirty="0" err="1"/>
+              <a:t>modelo</a:t>
+            </a:r>
+            <a:r>
+              <a:rPr lang="en-US" dirty="0"/>
+              <a:t> que </a:t>
+            </a:r>
+            <a:r>
+              <a:rPr lang="en-US" dirty="0" err="1"/>
+              <a:t>tenga</a:t>
+            </a:r>
+            <a:r>
+              <a:rPr lang="en-US" dirty="0"/>
+              <a:t> </a:t>
+            </a:r>
+            <a:r>
+              <a:rPr lang="en-US" dirty="0" err="1"/>
+              <a:t>menor</a:t>
+            </a:r>
+            <a:r>
+              <a:rPr lang="en-US" dirty="0"/>
+              <a:t> error*</a:t>
+            </a:r>
+          </a:p>
+        </p:txBody>
+      </p:sp>
+      <p:cxnSp>
+        <p:nvCxnSpPr>
+          <p:cNvPr id="14" name="Straight Arrow Connector 13">
+            <a:extLst>
+              <a:ext uri="{FF2B5EF4-FFF2-40B4-BE49-F238E27FC236}">
+                <a16:creationId xmlns:a16="http://schemas.microsoft.com/office/drawing/2014/main" id="{3A4DA9A6-2772-FD5E-3242-4670DBBB809F}"/>
+              </a:ext>
+            </a:extLst>
+          </p:cNvPr>
+          <p:cNvCxnSpPr>
+            <a:cxnSpLocks/>
+            <a:stCxn id="8" idx="2"/>
+            <a:endCxn id="13" idx="0"/>
+          </p:cNvCxnSpPr>
+          <p:nvPr/>
+        </p:nvCxnSpPr>
+        <p:spPr>
+          <a:xfrm flipH="1">
+            <a:off x="6172200" y="4883637"/>
+            <a:ext cx="37212" cy="911821"/>
+          </a:xfrm>
+          <a:prstGeom prst="straightConnector1">
+            <a:avLst/>
+          </a:prstGeom>
+          <a:ln>
+            <a:tailEnd type="triangle"/>
+          </a:ln>
+        </p:spPr>
+        <p:style>
+          <a:lnRef idx="2">
+            <a:schemeClr val="accent1"/>
+          </a:lnRef>
+          <a:fillRef idx="0">
+            <a:schemeClr val="accent1"/>
+          </a:fillRef>
+          <a:effectRef idx="1">
+            <a:schemeClr val="accent1"/>
+          </a:effectRef>
+          <a:fontRef idx="minor">
+            <a:schemeClr val="tx1"/>
+          </a:fontRef>
+        </p:style>
+      </p:cxnSp>
+      <p:sp>
+        <p:nvSpPr>
+          <p:cNvPr id="21" name="Rectangle 20">
+            <a:extLst>
+              <a:ext uri="{FF2B5EF4-FFF2-40B4-BE49-F238E27FC236}">
+                <a16:creationId xmlns:a16="http://schemas.microsoft.com/office/drawing/2014/main" id="{2BD8BA02-FAE1-1978-A138-CBA020A2B99C}"/>
+              </a:ext>
+            </a:extLst>
+          </p:cNvPr>
+          <p:cNvSpPr/>
+          <p:nvPr/>
+        </p:nvSpPr>
+        <p:spPr>
+          <a:xfrm>
+            <a:off x="4678325" y="1306401"/>
+            <a:ext cx="3062177" cy="786809"/>
+          </a:xfrm>
+          <a:prstGeom prst="rect">
+            <a:avLst/>
+          </a:prstGeom>
+        </p:spPr>
+        <p:style>
+          <a:lnRef idx="2">
+            <a:schemeClr val="accent1">
+              <a:shade val="15000"/>
+            </a:schemeClr>
+          </a:lnRef>
+          <a:fillRef idx="1">
+            <a:schemeClr val="accent1"/>
+          </a:fillRef>
+          <a:effectRef idx="0">
+            <a:schemeClr val="accent1"/>
+          </a:effectRef>
+          <a:fontRef idx="minor">
+            <a:schemeClr val="lt1"/>
+          </a:fontRef>
+        </p:style>
+        <p:txBody>
+          <a:bodyPr rtlCol="0" anchor="ctr"/>
+          <a:lstStyle/>
+          <a:p>
+            <a:pPr algn="ctr"/>
+            <a:r>
+              <a:rPr lang="en-US" dirty="0" err="1"/>
+              <a:t>Partición</a:t>
+            </a:r>
+            <a:r>
+              <a:rPr lang="en-US" dirty="0"/>
+              <a:t> de conjunto de </a:t>
+            </a:r>
+            <a:r>
+              <a:rPr lang="en-US" dirty="0" err="1"/>
+              <a:t>entrenamiento</a:t>
+            </a:r>
+            <a:r>
+              <a:rPr lang="en-US" dirty="0"/>
+              <a:t> y </a:t>
+            </a:r>
+            <a:r>
+              <a:rPr lang="en-US" dirty="0" err="1"/>
+              <a:t>prueba</a:t>
+            </a:r>
+            <a:endParaRPr lang="en-US" dirty="0"/>
+          </a:p>
+        </p:txBody>
+      </p:sp>
+      <p:cxnSp>
+        <p:nvCxnSpPr>
+          <p:cNvPr id="23" name="Straight Arrow Connector 22">
+            <a:extLst>
+              <a:ext uri="{FF2B5EF4-FFF2-40B4-BE49-F238E27FC236}">
+                <a16:creationId xmlns:a16="http://schemas.microsoft.com/office/drawing/2014/main" id="{705CC662-6E14-A530-532E-06EBB1F0B00A}"/>
+              </a:ext>
+            </a:extLst>
+          </p:cNvPr>
+          <p:cNvCxnSpPr>
+            <a:cxnSpLocks/>
+            <a:stCxn id="21" idx="2"/>
+            <a:endCxn id="6" idx="0"/>
+          </p:cNvCxnSpPr>
+          <p:nvPr/>
+        </p:nvCxnSpPr>
+        <p:spPr>
+          <a:xfrm flipH="1">
+            <a:off x="6209412" y="2093210"/>
+            <a:ext cx="2" cy="362566"/>
+          </a:xfrm>
+          <a:prstGeom prst="straightConnector1">
+            <a:avLst/>
+          </a:prstGeom>
+          <a:ln>
+            <a:tailEnd type="triangle"/>
+          </a:ln>
+        </p:spPr>
+        <p:style>
+          <a:lnRef idx="2">
+            <a:schemeClr val="accent1"/>
+          </a:lnRef>
+          <a:fillRef idx="0">
+            <a:schemeClr val="accent1"/>
+          </a:fillRef>
+          <a:effectRef idx="1">
+            <a:schemeClr val="accent1"/>
+          </a:effectRef>
+          <a:fontRef idx="minor">
+            <a:schemeClr val="tx1"/>
+          </a:fontRef>
+        </p:style>
+      </p:cxnSp>
+      <p:sp>
+        <p:nvSpPr>
+          <p:cNvPr id="27" name="TextBox 26">
+            <a:extLst>
+              <a:ext uri="{FF2B5EF4-FFF2-40B4-BE49-F238E27FC236}">
+                <a16:creationId xmlns:a16="http://schemas.microsoft.com/office/drawing/2014/main" id="{71BD9EE9-E96B-1935-B8C6-E0EF09A0D2F2}"/>
+              </a:ext>
+            </a:extLst>
+          </p:cNvPr>
+          <p:cNvSpPr txBox="1"/>
+          <p:nvPr/>
+        </p:nvSpPr>
+        <p:spPr>
+          <a:xfrm>
+            <a:off x="8739963" y="5699051"/>
+            <a:ext cx="3125972" cy="923330"/>
+          </a:xfrm>
+          <a:prstGeom prst="rect">
+            <a:avLst/>
+          </a:prstGeom>
+          <a:noFill/>
+        </p:spPr>
+        <p:txBody>
+          <a:bodyPr wrap="square" rtlCol="0">
+            <a:spAutoFit/>
+          </a:bodyPr>
+          <a:lstStyle/>
+          <a:p>
+            <a:r>
+              <a:rPr lang="en-US" dirty="0"/>
+              <a:t>*</a:t>
+            </a:r>
+            <a:r>
+              <a:rPr lang="en-US" dirty="0" err="1"/>
+              <a:t>Considerar</a:t>
+            </a:r>
+            <a:r>
+              <a:rPr lang="en-US" dirty="0"/>
+              <a:t> </a:t>
+            </a:r>
+            <a:r>
+              <a:rPr lang="en-US" dirty="0" err="1"/>
+              <a:t>tiempo</a:t>
+            </a:r>
+            <a:r>
+              <a:rPr lang="en-US" dirty="0"/>
+              <a:t> de </a:t>
+            </a:r>
+            <a:r>
+              <a:rPr lang="en-US" dirty="0" err="1"/>
+              <a:t>entrenamiento</a:t>
+            </a:r>
+            <a:r>
+              <a:rPr lang="en-US" dirty="0"/>
+              <a:t> y </a:t>
+            </a:r>
+            <a:r>
+              <a:rPr lang="en-US" dirty="0" err="1"/>
+              <a:t>predicción</a:t>
+            </a:r>
+            <a:r>
+              <a:rPr lang="en-US" dirty="0"/>
+              <a:t>; y principio de </a:t>
+            </a:r>
+            <a:r>
+              <a:rPr lang="en-US" dirty="0" err="1"/>
+              <a:t>parsimonia</a:t>
+            </a:r>
+            <a:endParaRPr lang="en-US" dirty="0"/>
+          </a:p>
+        </p:txBody>
+      </p:sp>
+    </p:spTree>
+    <p:extLst>
+      <p:ext uri="{BB962C8B-B14F-4D97-AF65-F5344CB8AC3E}">
+        <p14:creationId xmlns:p14="http://schemas.microsoft.com/office/powerpoint/2010/main" val="692133446"/>
+      </p:ext>
+    </p:extLst>
+  </p:cSld>
+  <p:clrMapOvr>
+    <a:masterClrMapping/>
+  </p:clrMapOvr>
+</p:sld>
+</file>
+
 <file path=ppt/tags/tag1.xml><?xml version="1.0" encoding="utf-8"?>
 <p:tagLst xmlns:a="http://schemas.openxmlformats.org/drawingml/2006/main" xmlns:r="http://schemas.openxmlformats.org/officeDocument/2006/relationships" xmlns:p="http://schemas.openxmlformats.org/presentationml/2006/main">
   <p:tag name="THINKCELLUNDODONOTDELETE" val="0"/>
@@ -10448,6 +11525,12 @@
 </file>
 
 <file path=ppt/tags/tag7.xml><?xml version="1.0" encoding="utf-8"?>
+<p:tagLst xmlns:a="http://schemas.openxmlformats.org/drawingml/2006/main" xmlns:r="http://schemas.openxmlformats.org/officeDocument/2006/relationships" xmlns:p="http://schemas.openxmlformats.org/presentationml/2006/main">
+  <p:tag name="THINKCELLSHAPEDONOTDELETE" val="thinkcellActiveDocDoNotDelete"/>
+</p:tagLst>
+</file>
+
+<file path=ppt/tags/tag8.xml><?xml version="1.0" encoding="utf-8"?>
 <p:tagLst xmlns:a="http://schemas.openxmlformats.org/drawingml/2006/main" xmlns:r="http://schemas.openxmlformats.org/officeDocument/2006/relationships" xmlns:p="http://schemas.openxmlformats.org/presentationml/2006/main">
   <p:tag name="THINKCELLSHAPEDONOTDELETE" val="thinkcellActiveDocDoNotDelete"/>
 </p:tagLst>
